--- a/ComputerVision/Class 02 Image digitization/CV #2 Digital Image, Fundamentals - Aakash.pptx
+++ b/ComputerVision/Class 02 Image digitization/CV #2 Digital Image, Fundamentals - Aakash.pptx
@@ -5,7 +5,7 @@
     <p:sldMasterId id="2147483648" r:id="rId1"/>
   </p:sldMasterIdLst>
   <p:notesMasterIdLst>
-    <p:notesMasterId r:id="rId30"/>
+    <p:notesMasterId r:id="rId35"/>
   </p:notesMasterIdLst>
   <p:sldIdLst>
     <p:sldId id="318" r:id="rId2"/>
@@ -19,35 +19,31 @@
     <p:sldId id="322" r:id="rId10"/>
     <p:sldId id="324" r:id="rId11"/>
     <p:sldId id="323" r:id="rId12"/>
-    <p:sldId id="325" r:id="rId13"/>
-    <p:sldId id="326" r:id="rId14"/>
-    <p:sldId id="327" r:id="rId15"/>
-    <p:sldId id="328" r:id="rId16"/>
-    <p:sldId id="271" r:id="rId17"/>
-    <p:sldId id="272" r:id="rId18"/>
-    <p:sldId id="329" r:id="rId19"/>
-    <p:sldId id="330" r:id="rId20"/>
-    <p:sldId id="331" r:id="rId21"/>
-    <p:sldId id="332" r:id="rId22"/>
-    <p:sldId id="333" r:id="rId23"/>
-    <p:sldId id="334" r:id="rId24"/>
-    <p:sldId id="335" r:id="rId25"/>
-    <p:sldId id="336" r:id="rId26"/>
-    <p:sldId id="337" r:id="rId27"/>
-    <p:sldId id="297" r:id="rId28"/>
-    <p:sldId id="298" r:id="rId29"/>
+    <p:sldId id="338" r:id="rId13"/>
+    <p:sldId id="339" r:id="rId14"/>
+    <p:sldId id="340" r:id="rId15"/>
+    <p:sldId id="341" r:id="rId16"/>
+    <p:sldId id="342" r:id="rId17"/>
+    <p:sldId id="343" r:id="rId18"/>
+    <p:sldId id="344" r:id="rId19"/>
+    <p:sldId id="325" r:id="rId20"/>
+    <p:sldId id="326" r:id="rId21"/>
+    <p:sldId id="327" r:id="rId22"/>
+    <p:sldId id="328" r:id="rId23"/>
+    <p:sldId id="329" r:id="rId24"/>
+    <p:sldId id="330" r:id="rId25"/>
+    <p:sldId id="331" r:id="rId26"/>
+    <p:sldId id="332" r:id="rId27"/>
+    <p:sldId id="333" r:id="rId28"/>
+    <p:sldId id="334" r:id="rId29"/>
+    <p:sldId id="335" r:id="rId30"/>
+    <p:sldId id="336" r:id="rId31"/>
+    <p:sldId id="337" r:id="rId32"/>
+    <p:sldId id="297" r:id="rId33"/>
+    <p:sldId id="298" r:id="rId34"/>
   </p:sldIdLst>
   <p:sldSz cx="12192000" cy="6858000"/>
   <p:notesSz cx="6858000" cy="9144000"/>
-  <p:embeddedFontLst>
-    <p:embeddedFont>
-      <p:font typeface="Georgia" panose="02040502050405020303" pitchFamily="18" charset="0"/>
-      <p:regular r:id="rId31"/>
-      <p:bold r:id="rId32"/>
-      <p:italic r:id="rId33"/>
-      <p:boldItalic r:id="rId34"/>
-    </p:embeddedFont>
-  </p:embeddedFontLst>
   <p:defaultTextStyle>
     <a:defPPr marR="0" lvl="0" algn="l" rtl="0">
       <a:lnSpc>
@@ -278,8 +274,11 @@
     </a:lvl9pPr>
   </p:defaultTextStyle>
   <p:extLst>
+    <p:ext uri="{EFAFB233-063F-42B5-8137-9DF3F51BA10A}">
+      <p15:sldGuideLst xmlns:p15="http://schemas.microsoft.com/office/powerpoint/2012/main"/>
+    </p:ext>
     <p:ext uri="GoogleSlidesCustomDataVersion2">
-      <go:slidesCustomData xmlns:go="http://customooxmlschemas.google.com/" xmlns:ahyp="http://schemas.microsoft.com/office/drawing/2018/hyperlinkcolor" xmlns:p15="http://schemas.microsoft.com/office/powerpoint/2012/main" xmlns:p14="http://schemas.microsoft.com/office/powerpoint/2010/main" xmlns:com="http://schemas.openxmlformats.org/drawingml/2006/compatibility" xmlns:pvml="urn:schemas-microsoft-com:office:powerpoint" xmlns:v="urn:schemas-microsoft-com:vml" xmlns:o="urn:schemas-microsoft-com:office:office" xmlns:dgm="http://schemas.openxmlformats.org/drawingml/2006/diagram" xmlns:c="http://schemas.openxmlformats.org/drawingml/2006/chart" xmlns:mv="urn:schemas-microsoft-com:mac:vml" xmlns:mc="http://schemas.openxmlformats.org/markup-compatibility/2006" xmlns="" r:id="rId52" roundtripDataSignature="AMtx7mjyDp/TXpgp/6mAk5w+Yx3MTd0SSQ=="/>
+      <go:slidesCustomData xmlns="" xmlns:mc="http://schemas.openxmlformats.org/markup-compatibility/2006" xmlns:mv="urn:schemas-microsoft-com:mac:vml" xmlns:c="http://schemas.openxmlformats.org/drawingml/2006/chart" xmlns:dgm="http://schemas.openxmlformats.org/drawingml/2006/diagram" xmlns:o="urn:schemas-microsoft-com:office:office" xmlns:v="urn:schemas-microsoft-com:vml" xmlns:pvml="urn:schemas-microsoft-com:office:powerpoint" xmlns:com="http://schemas.openxmlformats.org/drawingml/2006/compatibility" xmlns:p14="http://schemas.microsoft.com/office/powerpoint/2010/main" xmlns:p15="http://schemas.microsoft.com/office/powerpoint/2012/main" xmlns:ahyp="http://schemas.microsoft.com/office/drawing/2018/hyperlinkcolor" xmlns:go="http://customooxmlschemas.google.com/" r:id="rId52" roundtripDataSignature="AMtx7mjyDp/TXpgp/6mAk5w+Yx3MTd0SSQ=="/>
     </p:ext>
   </p:extLst>
 </p:presentation>
@@ -2390,354 +2389,6 @@
   <p:cSld>
     <p:spTree>
       <p:nvGrpSpPr>
-        <p:cNvPr id="1" name="Shape 221"/>
-        <p:cNvGrpSpPr/>
-        <p:nvPr/>
-      </p:nvGrpSpPr>
-      <p:grpSpPr>
-        <a:xfrm>
-          <a:off x="0" y="0"/>
-          <a:ext cx="0" cy="0"/>
-          <a:chOff x="0" y="0"/>
-          <a:chExt cx="0" cy="0"/>
-        </a:xfrm>
-      </p:grpSpPr>
-      <p:sp>
-        <p:nvSpPr>
-          <p:cNvPr id="222" name="Google Shape;222;g2a3cdcc7cb9_0_9:notes"/>
-          <p:cNvSpPr>
-            <a:spLocks noGrp="1" noRot="1" noChangeAspect="1"/>
-          </p:cNvSpPr>
-          <p:nvPr>
-            <p:ph type="sldImg" idx="2"/>
-          </p:nvPr>
-        </p:nvSpPr>
-        <p:spPr>
-          <a:xfrm>
-            <a:off x="685800" y="1143000"/>
-            <a:ext cx="5486400" cy="3086100"/>
-          </a:xfrm>
-          <a:custGeom>
-            <a:avLst/>
-            <a:gdLst/>
-            <a:ahLst/>
-            <a:cxnLst/>
-            <a:rect l="l" t="t" r="r" b="b"/>
-            <a:pathLst>
-              <a:path w="120000" h="120000" extrusionOk="0">
-                <a:moveTo>
-                  <a:pt x="0" y="0"/>
-                </a:moveTo>
-                <a:lnTo>
-                  <a:pt x="120000" y="0"/>
-                </a:lnTo>
-                <a:lnTo>
-                  <a:pt x="120000" y="120000"/>
-                </a:lnTo>
-                <a:lnTo>
-                  <a:pt x="0" y="120000"/>
-                </a:lnTo>
-                <a:close/>
-              </a:path>
-            </a:pathLst>
-          </a:custGeom>
-          <a:noFill/>
-          <a:ln w="12700" cap="flat" cmpd="sng">
-            <a:solidFill>
-              <a:srgbClr val="000000"/>
-            </a:solidFill>
-            <a:prstDash val="solid"/>
-            <a:round/>
-            <a:headEnd type="none" w="sm" len="sm"/>
-            <a:tailEnd type="none" w="sm" len="sm"/>
-          </a:ln>
-        </p:spPr>
-      </p:sp>
-      <p:sp>
-        <p:nvSpPr>
-          <p:cNvPr id="223" name="Google Shape;223;g2a3cdcc7cb9_0_9:notes"/>
-          <p:cNvSpPr txBox="1">
-            <a:spLocks noGrp="1"/>
-          </p:cNvSpPr>
-          <p:nvPr>
-            <p:ph type="body" idx="1"/>
-          </p:nvPr>
-        </p:nvSpPr>
-        <p:spPr>
-          <a:xfrm>
-            <a:off x="685800" y="4400550"/>
-            <a:ext cx="5486400" cy="3600600"/>
-          </a:xfrm>
-          <a:prstGeom prst="rect">
-            <a:avLst/>
-          </a:prstGeom>
-          <a:noFill/>
-          <a:ln>
-            <a:noFill/>
-          </a:ln>
-        </p:spPr>
-        <p:txBody>
-          <a:bodyPr spcFirstLastPara="1" wrap="square" lIns="91425" tIns="45700" rIns="91425" bIns="45700" anchor="t" anchorCtr="0">
-            <a:noAutofit/>
-          </a:bodyPr>
-          <a:lstStyle/>
-          <a:p>
-            <a:pPr marL="0" lvl="0" indent="0" algn="l" rtl="0">
-              <a:lnSpc>
-                <a:spcPct val="100000"/>
-              </a:lnSpc>
-              <a:spcBef>
-                <a:spcPts val="0"/>
-              </a:spcBef>
-              <a:spcAft>
-                <a:spcPts val="0"/>
-              </a:spcAft>
-              <a:buSzPts val="1400"/>
-              <a:buNone/>
-            </a:pPr>
-            <a:endParaRPr/>
-          </a:p>
-        </p:txBody>
-      </p:sp>
-      <p:sp>
-        <p:nvSpPr>
-          <p:cNvPr id="224" name="Google Shape;224;g2a3cdcc7cb9_0_9:notes"/>
-          <p:cNvSpPr txBox="1">
-            <a:spLocks noGrp="1"/>
-          </p:cNvSpPr>
-          <p:nvPr>
-            <p:ph type="sldNum" idx="12"/>
-          </p:nvPr>
-        </p:nvSpPr>
-        <p:spPr>
-          <a:xfrm>
-            <a:off x="3884613" y="8685213"/>
-            <a:ext cx="2971800" cy="458700"/>
-          </a:xfrm>
-          <a:prstGeom prst="rect">
-            <a:avLst/>
-          </a:prstGeom>
-          <a:noFill/>
-          <a:ln>
-            <a:noFill/>
-          </a:ln>
-        </p:spPr>
-        <p:txBody>
-          <a:bodyPr spcFirstLastPara="1" wrap="square" lIns="91425" tIns="45700" rIns="91425" bIns="45700" anchor="b" anchorCtr="0">
-            <a:noAutofit/>
-          </a:bodyPr>
-          <a:lstStyle/>
-          <a:p>
-            <a:pPr marL="0" lvl="0" indent="0" algn="r" rtl="0">
-              <a:lnSpc>
-                <a:spcPct val="100000"/>
-              </a:lnSpc>
-              <a:spcBef>
-                <a:spcPts val="0"/>
-              </a:spcBef>
-              <a:spcAft>
-                <a:spcPts val="0"/>
-              </a:spcAft>
-              <a:buSzPts val="1400"/>
-              <a:buNone/>
-            </a:pPr>
-            <a:fld id="{00000000-1234-1234-1234-123412341234}" type="slidenum">
-              <a:rPr lang="en-US"/>
-              <a:t>16</a:t>
-            </a:fld>
-            <a:endParaRPr/>
-          </a:p>
-        </p:txBody>
-      </p:sp>
-    </p:spTree>
-  </p:cSld>
-  <p:clrMapOvr>
-    <a:masterClrMapping/>
-  </p:clrMapOvr>
-</p:notes>
-</file>
-
-<file path=ppt/notesSlides/notesSlide6.xml><?xml version="1.0" encoding="utf-8"?>
-<p:notes xmlns:a="http://schemas.openxmlformats.org/drawingml/2006/main" xmlns:r="http://schemas.openxmlformats.org/officeDocument/2006/relationships" xmlns:p="http://schemas.openxmlformats.org/presentationml/2006/main" showMasterSp="0" showMasterPhAnim="0">
-  <p:cSld>
-    <p:spTree>
-      <p:nvGrpSpPr>
-        <p:cNvPr id="1" name="Shape 234"/>
-        <p:cNvGrpSpPr/>
-        <p:nvPr/>
-      </p:nvGrpSpPr>
-      <p:grpSpPr>
-        <a:xfrm>
-          <a:off x="0" y="0"/>
-          <a:ext cx="0" cy="0"/>
-          <a:chOff x="0" y="0"/>
-          <a:chExt cx="0" cy="0"/>
-        </a:xfrm>
-      </p:grpSpPr>
-      <p:sp>
-        <p:nvSpPr>
-          <p:cNvPr id="235" name="Google Shape;235;g2a3cdcc7cb9_0_34:notes"/>
-          <p:cNvSpPr>
-            <a:spLocks noGrp="1" noRot="1" noChangeAspect="1"/>
-          </p:cNvSpPr>
-          <p:nvPr>
-            <p:ph type="sldImg" idx="2"/>
-          </p:nvPr>
-        </p:nvSpPr>
-        <p:spPr>
-          <a:xfrm>
-            <a:off x="685800" y="1143000"/>
-            <a:ext cx="5486400" cy="3086100"/>
-          </a:xfrm>
-          <a:custGeom>
-            <a:avLst/>
-            <a:gdLst/>
-            <a:ahLst/>
-            <a:cxnLst/>
-            <a:rect l="l" t="t" r="r" b="b"/>
-            <a:pathLst>
-              <a:path w="120000" h="120000" extrusionOk="0">
-                <a:moveTo>
-                  <a:pt x="0" y="0"/>
-                </a:moveTo>
-                <a:lnTo>
-                  <a:pt x="120000" y="0"/>
-                </a:lnTo>
-                <a:lnTo>
-                  <a:pt x="120000" y="120000"/>
-                </a:lnTo>
-                <a:lnTo>
-                  <a:pt x="0" y="120000"/>
-                </a:lnTo>
-                <a:close/>
-              </a:path>
-            </a:pathLst>
-          </a:custGeom>
-          <a:noFill/>
-          <a:ln w="12700" cap="flat" cmpd="sng">
-            <a:solidFill>
-              <a:srgbClr val="000000"/>
-            </a:solidFill>
-            <a:prstDash val="solid"/>
-            <a:round/>
-            <a:headEnd type="none" w="sm" len="sm"/>
-            <a:tailEnd type="none" w="sm" len="sm"/>
-          </a:ln>
-        </p:spPr>
-      </p:sp>
-      <p:sp>
-        <p:nvSpPr>
-          <p:cNvPr id="236" name="Google Shape;236;g2a3cdcc7cb9_0_34:notes"/>
-          <p:cNvSpPr txBox="1">
-            <a:spLocks noGrp="1"/>
-          </p:cNvSpPr>
-          <p:nvPr>
-            <p:ph type="body" idx="1"/>
-          </p:nvPr>
-        </p:nvSpPr>
-        <p:spPr>
-          <a:xfrm>
-            <a:off x="685800" y="4400550"/>
-            <a:ext cx="5486400" cy="3600600"/>
-          </a:xfrm>
-          <a:prstGeom prst="rect">
-            <a:avLst/>
-          </a:prstGeom>
-          <a:noFill/>
-          <a:ln>
-            <a:noFill/>
-          </a:ln>
-        </p:spPr>
-        <p:txBody>
-          <a:bodyPr spcFirstLastPara="1" wrap="square" lIns="91425" tIns="45700" rIns="91425" bIns="45700" anchor="t" anchorCtr="0">
-            <a:noAutofit/>
-          </a:bodyPr>
-          <a:lstStyle/>
-          <a:p>
-            <a:pPr marL="0" lvl="0" indent="0" algn="l" rtl="0">
-              <a:lnSpc>
-                <a:spcPct val="100000"/>
-              </a:lnSpc>
-              <a:spcBef>
-                <a:spcPts val="0"/>
-              </a:spcBef>
-              <a:spcAft>
-                <a:spcPts val="0"/>
-              </a:spcAft>
-              <a:buSzPts val="1400"/>
-              <a:buNone/>
-            </a:pPr>
-            <a:r>
-              <a:rPr lang="en-US"/>
-              <a:t>[ PAge 72-73; Gonzalez &amp; woods ] </a:t>
-            </a:r>
-            <a:endParaRPr/>
-          </a:p>
-        </p:txBody>
-      </p:sp>
-      <p:sp>
-        <p:nvSpPr>
-          <p:cNvPr id="237" name="Google Shape;237;g2a3cdcc7cb9_0_34:notes"/>
-          <p:cNvSpPr txBox="1">
-            <a:spLocks noGrp="1"/>
-          </p:cNvSpPr>
-          <p:nvPr>
-            <p:ph type="sldNum" idx="12"/>
-          </p:nvPr>
-        </p:nvSpPr>
-        <p:spPr>
-          <a:xfrm>
-            <a:off x="3884613" y="8685213"/>
-            <a:ext cx="2971800" cy="458700"/>
-          </a:xfrm>
-          <a:prstGeom prst="rect">
-            <a:avLst/>
-          </a:prstGeom>
-          <a:noFill/>
-          <a:ln>
-            <a:noFill/>
-          </a:ln>
-        </p:spPr>
-        <p:txBody>
-          <a:bodyPr spcFirstLastPara="1" wrap="square" lIns="91425" tIns="45700" rIns="91425" bIns="45700" anchor="b" anchorCtr="0">
-            <a:noAutofit/>
-          </a:bodyPr>
-          <a:lstStyle/>
-          <a:p>
-            <a:pPr marL="0" lvl="0" indent="0" algn="r" rtl="0">
-              <a:lnSpc>
-                <a:spcPct val="100000"/>
-              </a:lnSpc>
-              <a:spcBef>
-                <a:spcPts val="0"/>
-              </a:spcBef>
-              <a:spcAft>
-                <a:spcPts val="0"/>
-              </a:spcAft>
-              <a:buSzPts val="1400"/>
-              <a:buNone/>
-            </a:pPr>
-            <a:fld id="{00000000-1234-1234-1234-123412341234}" type="slidenum">
-              <a:rPr lang="en-US"/>
-              <a:t>17</a:t>
-            </a:fld>
-            <a:endParaRPr/>
-          </a:p>
-        </p:txBody>
-      </p:sp>
-    </p:spTree>
-  </p:cSld>
-  <p:clrMapOvr>
-    <a:masterClrMapping/>
-  </p:clrMapOvr>
-</p:notes>
-</file>
-
-<file path=ppt/notesSlides/notesSlide7.xml><?xml version="1.0" encoding="utf-8"?>
-<p:notes xmlns:a="http://schemas.openxmlformats.org/drawingml/2006/main" xmlns:r="http://schemas.openxmlformats.org/officeDocument/2006/relationships" xmlns:p="http://schemas.openxmlformats.org/presentationml/2006/main" showMasterSp="0" showMasterPhAnim="0">
-  <p:cSld>
-    <p:spTree>
-      <p:nvGrpSpPr>
         <p:cNvPr id="1" name="Shape 520"/>
         <p:cNvGrpSpPr/>
         <p:nvPr/>
@@ -2855,7 +2506,7 @@
 </p:notes>
 </file>
 
-<file path=ppt/notesSlides/notesSlide8.xml><?xml version="1.0" encoding="utf-8"?>
+<file path=ppt/notesSlides/notesSlide6.xml><?xml version="1.0" encoding="utf-8"?>
 <p:notes xmlns:a="http://schemas.openxmlformats.org/drawingml/2006/main" xmlns:r="http://schemas.openxmlformats.org/officeDocument/2006/relationships" xmlns:p="http://schemas.openxmlformats.org/presentationml/2006/main" showMasterSp="0" showMasterPhAnim="0">
   <p:cSld>
     <p:spTree>
@@ -14011,7 +13662,7 @@
                     <a:lstStyle/>
                     <a:p>
                       <a:r>
-                        <a:rPr lang="en-US" sz="1500"/>
+                        <a:rPr lang="en-US" sz="1500" dirty="0"/>
                         <a:t>cv2.INTER_NEAREST</a:t>
                       </a:r>
                     </a:p>
@@ -14281,6 +13932,2123 @@
       </p:grpSpPr>
       <p:sp>
         <p:nvSpPr>
+          <p:cNvPr id="2" name="Slide Number Placeholder 1">
+            <a:extLst>
+              <a:ext uri="{FF2B5EF4-FFF2-40B4-BE49-F238E27FC236}">
+                <a16:creationId xmlns:a16="http://schemas.microsoft.com/office/drawing/2014/main" id="{93D61ABB-111E-198E-407D-B30CA20DB76B}"/>
+              </a:ext>
+            </a:extLst>
+          </p:cNvPr>
+          <p:cNvSpPr>
+            <a:spLocks noGrp="1"/>
+          </p:cNvSpPr>
+          <p:nvPr>
+            <p:ph type="sldNum" idx="12"/>
+          </p:nvPr>
+        </p:nvSpPr>
+        <p:spPr/>
+        <p:txBody>
+          <a:bodyPr/>
+          <a:lstStyle/>
+          <a:p>
+            <a:pPr marL="0" lvl="0" indent="0" algn="r" rtl="0">
+              <a:spcBef>
+                <a:spcPts val="0"/>
+              </a:spcBef>
+              <a:spcAft>
+                <a:spcPts val="0"/>
+              </a:spcAft>
+              <a:buNone/>
+            </a:pPr>
+            <a:fld id="{00000000-1234-1234-1234-123412341234}" type="slidenum">
+              <a:rPr lang="en-US" smtClean="0"/>
+              <a:t>12</a:t>
+            </a:fld>
+            <a:endParaRPr lang="en-US"/>
+          </a:p>
+        </p:txBody>
+      </p:sp>
+      <p:pic>
+        <p:nvPicPr>
+          <p:cNvPr id="1026" name="Picture 2">
+            <a:extLst>
+              <a:ext uri="{FF2B5EF4-FFF2-40B4-BE49-F238E27FC236}">
+                <a16:creationId xmlns:a16="http://schemas.microsoft.com/office/drawing/2014/main" id="{FBE5BCB9-7948-9AAA-B8F0-E99AC606D2B9}"/>
+              </a:ext>
+            </a:extLst>
+          </p:cNvPr>
+          <p:cNvPicPr>
+            <a:picLocks noChangeAspect="1" noChangeArrowheads="1"/>
+          </p:cNvPicPr>
+          <p:nvPr/>
+        </p:nvPicPr>
+        <p:blipFill>
+          <a:blip r:embed="rId2">
+            <a:extLst>
+              <a:ext uri="{28A0092B-C50C-407E-A947-70E740481C1C}">
+                <a14:useLocalDpi xmlns:a14="http://schemas.microsoft.com/office/drawing/2010/main" val="0"/>
+              </a:ext>
+            </a:extLst>
+          </a:blip>
+          <a:srcRect/>
+          <a:stretch>
+            <a:fillRect/>
+          </a:stretch>
+        </p:blipFill>
+        <p:spPr bwMode="auto">
+          <a:xfrm>
+            <a:off x="515171" y="471323"/>
+            <a:ext cx="8029575" cy="4591050"/>
+          </a:xfrm>
+          <a:prstGeom prst="rect">
+            <a:avLst/>
+          </a:prstGeom>
+          <a:noFill/>
+          <a:extLst>
+            <a:ext uri="{909E8E84-426E-40DD-AFC4-6F175D3DCCD1}">
+              <a14:hiddenFill xmlns:a14="http://schemas.microsoft.com/office/drawing/2010/main">
+                <a:solidFill>
+                  <a:srgbClr val="FFFFFF"/>
+                </a:solidFill>
+              </a14:hiddenFill>
+            </a:ext>
+          </a:extLst>
+        </p:spPr>
+      </p:pic>
+    </p:spTree>
+    <p:extLst>
+      <p:ext uri="{BB962C8B-B14F-4D97-AF65-F5344CB8AC3E}">
+        <p14:creationId xmlns:p14="http://schemas.microsoft.com/office/powerpoint/2010/main" val="3835426871"/>
+      </p:ext>
+    </p:extLst>
+  </p:cSld>
+  <p:clrMapOvr>
+    <a:masterClrMapping/>
+  </p:clrMapOvr>
+</p:sld>
+</file>
+
+<file path=ppt/slides/slide13.xml><?xml version="1.0" encoding="utf-8"?>
+<p:sld xmlns:a="http://schemas.openxmlformats.org/drawingml/2006/main" xmlns:r="http://schemas.openxmlformats.org/officeDocument/2006/relationships" xmlns:p="http://schemas.openxmlformats.org/presentationml/2006/main">
+  <p:cSld>
+    <p:spTree>
+      <p:nvGrpSpPr>
+        <p:cNvPr id="1" name=""/>
+        <p:cNvGrpSpPr/>
+        <p:nvPr/>
+      </p:nvGrpSpPr>
+      <p:grpSpPr>
+        <a:xfrm>
+          <a:off x="0" y="0"/>
+          <a:ext cx="0" cy="0"/>
+          <a:chOff x="0" y="0"/>
+          <a:chExt cx="0" cy="0"/>
+        </a:xfrm>
+      </p:grpSpPr>
+      <p:sp>
+        <p:nvSpPr>
+          <p:cNvPr id="2" name="Slide Number Placeholder 1">
+            <a:extLst>
+              <a:ext uri="{FF2B5EF4-FFF2-40B4-BE49-F238E27FC236}">
+                <a16:creationId xmlns:a16="http://schemas.microsoft.com/office/drawing/2014/main" id="{36E70EC8-C4D3-2BCA-F302-F7F76FB7EBB6}"/>
+              </a:ext>
+            </a:extLst>
+          </p:cNvPr>
+          <p:cNvSpPr>
+            <a:spLocks noGrp="1"/>
+          </p:cNvSpPr>
+          <p:nvPr>
+            <p:ph type="sldNum" idx="12"/>
+          </p:nvPr>
+        </p:nvSpPr>
+        <p:spPr/>
+        <p:txBody>
+          <a:bodyPr/>
+          <a:lstStyle/>
+          <a:p>
+            <a:pPr marL="0" lvl="0" indent="0" algn="r" rtl="0">
+              <a:spcBef>
+                <a:spcPts val="0"/>
+              </a:spcBef>
+              <a:spcAft>
+                <a:spcPts val="0"/>
+              </a:spcAft>
+              <a:buNone/>
+            </a:pPr>
+            <a:fld id="{00000000-1234-1234-1234-123412341234}" type="slidenum">
+              <a:rPr lang="en-US" smtClean="0"/>
+              <a:t>13</a:t>
+            </a:fld>
+            <a:endParaRPr lang="en-US"/>
+          </a:p>
+        </p:txBody>
+      </p:sp>
+      <p:sp>
+        <p:nvSpPr>
+          <p:cNvPr id="4" name="TextBox 3">
+            <a:extLst>
+              <a:ext uri="{FF2B5EF4-FFF2-40B4-BE49-F238E27FC236}">
+                <a16:creationId xmlns:a16="http://schemas.microsoft.com/office/drawing/2014/main" id="{F32BD788-A8B6-AD3F-9A71-09D6915D84A5}"/>
+              </a:ext>
+            </a:extLst>
+          </p:cNvPr>
+          <p:cNvSpPr txBox="1"/>
+          <p:nvPr/>
+        </p:nvSpPr>
+        <p:spPr>
+          <a:xfrm>
+            <a:off x="641130" y="548355"/>
+            <a:ext cx="10655479" cy="3140540"/>
+          </a:xfrm>
+          <a:prstGeom prst="rect">
+            <a:avLst/>
+          </a:prstGeom>
+          <a:noFill/>
+        </p:spPr>
+        <p:txBody>
+          <a:bodyPr wrap="square">
+            <a:spAutoFit/>
+          </a:bodyPr>
+          <a:lstStyle/>
+          <a:p>
+            <a:pPr algn="l">
+              <a:lnSpc>
+                <a:spcPts val="2400"/>
+              </a:lnSpc>
+              <a:buFont typeface="+mj-lt"/>
+              <a:buAutoNum type="arabicPeriod"/>
+            </a:pPr>
+            <a:r>
+              <a:rPr lang="en-US" b="0" i="0" dirty="0">
+                <a:solidFill>
+                  <a:srgbClr val="242424"/>
+                </a:solidFill>
+                <a:effectLst/>
+                <a:latin typeface="+mj-lt"/>
+              </a:rPr>
+              <a:t>Consider an </a:t>
+            </a:r>
+            <a:r>
+              <a:rPr lang="en-US" b="0" i="1" dirty="0">
+                <a:solidFill>
+                  <a:srgbClr val="242424"/>
+                </a:solidFill>
+                <a:effectLst/>
+                <a:latin typeface="+mj-lt"/>
+              </a:rPr>
+              <a:t>input matrix</a:t>
+            </a:r>
+            <a:r>
+              <a:rPr lang="en-US" b="0" i="0" dirty="0">
+                <a:solidFill>
+                  <a:srgbClr val="242424"/>
+                </a:solidFill>
+                <a:effectLst/>
+                <a:latin typeface="+mj-lt"/>
+              </a:rPr>
+              <a:t> of </a:t>
+            </a:r>
+            <a:r>
+              <a:rPr lang="en-US" b="0" i="1" dirty="0">
+                <a:solidFill>
+                  <a:srgbClr val="242424"/>
+                </a:solidFill>
+                <a:effectLst/>
+                <a:latin typeface="+mj-lt"/>
+              </a:rPr>
+              <a:t>size 3x3</a:t>
+            </a:r>
+            <a:r>
+              <a:rPr lang="en-US" b="0" i="0" dirty="0">
+                <a:solidFill>
+                  <a:srgbClr val="242424"/>
+                </a:solidFill>
+                <a:effectLst/>
+                <a:latin typeface="+mj-lt"/>
+              </a:rPr>
+              <a:t> with each cell containing some pixel values in the range </a:t>
+            </a:r>
+            <a:r>
+              <a:rPr lang="en-US" b="0" i="1" dirty="0">
+                <a:solidFill>
+                  <a:srgbClr val="242424"/>
+                </a:solidFill>
+                <a:effectLst/>
+                <a:latin typeface="+mj-lt"/>
+              </a:rPr>
+              <a:t>0–255</a:t>
+            </a:r>
+            <a:r>
+              <a:rPr lang="en-US" b="0" i="0" dirty="0">
+                <a:solidFill>
+                  <a:srgbClr val="242424"/>
+                </a:solidFill>
+                <a:effectLst/>
+                <a:latin typeface="+mj-lt"/>
+              </a:rPr>
+              <a:t>. row, col indices starts from </a:t>
+            </a:r>
+            <a:r>
+              <a:rPr lang="en-US" b="0" i="1" dirty="0">
+                <a:solidFill>
+                  <a:srgbClr val="242424"/>
+                </a:solidFill>
+                <a:effectLst/>
+                <a:latin typeface="+mj-lt"/>
+              </a:rPr>
+              <a:t>0 to n-1</a:t>
+            </a:r>
+            <a:r>
+              <a:rPr lang="en-US" b="0" i="0" dirty="0">
+                <a:solidFill>
+                  <a:srgbClr val="242424"/>
+                </a:solidFill>
+                <a:effectLst/>
+                <a:latin typeface="+mj-lt"/>
+              </a:rPr>
+              <a:t> where </a:t>
+            </a:r>
+            <a:r>
+              <a:rPr lang="en-US" b="0" i="1" dirty="0">
+                <a:solidFill>
+                  <a:srgbClr val="242424"/>
+                </a:solidFill>
+                <a:effectLst/>
+                <a:latin typeface="+mj-lt"/>
+              </a:rPr>
+              <a:t>n</a:t>
+            </a:r>
+            <a:r>
+              <a:rPr lang="en-US" b="0" i="0" dirty="0">
+                <a:solidFill>
+                  <a:srgbClr val="242424"/>
+                </a:solidFill>
+                <a:effectLst/>
+                <a:latin typeface="+mj-lt"/>
+              </a:rPr>
+              <a:t> is the row/col length.</a:t>
+            </a:r>
+          </a:p>
+          <a:p>
+            <a:pPr algn="l">
+              <a:lnSpc>
+                <a:spcPts val="2400"/>
+              </a:lnSpc>
+              <a:buFont typeface="+mj-lt"/>
+              <a:buAutoNum type="arabicPeriod"/>
+            </a:pPr>
+            <a:r>
+              <a:rPr lang="en-US" b="0" i="0" dirty="0">
+                <a:solidFill>
+                  <a:srgbClr val="242424"/>
+                </a:solidFill>
+                <a:effectLst/>
+                <a:latin typeface="+mj-lt"/>
+              </a:rPr>
+              <a:t>Now let’s create a new </a:t>
+            </a:r>
+            <a:r>
+              <a:rPr lang="en-US" b="0" i="1" dirty="0">
+                <a:solidFill>
+                  <a:srgbClr val="242424"/>
+                </a:solidFill>
+                <a:effectLst/>
+                <a:latin typeface="+mj-lt"/>
+              </a:rPr>
+              <a:t>6x6 output(upscaled) empty matrix.</a:t>
+            </a:r>
+            <a:endParaRPr lang="en-US" b="0" i="0" dirty="0">
+              <a:solidFill>
+                <a:srgbClr val="242424"/>
+              </a:solidFill>
+              <a:effectLst/>
+              <a:latin typeface="+mj-lt"/>
+            </a:endParaRPr>
+          </a:p>
+          <a:p>
+            <a:pPr algn="l">
+              <a:lnSpc>
+                <a:spcPts val="2400"/>
+              </a:lnSpc>
+              <a:buFont typeface="+mj-lt"/>
+              <a:buAutoNum type="arabicPeriod"/>
+            </a:pPr>
+            <a:r>
+              <a:rPr lang="en-US" b="0" i="0" dirty="0" err="1">
+                <a:solidFill>
+                  <a:srgbClr val="242424"/>
+                </a:solidFill>
+                <a:effectLst/>
+                <a:latin typeface="+mj-lt"/>
+              </a:rPr>
+              <a:t>Inorder</a:t>
+            </a:r>
+            <a:r>
+              <a:rPr lang="en-US" b="0" i="0" dirty="0">
+                <a:solidFill>
+                  <a:srgbClr val="242424"/>
+                </a:solidFill>
+                <a:effectLst/>
+                <a:latin typeface="+mj-lt"/>
+              </a:rPr>
+              <a:t> to start filling the pixel values for the new matrix, we first have to represent the </a:t>
+            </a:r>
+            <a:r>
+              <a:rPr lang="en-US" b="0" i="1" dirty="0">
+                <a:solidFill>
+                  <a:srgbClr val="242424"/>
+                </a:solidFill>
+                <a:effectLst/>
+                <a:latin typeface="+mj-lt"/>
+              </a:rPr>
+              <a:t>output coordinate space </a:t>
+            </a:r>
+            <a:r>
+              <a:rPr lang="en-US" b="0" i="1" dirty="0" err="1">
+                <a:solidFill>
+                  <a:srgbClr val="242424"/>
+                </a:solidFill>
+                <a:effectLst/>
+                <a:latin typeface="+mj-lt"/>
+              </a:rPr>
+              <a:t>interms</a:t>
+            </a:r>
+            <a:r>
+              <a:rPr lang="en-US" b="0" i="1" dirty="0">
+                <a:solidFill>
+                  <a:srgbClr val="242424"/>
+                </a:solidFill>
+                <a:effectLst/>
+                <a:latin typeface="+mj-lt"/>
+              </a:rPr>
+              <a:t> of the input coordinate space</a:t>
+            </a:r>
+            <a:r>
+              <a:rPr lang="en-US" b="0" i="0" dirty="0">
+                <a:solidFill>
+                  <a:srgbClr val="242424"/>
+                </a:solidFill>
+                <a:effectLst/>
+                <a:latin typeface="+mj-lt"/>
+              </a:rPr>
+              <a:t> i.e. for every </a:t>
+            </a:r>
+            <a:r>
+              <a:rPr lang="en-US" b="0" i="1" dirty="0">
+                <a:solidFill>
+                  <a:srgbClr val="242424"/>
+                </a:solidFill>
+                <a:effectLst/>
+                <a:latin typeface="+mj-lt"/>
+              </a:rPr>
+              <a:t>(row, col)</a:t>
+            </a:r>
+            <a:r>
+              <a:rPr lang="en-US" b="0" i="0" dirty="0">
+                <a:solidFill>
+                  <a:srgbClr val="242424"/>
+                </a:solidFill>
+                <a:effectLst/>
+                <a:latin typeface="+mj-lt"/>
+              </a:rPr>
+              <a:t> in the output matrix, what is the corresponding </a:t>
+            </a:r>
+            <a:r>
+              <a:rPr lang="en-US" b="0" i="1" dirty="0">
+                <a:solidFill>
+                  <a:srgbClr val="242424"/>
+                </a:solidFill>
+                <a:effectLst/>
+                <a:latin typeface="+mj-lt"/>
+              </a:rPr>
+              <a:t>(row, col)</a:t>
+            </a:r>
+            <a:r>
+              <a:rPr lang="en-US" b="0" i="0" dirty="0">
+                <a:solidFill>
+                  <a:srgbClr val="242424"/>
+                </a:solidFill>
+                <a:effectLst/>
+                <a:latin typeface="+mj-lt"/>
+              </a:rPr>
+              <a:t> in the input matrix? This is just the scaling factor which is 1/2 in our case.</a:t>
+            </a:r>
+          </a:p>
+          <a:p>
+            <a:pPr algn="l">
+              <a:lnSpc>
+                <a:spcPts val="2400"/>
+              </a:lnSpc>
+              <a:buFont typeface="+mj-lt"/>
+              <a:buAutoNum type="arabicPeriod"/>
+            </a:pPr>
+            <a:r>
+              <a:rPr lang="en-US" b="0" i="0" dirty="0">
+                <a:solidFill>
+                  <a:srgbClr val="242424"/>
+                </a:solidFill>
+                <a:effectLst/>
+                <a:latin typeface="+mj-lt"/>
+              </a:rPr>
+              <a:t>To make it more clearer, the row scaling factor is 1/2 and column scaling factor is 1/2(row and col will have separate scaling factors but since our </a:t>
+            </a:r>
+            <a:r>
+              <a:rPr lang="en-US" b="0" i="0" dirty="0" err="1">
+                <a:solidFill>
+                  <a:srgbClr val="242424"/>
+                </a:solidFill>
+                <a:effectLst/>
+                <a:latin typeface="+mj-lt"/>
+              </a:rPr>
+              <a:t>eg</a:t>
+            </a:r>
+            <a:r>
+              <a:rPr lang="en-US" b="0" i="0" dirty="0">
+                <a:solidFill>
+                  <a:srgbClr val="242424"/>
+                </a:solidFill>
+                <a:effectLst/>
+                <a:latin typeface="+mj-lt"/>
+              </a:rPr>
+              <a:t> considers a square matrix, both are same here).</a:t>
+            </a:r>
+          </a:p>
+          <a:p>
+            <a:pPr algn="l">
+              <a:lnSpc>
+                <a:spcPts val="2400"/>
+              </a:lnSpc>
+              <a:buFont typeface="+mj-lt"/>
+              <a:buAutoNum type="arabicPeriod"/>
+            </a:pPr>
+            <a:r>
+              <a:rPr lang="en-US" b="0" i="1" dirty="0">
+                <a:solidFill>
+                  <a:srgbClr val="242424"/>
+                </a:solidFill>
+                <a:effectLst/>
+                <a:latin typeface="+mj-lt"/>
+              </a:rPr>
+              <a:t>row 0, col 0 </a:t>
+            </a:r>
+            <a:r>
+              <a:rPr lang="en-US" b="0" i="0" dirty="0">
+                <a:solidFill>
+                  <a:srgbClr val="242424"/>
+                </a:solidFill>
+                <a:effectLst/>
+                <a:latin typeface="+mj-lt"/>
+              </a:rPr>
+              <a:t>in output is mapped to</a:t>
+            </a:r>
+            <a:r>
+              <a:rPr lang="en-US" b="0" i="1" dirty="0">
+                <a:solidFill>
+                  <a:srgbClr val="242424"/>
+                </a:solidFill>
+                <a:effectLst/>
+                <a:latin typeface="+mj-lt"/>
+              </a:rPr>
+              <a:t> row 0, col 0 </a:t>
+            </a:r>
+            <a:r>
+              <a:rPr lang="en-US" b="0" i="0" dirty="0">
+                <a:solidFill>
+                  <a:srgbClr val="242424"/>
+                </a:solidFill>
+                <a:effectLst/>
+                <a:latin typeface="+mj-lt"/>
+              </a:rPr>
+              <a:t>in input</a:t>
+            </a:r>
+            <a:r>
+              <a:rPr lang="en-US" b="0" i="1" dirty="0">
+                <a:solidFill>
+                  <a:srgbClr val="242424"/>
+                </a:solidFill>
+                <a:effectLst/>
+                <a:latin typeface="+mj-lt"/>
+              </a:rPr>
+              <a:t>, </a:t>
+            </a:r>
+            <a:r>
+              <a:rPr lang="en-US" b="0" i="0" dirty="0">
+                <a:solidFill>
+                  <a:srgbClr val="242424"/>
+                </a:solidFill>
+                <a:effectLst/>
+                <a:latin typeface="+mj-lt"/>
+              </a:rPr>
+              <a:t>whereas</a:t>
+            </a:r>
+            <a:r>
+              <a:rPr lang="en-US" b="0" i="1" dirty="0">
+                <a:solidFill>
+                  <a:srgbClr val="242424"/>
+                </a:solidFill>
+                <a:effectLst/>
+                <a:latin typeface="+mj-lt"/>
+              </a:rPr>
+              <a:t> row 1, col 1 </a:t>
+            </a:r>
+            <a:r>
+              <a:rPr lang="en-US" b="0" i="0" dirty="0">
+                <a:solidFill>
+                  <a:srgbClr val="242424"/>
+                </a:solidFill>
+                <a:effectLst/>
+                <a:latin typeface="+mj-lt"/>
+              </a:rPr>
+              <a:t>in output is mapped to</a:t>
+            </a:r>
+            <a:r>
+              <a:rPr lang="en-US" b="0" i="1" dirty="0">
+                <a:solidFill>
+                  <a:srgbClr val="242424"/>
+                </a:solidFill>
+                <a:effectLst/>
+                <a:latin typeface="+mj-lt"/>
+              </a:rPr>
+              <a:t> row 0.5, col 0.5 </a:t>
+            </a:r>
+            <a:r>
+              <a:rPr lang="en-US" b="0" i="0" dirty="0">
+                <a:solidFill>
+                  <a:srgbClr val="242424"/>
+                </a:solidFill>
+                <a:effectLst/>
+                <a:latin typeface="+mj-lt"/>
+              </a:rPr>
+              <a:t>in input and so on.</a:t>
+            </a:r>
+          </a:p>
+        </p:txBody>
+      </p:sp>
+      <p:pic>
+        <p:nvPicPr>
+          <p:cNvPr id="2050" name="Picture 2">
+            <a:extLst>
+              <a:ext uri="{FF2B5EF4-FFF2-40B4-BE49-F238E27FC236}">
+                <a16:creationId xmlns:a16="http://schemas.microsoft.com/office/drawing/2014/main" id="{AF7CC07B-F407-A101-1A0C-BC6223EB4496}"/>
+              </a:ext>
+            </a:extLst>
+          </p:cNvPr>
+          <p:cNvPicPr>
+            <a:picLocks noChangeAspect="1" noChangeArrowheads="1"/>
+          </p:cNvPicPr>
+          <p:nvPr/>
+        </p:nvPicPr>
+        <p:blipFill>
+          <a:blip r:embed="rId2">
+            <a:extLst>
+              <a:ext uri="{28A0092B-C50C-407E-A947-70E740481C1C}">
+                <a14:useLocalDpi xmlns:a14="http://schemas.microsoft.com/office/drawing/2010/main" val="0"/>
+              </a:ext>
+            </a:extLst>
+          </a:blip>
+          <a:srcRect/>
+          <a:stretch>
+            <a:fillRect/>
+          </a:stretch>
+        </p:blipFill>
+        <p:spPr bwMode="auto">
+          <a:xfrm>
+            <a:off x="2347831" y="3296582"/>
+            <a:ext cx="6891479" cy="3445740"/>
+          </a:xfrm>
+          <a:prstGeom prst="rect">
+            <a:avLst/>
+          </a:prstGeom>
+          <a:noFill/>
+          <a:extLst>
+            <a:ext uri="{909E8E84-426E-40DD-AFC4-6F175D3DCCD1}">
+              <a14:hiddenFill xmlns:a14="http://schemas.microsoft.com/office/drawing/2010/main">
+                <a:solidFill>
+                  <a:srgbClr val="FFFFFF"/>
+                </a:solidFill>
+              </a14:hiddenFill>
+            </a:ext>
+          </a:extLst>
+        </p:spPr>
+      </p:pic>
+    </p:spTree>
+    <p:extLst>
+      <p:ext uri="{BB962C8B-B14F-4D97-AF65-F5344CB8AC3E}">
+        <p14:creationId xmlns:p14="http://schemas.microsoft.com/office/powerpoint/2010/main" val="2439197979"/>
+      </p:ext>
+    </p:extLst>
+  </p:cSld>
+  <p:clrMapOvr>
+    <a:masterClrMapping/>
+  </p:clrMapOvr>
+</p:sld>
+</file>
+
+<file path=ppt/slides/slide14.xml><?xml version="1.0" encoding="utf-8"?>
+<p:sld xmlns:a="http://schemas.openxmlformats.org/drawingml/2006/main" xmlns:r="http://schemas.openxmlformats.org/officeDocument/2006/relationships" xmlns:p="http://schemas.openxmlformats.org/presentationml/2006/main">
+  <p:cSld>
+    <p:spTree>
+      <p:nvGrpSpPr>
+        <p:cNvPr id="1" name=""/>
+        <p:cNvGrpSpPr/>
+        <p:nvPr/>
+      </p:nvGrpSpPr>
+      <p:grpSpPr>
+        <a:xfrm>
+          <a:off x="0" y="0"/>
+          <a:ext cx="0" cy="0"/>
+          <a:chOff x="0" y="0"/>
+          <a:chExt cx="0" cy="0"/>
+        </a:xfrm>
+      </p:grpSpPr>
+      <p:sp>
+        <p:nvSpPr>
+          <p:cNvPr id="2" name="Slide Number Placeholder 1">
+            <a:extLst>
+              <a:ext uri="{FF2B5EF4-FFF2-40B4-BE49-F238E27FC236}">
+                <a16:creationId xmlns:a16="http://schemas.microsoft.com/office/drawing/2014/main" id="{D17CAEDE-2BCC-37CE-AF4E-38FFDB4ACB7F}"/>
+              </a:ext>
+            </a:extLst>
+          </p:cNvPr>
+          <p:cNvSpPr>
+            <a:spLocks noGrp="1"/>
+          </p:cNvSpPr>
+          <p:nvPr>
+            <p:ph type="sldNum" idx="12"/>
+          </p:nvPr>
+        </p:nvSpPr>
+        <p:spPr/>
+        <p:txBody>
+          <a:bodyPr/>
+          <a:lstStyle/>
+          <a:p>
+            <a:pPr marL="0" lvl="0" indent="0" algn="r" rtl="0">
+              <a:spcBef>
+                <a:spcPts val="0"/>
+              </a:spcBef>
+              <a:spcAft>
+                <a:spcPts val="0"/>
+              </a:spcAft>
+              <a:buNone/>
+            </a:pPr>
+            <a:fld id="{00000000-1234-1234-1234-123412341234}" type="slidenum">
+              <a:rPr lang="en-US" smtClean="0"/>
+              <a:t>14</a:t>
+            </a:fld>
+            <a:endParaRPr lang="en-US"/>
+          </a:p>
+        </p:txBody>
+      </p:sp>
+      <p:sp>
+        <p:nvSpPr>
+          <p:cNvPr id="4" name="TextBox 3">
+            <a:extLst>
+              <a:ext uri="{FF2B5EF4-FFF2-40B4-BE49-F238E27FC236}">
+                <a16:creationId xmlns:a16="http://schemas.microsoft.com/office/drawing/2014/main" id="{8761467E-5D09-9708-521C-9AB13694F3D0}"/>
+              </a:ext>
+            </a:extLst>
+          </p:cNvPr>
+          <p:cNvSpPr txBox="1"/>
+          <p:nvPr/>
+        </p:nvSpPr>
+        <p:spPr>
+          <a:xfrm>
+            <a:off x="746234" y="1141521"/>
+            <a:ext cx="6096000" cy="523220"/>
+          </a:xfrm>
+          <a:prstGeom prst="rect">
+            <a:avLst/>
+          </a:prstGeom>
+          <a:noFill/>
+        </p:spPr>
+        <p:txBody>
+          <a:bodyPr wrap="square">
+            <a:spAutoFit/>
+          </a:bodyPr>
+          <a:lstStyle/>
+          <a:p>
+            <a:r>
+              <a:rPr lang="en-US" b="0" i="0" dirty="0">
+                <a:solidFill>
+                  <a:srgbClr val="6B6B6B"/>
+                </a:solidFill>
+                <a:effectLst/>
+                <a:latin typeface="sohne"/>
+              </a:rPr>
+              <a:t>One can see that there are known cells such as 0, 0 or 2, 2(in integers) and there are also unknown cells such as 1.5, 2 or 0, 2.5(in floating point).</a:t>
+            </a:r>
+            <a:endParaRPr lang="en-US" dirty="0"/>
+          </a:p>
+        </p:txBody>
+      </p:sp>
+    </p:spTree>
+    <p:extLst>
+      <p:ext uri="{BB962C8B-B14F-4D97-AF65-F5344CB8AC3E}">
+        <p14:creationId xmlns:p14="http://schemas.microsoft.com/office/powerpoint/2010/main" val="4246096565"/>
+      </p:ext>
+    </p:extLst>
+  </p:cSld>
+  <p:clrMapOvr>
+    <a:masterClrMapping/>
+  </p:clrMapOvr>
+</p:sld>
+</file>
+
+<file path=ppt/slides/slide15.xml><?xml version="1.0" encoding="utf-8"?>
+<p:sld xmlns:a="http://schemas.openxmlformats.org/drawingml/2006/main" xmlns:r="http://schemas.openxmlformats.org/officeDocument/2006/relationships" xmlns:p="http://schemas.openxmlformats.org/presentationml/2006/main">
+  <p:cSld>
+    <p:spTree>
+      <p:nvGrpSpPr>
+        <p:cNvPr id="1" name=""/>
+        <p:cNvGrpSpPr/>
+        <p:nvPr/>
+      </p:nvGrpSpPr>
+      <p:grpSpPr>
+        <a:xfrm>
+          <a:off x="0" y="0"/>
+          <a:ext cx="0" cy="0"/>
+          <a:chOff x="0" y="0"/>
+          <a:chExt cx="0" cy="0"/>
+        </a:xfrm>
+      </p:grpSpPr>
+      <p:sp>
+        <p:nvSpPr>
+          <p:cNvPr id="2" name="Title 1">
+            <a:extLst>
+              <a:ext uri="{FF2B5EF4-FFF2-40B4-BE49-F238E27FC236}">
+                <a16:creationId xmlns:a16="http://schemas.microsoft.com/office/drawing/2014/main" id="{4627FB3C-C21A-B488-C355-D4FC0E24F57C}"/>
+              </a:ext>
+            </a:extLst>
+          </p:cNvPr>
+          <p:cNvSpPr>
+            <a:spLocks noGrp="1"/>
+          </p:cNvSpPr>
+          <p:nvPr>
+            <p:ph type="title"/>
+          </p:nvPr>
+        </p:nvSpPr>
+        <p:spPr/>
+        <p:txBody>
+          <a:bodyPr>
+            <a:normAutofit fontScale="90000"/>
+          </a:bodyPr>
+          <a:lstStyle/>
+          <a:p>
+            <a:r>
+              <a:rPr lang="en-US" b="1" dirty="0"/>
+              <a:t>Nearest </a:t>
+            </a:r>
+            <a:r>
+              <a:rPr lang="en-US" b="1" dirty="0" err="1"/>
+              <a:t>Neighbour</a:t>
+            </a:r>
+            <a:r>
+              <a:rPr lang="en-US" b="1" dirty="0"/>
+              <a:t> Interpolation:</a:t>
+            </a:r>
+            <a:br>
+              <a:rPr lang="en-US" b="1" dirty="0"/>
+            </a:br>
+            <a:endParaRPr lang="en-US" dirty="0"/>
+          </a:p>
+        </p:txBody>
+      </p:sp>
+      <p:sp>
+        <p:nvSpPr>
+          <p:cNvPr id="4" name="Slide Number Placeholder 3">
+            <a:extLst>
+              <a:ext uri="{FF2B5EF4-FFF2-40B4-BE49-F238E27FC236}">
+                <a16:creationId xmlns:a16="http://schemas.microsoft.com/office/drawing/2014/main" id="{A55B95C5-C211-FF33-90D0-AAF2C31605D8}"/>
+              </a:ext>
+            </a:extLst>
+          </p:cNvPr>
+          <p:cNvSpPr>
+            <a:spLocks noGrp="1"/>
+          </p:cNvSpPr>
+          <p:nvPr>
+            <p:ph type="sldNum" idx="12"/>
+          </p:nvPr>
+        </p:nvSpPr>
+        <p:spPr/>
+        <p:txBody>
+          <a:bodyPr/>
+          <a:lstStyle/>
+          <a:p>
+            <a:pPr marL="0" lvl="0" indent="0" algn="r" rtl="0">
+              <a:spcBef>
+                <a:spcPts val="0"/>
+              </a:spcBef>
+              <a:spcAft>
+                <a:spcPts val="0"/>
+              </a:spcAft>
+              <a:buNone/>
+            </a:pPr>
+            <a:fld id="{00000000-1234-1234-1234-123412341234}" type="slidenum">
+              <a:rPr lang="en-US" smtClean="0"/>
+              <a:t>15</a:t>
+            </a:fld>
+            <a:endParaRPr lang="en-US"/>
+          </a:p>
+        </p:txBody>
+      </p:sp>
+      <p:pic>
+        <p:nvPicPr>
+          <p:cNvPr id="3076" name="Picture 4">
+            <a:extLst>
+              <a:ext uri="{FF2B5EF4-FFF2-40B4-BE49-F238E27FC236}">
+                <a16:creationId xmlns:a16="http://schemas.microsoft.com/office/drawing/2014/main" id="{E5B699C6-B1DB-132C-2C51-637C122A069F}"/>
+              </a:ext>
+            </a:extLst>
+          </p:cNvPr>
+          <p:cNvPicPr>
+            <a:picLocks noChangeAspect="1" noChangeArrowheads="1"/>
+          </p:cNvPicPr>
+          <p:nvPr/>
+        </p:nvPicPr>
+        <p:blipFill>
+          <a:blip r:embed="rId2">
+            <a:extLst>
+              <a:ext uri="{28A0092B-C50C-407E-A947-70E740481C1C}">
+                <a14:useLocalDpi xmlns:a14="http://schemas.microsoft.com/office/drawing/2010/main" val="0"/>
+              </a:ext>
+            </a:extLst>
+          </a:blip>
+          <a:srcRect/>
+          <a:stretch>
+            <a:fillRect/>
+          </a:stretch>
+        </p:blipFill>
+        <p:spPr bwMode="auto">
+          <a:xfrm>
+            <a:off x="294288" y="1356867"/>
+            <a:ext cx="6945039" cy="3472520"/>
+          </a:xfrm>
+          <a:prstGeom prst="rect">
+            <a:avLst/>
+          </a:prstGeom>
+          <a:noFill/>
+          <a:extLst>
+            <a:ext uri="{909E8E84-426E-40DD-AFC4-6F175D3DCCD1}">
+              <a14:hiddenFill xmlns:a14="http://schemas.microsoft.com/office/drawing/2010/main">
+                <a:solidFill>
+                  <a:srgbClr val="FFFFFF"/>
+                </a:solidFill>
+              </a14:hiddenFill>
+            </a:ext>
+          </a:extLst>
+        </p:spPr>
+      </p:pic>
+      <p:sp>
+        <p:nvSpPr>
+          <p:cNvPr id="6" name="TextBox 5">
+            <a:extLst>
+              <a:ext uri="{FF2B5EF4-FFF2-40B4-BE49-F238E27FC236}">
+                <a16:creationId xmlns:a16="http://schemas.microsoft.com/office/drawing/2014/main" id="{ADEEA91C-24B0-4067-82E8-9C1EA7E5E1C5}"/>
+              </a:ext>
+            </a:extLst>
+          </p:cNvPr>
+          <p:cNvSpPr txBox="1"/>
+          <p:nvPr/>
+        </p:nvSpPr>
+        <p:spPr>
+          <a:xfrm>
+            <a:off x="7519372" y="1751035"/>
+            <a:ext cx="4508938" cy="1169551"/>
+          </a:xfrm>
+          <a:prstGeom prst="rect">
+            <a:avLst/>
+          </a:prstGeom>
+          <a:noFill/>
+        </p:spPr>
+        <p:txBody>
+          <a:bodyPr wrap="square">
+            <a:spAutoFit/>
+          </a:bodyPr>
+          <a:lstStyle/>
+          <a:p>
+            <a:r>
+              <a:rPr lang="en-US" b="0" i="0" dirty="0">
+                <a:solidFill>
+                  <a:srgbClr val="6B6B6B"/>
+                </a:solidFill>
+                <a:effectLst/>
+                <a:latin typeface="sohne"/>
+              </a:rPr>
+              <a:t>Here in the above image, a simple way to find the values for unknown cells such as </a:t>
+            </a:r>
+            <a:r>
+              <a:rPr lang="en-US" b="0" i="1" dirty="0">
+                <a:solidFill>
+                  <a:srgbClr val="6B6B6B"/>
+                </a:solidFill>
+                <a:effectLst/>
+                <a:latin typeface="sohne"/>
+              </a:rPr>
+              <a:t>(0.5, 0.5)</a:t>
+            </a:r>
+            <a:r>
+              <a:rPr lang="en-US" b="0" i="0" dirty="0">
+                <a:solidFill>
+                  <a:srgbClr val="6B6B6B"/>
+                </a:solidFill>
+                <a:effectLst/>
+                <a:latin typeface="sohne"/>
+              </a:rPr>
+              <a:t> or </a:t>
+            </a:r>
+            <a:r>
+              <a:rPr lang="en-US" b="0" i="1" dirty="0">
+                <a:solidFill>
+                  <a:srgbClr val="6B6B6B"/>
+                </a:solidFill>
+                <a:effectLst/>
+                <a:latin typeface="sohne"/>
+              </a:rPr>
+              <a:t>(2, 2.5)</a:t>
+            </a:r>
+            <a:r>
+              <a:rPr lang="en-US" b="0" i="0" dirty="0">
+                <a:solidFill>
+                  <a:srgbClr val="6B6B6B"/>
+                </a:solidFill>
+                <a:effectLst/>
+                <a:latin typeface="sohne"/>
+              </a:rPr>
+              <a:t> is to simply round them off to nearest integer. for </a:t>
+            </a:r>
+            <a:r>
+              <a:rPr lang="en-US" b="0" i="0" dirty="0" err="1">
+                <a:solidFill>
+                  <a:srgbClr val="6B6B6B"/>
+                </a:solidFill>
+                <a:effectLst/>
+                <a:latin typeface="sohne"/>
+              </a:rPr>
+              <a:t>eg</a:t>
+            </a:r>
+            <a:r>
+              <a:rPr lang="en-US" b="0" i="0" dirty="0">
+                <a:solidFill>
+                  <a:srgbClr val="6B6B6B"/>
+                </a:solidFill>
+                <a:effectLst/>
+                <a:latin typeface="sohne"/>
+              </a:rPr>
+              <a:t>: </a:t>
+            </a:r>
+            <a:r>
+              <a:rPr lang="en-US" b="0" i="1" dirty="0">
+                <a:solidFill>
+                  <a:srgbClr val="6B6B6B"/>
+                </a:solidFill>
+                <a:effectLst/>
+                <a:latin typeface="sohne"/>
+              </a:rPr>
+              <a:t>(2, 2.5)</a:t>
+            </a:r>
+            <a:r>
+              <a:rPr lang="en-US" b="0" i="0" dirty="0">
+                <a:solidFill>
+                  <a:srgbClr val="6B6B6B"/>
+                </a:solidFill>
+                <a:effectLst/>
+                <a:latin typeface="sohne"/>
+              </a:rPr>
+              <a:t> to </a:t>
+            </a:r>
+            <a:r>
+              <a:rPr lang="en-US" b="0" i="1" dirty="0">
+                <a:solidFill>
+                  <a:srgbClr val="6B6B6B"/>
+                </a:solidFill>
+                <a:effectLst/>
+                <a:latin typeface="sohne"/>
+              </a:rPr>
+              <a:t>(2, 2)</a:t>
+            </a:r>
+            <a:r>
+              <a:rPr lang="en-US" b="0" i="0" dirty="0">
+                <a:solidFill>
+                  <a:srgbClr val="6B6B6B"/>
+                </a:solidFill>
+                <a:effectLst/>
+                <a:latin typeface="sohne"/>
+              </a:rPr>
+              <a:t> or </a:t>
+            </a:r>
+            <a:r>
+              <a:rPr lang="en-US" b="0" i="1" dirty="0">
+                <a:solidFill>
+                  <a:srgbClr val="6B6B6B"/>
+                </a:solidFill>
+                <a:effectLst/>
+                <a:latin typeface="sohne"/>
+              </a:rPr>
+              <a:t>(1.5, 2.5)</a:t>
+            </a:r>
+            <a:r>
+              <a:rPr lang="en-US" b="0" i="0" dirty="0">
+                <a:solidFill>
+                  <a:srgbClr val="6B6B6B"/>
+                </a:solidFill>
+                <a:effectLst/>
+                <a:latin typeface="sohne"/>
+              </a:rPr>
+              <a:t> to </a:t>
+            </a:r>
+            <a:r>
+              <a:rPr lang="en-US" b="0" i="1" dirty="0">
+                <a:solidFill>
+                  <a:srgbClr val="6B6B6B"/>
+                </a:solidFill>
+                <a:effectLst/>
+                <a:latin typeface="sohne"/>
+              </a:rPr>
+              <a:t>(1, 2). This is called nearest </a:t>
+            </a:r>
+            <a:r>
+              <a:rPr lang="en-US" b="0" i="1" dirty="0" err="1">
+                <a:solidFill>
+                  <a:srgbClr val="6B6B6B"/>
+                </a:solidFill>
+                <a:effectLst/>
+                <a:latin typeface="sohne"/>
+              </a:rPr>
+              <a:t>neighbour</a:t>
+            </a:r>
+            <a:r>
+              <a:rPr lang="en-US" b="0" i="1" dirty="0">
+                <a:solidFill>
+                  <a:srgbClr val="6B6B6B"/>
+                </a:solidFill>
+                <a:effectLst/>
+                <a:latin typeface="sohne"/>
+              </a:rPr>
+              <a:t> interpolation.</a:t>
+            </a:r>
+            <a:endParaRPr lang="en-US" dirty="0"/>
+          </a:p>
+        </p:txBody>
+      </p:sp>
+      <p:pic>
+        <p:nvPicPr>
+          <p:cNvPr id="3078" name="Picture 6">
+            <a:extLst>
+              <a:ext uri="{FF2B5EF4-FFF2-40B4-BE49-F238E27FC236}">
+                <a16:creationId xmlns:a16="http://schemas.microsoft.com/office/drawing/2014/main" id="{AC3FEBD8-25A1-C278-E796-81845904BC24}"/>
+              </a:ext>
+            </a:extLst>
+          </p:cNvPr>
+          <p:cNvPicPr>
+            <a:picLocks noChangeAspect="1" noChangeArrowheads="1"/>
+          </p:cNvPicPr>
+          <p:nvPr/>
+        </p:nvPicPr>
+        <p:blipFill>
+          <a:blip r:embed="rId3">
+            <a:extLst>
+              <a:ext uri="{28A0092B-C50C-407E-A947-70E740481C1C}">
+                <a14:useLocalDpi xmlns:a14="http://schemas.microsoft.com/office/drawing/2010/main" val="0"/>
+              </a:ext>
+            </a:extLst>
+          </a:blip>
+          <a:srcRect/>
+          <a:stretch>
+            <a:fillRect/>
+          </a:stretch>
+        </p:blipFill>
+        <p:spPr bwMode="auto">
+          <a:xfrm>
+            <a:off x="6693913" y="4162097"/>
+            <a:ext cx="4968547" cy="2441686"/>
+          </a:xfrm>
+          <a:prstGeom prst="rect">
+            <a:avLst/>
+          </a:prstGeom>
+          <a:noFill/>
+          <a:extLst>
+            <a:ext uri="{909E8E84-426E-40DD-AFC4-6F175D3DCCD1}">
+              <a14:hiddenFill xmlns:a14="http://schemas.microsoft.com/office/drawing/2010/main">
+                <a:solidFill>
+                  <a:srgbClr val="FFFFFF"/>
+                </a:solidFill>
+              </a14:hiddenFill>
+            </a:ext>
+          </a:extLst>
+        </p:spPr>
+      </p:pic>
+    </p:spTree>
+    <p:extLst>
+      <p:ext uri="{BB962C8B-B14F-4D97-AF65-F5344CB8AC3E}">
+        <p14:creationId xmlns:p14="http://schemas.microsoft.com/office/powerpoint/2010/main" val="1123336767"/>
+      </p:ext>
+    </p:extLst>
+  </p:cSld>
+  <p:clrMapOvr>
+    <a:masterClrMapping/>
+  </p:clrMapOvr>
+</p:sld>
+</file>
+
+<file path=ppt/slides/slide16.xml><?xml version="1.0" encoding="utf-8"?>
+<p:sld xmlns:a="http://schemas.openxmlformats.org/drawingml/2006/main" xmlns:r="http://schemas.openxmlformats.org/officeDocument/2006/relationships" xmlns:p="http://schemas.openxmlformats.org/presentationml/2006/main">
+  <p:cSld>
+    <p:spTree>
+      <p:nvGrpSpPr>
+        <p:cNvPr id="1" name=""/>
+        <p:cNvGrpSpPr/>
+        <p:nvPr/>
+      </p:nvGrpSpPr>
+      <p:grpSpPr>
+        <a:xfrm>
+          <a:off x="0" y="0"/>
+          <a:ext cx="0" cy="0"/>
+          <a:chOff x="0" y="0"/>
+          <a:chExt cx="0" cy="0"/>
+        </a:xfrm>
+      </p:grpSpPr>
+      <p:sp>
+        <p:nvSpPr>
+          <p:cNvPr id="2" name="Title 1">
+            <a:extLst>
+              <a:ext uri="{FF2B5EF4-FFF2-40B4-BE49-F238E27FC236}">
+                <a16:creationId xmlns:a16="http://schemas.microsoft.com/office/drawing/2014/main" id="{A2F3F510-4E8B-36EE-2FC6-8815D3DD162D}"/>
+              </a:ext>
+            </a:extLst>
+          </p:cNvPr>
+          <p:cNvSpPr>
+            <a:spLocks noGrp="1"/>
+          </p:cNvSpPr>
+          <p:nvPr>
+            <p:ph type="title"/>
+          </p:nvPr>
+        </p:nvSpPr>
+        <p:spPr/>
+        <p:txBody>
+          <a:bodyPr>
+            <a:normAutofit fontScale="90000"/>
+          </a:bodyPr>
+          <a:lstStyle/>
+          <a:p>
+            <a:r>
+              <a:rPr lang="en-US" b="1" dirty="0"/>
+              <a:t>Bilinear Interpolation – Teaching Method 1</a:t>
+            </a:r>
+            <a:br>
+              <a:rPr lang="en-US" b="1" dirty="0"/>
+            </a:br>
+            <a:endParaRPr lang="en-US" dirty="0"/>
+          </a:p>
+        </p:txBody>
+      </p:sp>
+      <p:sp>
+        <p:nvSpPr>
+          <p:cNvPr id="4" name="Slide Number Placeholder 3">
+            <a:extLst>
+              <a:ext uri="{FF2B5EF4-FFF2-40B4-BE49-F238E27FC236}">
+                <a16:creationId xmlns:a16="http://schemas.microsoft.com/office/drawing/2014/main" id="{39DF53D5-1103-0375-1992-E571CBEF1481}"/>
+              </a:ext>
+            </a:extLst>
+          </p:cNvPr>
+          <p:cNvSpPr>
+            <a:spLocks noGrp="1"/>
+          </p:cNvSpPr>
+          <p:nvPr>
+            <p:ph type="sldNum" idx="12"/>
+          </p:nvPr>
+        </p:nvSpPr>
+        <p:spPr/>
+        <p:txBody>
+          <a:bodyPr/>
+          <a:lstStyle/>
+          <a:p>
+            <a:pPr marL="0" lvl="0" indent="0" algn="r" rtl="0">
+              <a:spcBef>
+                <a:spcPts val="0"/>
+              </a:spcBef>
+              <a:spcAft>
+                <a:spcPts val="0"/>
+              </a:spcAft>
+              <a:buNone/>
+            </a:pPr>
+            <a:fld id="{00000000-1234-1234-1234-123412341234}" type="slidenum">
+              <a:rPr lang="en-US" smtClean="0"/>
+              <a:t>16</a:t>
+            </a:fld>
+            <a:endParaRPr lang="en-US"/>
+          </a:p>
+        </p:txBody>
+      </p:sp>
+      <p:sp>
+        <p:nvSpPr>
+          <p:cNvPr id="6" name="TextBox 5">
+            <a:extLst>
+              <a:ext uri="{FF2B5EF4-FFF2-40B4-BE49-F238E27FC236}">
+                <a16:creationId xmlns:a16="http://schemas.microsoft.com/office/drawing/2014/main" id="{759863F6-AC73-A28E-AE72-46C07764E81B}"/>
+              </a:ext>
+            </a:extLst>
+          </p:cNvPr>
+          <p:cNvSpPr txBox="1"/>
+          <p:nvPr/>
+        </p:nvSpPr>
+        <p:spPr>
+          <a:xfrm>
+            <a:off x="493987" y="1515695"/>
+            <a:ext cx="10678510" cy="2832763"/>
+          </a:xfrm>
+          <a:prstGeom prst="rect">
+            <a:avLst/>
+          </a:prstGeom>
+          <a:noFill/>
+        </p:spPr>
+        <p:txBody>
+          <a:bodyPr wrap="square">
+            <a:spAutoFit/>
+          </a:bodyPr>
+          <a:lstStyle/>
+          <a:p>
+            <a:pPr algn="l">
+              <a:lnSpc>
+                <a:spcPts val="2400"/>
+              </a:lnSpc>
+              <a:buNone/>
+            </a:pPr>
+            <a:r>
+              <a:rPr lang="en-US" b="0" i="0" dirty="0">
+                <a:solidFill>
+                  <a:srgbClr val="242424"/>
+                </a:solidFill>
+                <a:effectLst/>
+                <a:latin typeface="+mj-lt"/>
+              </a:rPr>
+              <a:t>Bilinear interpolation makes use of linear interpolation method to compute the pixel values for a new image.</a:t>
+            </a:r>
+          </a:p>
+          <a:p>
+            <a:pPr algn="l">
+              <a:lnSpc>
+                <a:spcPts val="2400"/>
+              </a:lnSpc>
+              <a:buNone/>
+            </a:pPr>
+            <a:r>
+              <a:rPr lang="en-US" b="1" i="1" dirty="0">
+                <a:solidFill>
+                  <a:srgbClr val="242424"/>
+                </a:solidFill>
+                <a:effectLst/>
+                <a:latin typeface="+mj-lt"/>
+              </a:rPr>
+              <a:t>The method works as follows:</a:t>
+            </a:r>
+            <a:endParaRPr lang="en-US" b="0" i="0" dirty="0">
+              <a:solidFill>
+                <a:srgbClr val="242424"/>
+              </a:solidFill>
+              <a:effectLst/>
+              <a:latin typeface="+mj-lt"/>
+            </a:endParaRPr>
+          </a:p>
+          <a:p>
+            <a:pPr algn="l">
+              <a:lnSpc>
+                <a:spcPts val="2400"/>
+              </a:lnSpc>
+              <a:buFont typeface="+mj-lt"/>
+              <a:buAutoNum type="arabicPeriod"/>
+            </a:pPr>
+            <a:r>
+              <a:rPr lang="en-US" b="0" i="0" dirty="0">
+                <a:solidFill>
+                  <a:srgbClr val="242424"/>
+                </a:solidFill>
+                <a:effectLst/>
+                <a:latin typeface="+mj-lt"/>
+              </a:rPr>
+              <a:t>For any unknown </a:t>
+            </a:r>
+            <a:r>
+              <a:rPr lang="en-US" b="0" i="1" dirty="0">
+                <a:solidFill>
+                  <a:srgbClr val="242424"/>
+                </a:solidFill>
+                <a:effectLst/>
+                <a:latin typeface="+mj-lt"/>
+              </a:rPr>
+              <a:t>(row, col)</a:t>
+            </a:r>
+            <a:r>
+              <a:rPr lang="en-US" b="0" i="0" dirty="0">
+                <a:solidFill>
+                  <a:srgbClr val="242424"/>
+                </a:solidFill>
+                <a:effectLst/>
+                <a:latin typeface="+mj-lt"/>
+              </a:rPr>
+              <a:t> cell in the </a:t>
+            </a:r>
+            <a:r>
+              <a:rPr lang="en-US" b="0" i="0" dirty="0" err="1">
+                <a:solidFill>
+                  <a:srgbClr val="242424"/>
+                </a:solidFill>
+                <a:effectLst/>
+                <a:latin typeface="+mj-lt"/>
+              </a:rPr>
+              <a:t>upsampled</a:t>
+            </a:r>
+            <a:r>
+              <a:rPr lang="en-US" b="0" i="0" dirty="0">
+                <a:solidFill>
+                  <a:srgbClr val="242424"/>
+                </a:solidFill>
+                <a:effectLst/>
+                <a:latin typeface="+mj-lt"/>
+              </a:rPr>
+              <a:t> matrix, pick the 4 nearest pixels. These nearest pixels can be obtained by doing </a:t>
+            </a:r>
+            <a:r>
+              <a:rPr lang="en-US" b="0" i="1" dirty="0">
+                <a:solidFill>
+                  <a:srgbClr val="242424"/>
+                </a:solidFill>
+                <a:effectLst/>
+                <a:latin typeface="+mj-lt"/>
+              </a:rPr>
+              <a:t>int(row), int(col), int(row) + 1 and int(col) + 1. </a:t>
+            </a:r>
+            <a:r>
+              <a:rPr lang="en-US" b="0" i="0" dirty="0">
+                <a:solidFill>
+                  <a:srgbClr val="242424"/>
+                </a:solidFill>
+                <a:effectLst/>
+                <a:latin typeface="+mj-lt"/>
+              </a:rPr>
+              <a:t>Let’s call it row1, col1, row2 and col2</a:t>
+            </a:r>
+          </a:p>
+          <a:p>
+            <a:pPr algn="l">
+              <a:lnSpc>
+                <a:spcPts val="2400"/>
+              </a:lnSpc>
+              <a:buFont typeface="+mj-lt"/>
+              <a:buAutoNum type="arabicPeriod"/>
+            </a:pPr>
+            <a:r>
+              <a:rPr lang="en-US" b="0" i="0" dirty="0">
+                <a:solidFill>
+                  <a:srgbClr val="242424"/>
+                </a:solidFill>
+                <a:effectLst/>
+                <a:latin typeface="+mj-lt"/>
+              </a:rPr>
+              <a:t>Perform linear interpolation at (</a:t>
+            </a:r>
+            <a:r>
+              <a:rPr lang="en-US" b="0" i="1" dirty="0">
+                <a:solidFill>
+                  <a:srgbClr val="242424"/>
+                </a:solidFill>
+                <a:effectLst/>
+                <a:latin typeface="+mj-lt"/>
+              </a:rPr>
+              <a:t>row1</a:t>
+            </a:r>
+            <a:r>
+              <a:rPr lang="en-US" b="0" i="0" dirty="0">
+                <a:solidFill>
+                  <a:srgbClr val="242424"/>
+                </a:solidFill>
+                <a:effectLst/>
+                <a:latin typeface="+mj-lt"/>
+              </a:rPr>
+              <a:t>, </a:t>
+            </a:r>
+            <a:r>
+              <a:rPr lang="en-US" b="0" i="1" dirty="0">
+                <a:solidFill>
+                  <a:srgbClr val="242424"/>
+                </a:solidFill>
+                <a:effectLst/>
+                <a:latin typeface="+mj-lt"/>
+              </a:rPr>
+              <a:t>col</a:t>
+            </a:r>
+            <a:r>
+              <a:rPr lang="en-US" b="0" i="0" dirty="0">
+                <a:solidFill>
+                  <a:srgbClr val="242424"/>
+                </a:solidFill>
+                <a:effectLst/>
+                <a:latin typeface="+mj-lt"/>
+              </a:rPr>
+              <a:t>) using (row1, col1) and (row1, col2) and similarly linear interpolation at (row2, col) using (row2, col1) and (row2, col2). Both are along x-directions.</a:t>
+            </a:r>
+          </a:p>
+          <a:p>
+            <a:pPr algn="l">
+              <a:lnSpc>
+                <a:spcPts val="2400"/>
+              </a:lnSpc>
+              <a:buFont typeface="+mj-lt"/>
+              <a:buAutoNum type="arabicPeriod"/>
+            </a:pPr>
+            <a:r>
+              <a:rPr lang="en-US" b="0" i="0" dirty="0">
+                <a:solidFill>
+                  <a:srgbClr val="242424"/>
+                </a:solidFill>
+                <a:effectLst/>
+                <a:latin typeface="+mj-lt"/>
+              </a:rPr>
+              <a:t>Do one final linear interpolation at </a:t>
+            </a:r>
+            <a:r>
+              <a:rPr lang="en-US" b="0" i="1" dirty="0">
+                <a:solidFill>
+                  <a:srgbClr val="242424"/>
+                </a:solidFill>
+                <a:effectLst/>
+                <a:latin typeface="+mj-lt"/>
+              </a:rPr>
+              <a:t>(row, col) using (row1, col) and (row2, col).</a:t>
+            </a:r>
+            <a:endParaRPr lang="en-US" b="0" i="0" dirty="0">
+              <a:solidFill>
+                <a:srgbClr val="242424"/>
+              </a:solidFill>
+              <a:effectLst/>
+              <a:latin typeface="+mj-lt"/>
+            </a:endParaRPr>
+          </a:p>
+          <a:p>
+            <a:pPr algn="l">
+              <a:lnSpc>
+                <a:spcPts val="2400"/>
+              </a:lnSpc>
+              <a:buFont typeface="+mj-lt"/>
+              <a:buAutoNum type="arabicPeriod"/>
+            </a:pPr>
+            <a:r>
+              <a:rPr lang="en-US" b="0" i="0" dirty="0">
+                <a:solidFill>
+                  <a:srgbClr val="242424"/>
+                </a:solidFill>
+                <a:effectLst/>
+                <a:latin typeface="+mj-lt"/>
+              </a:rPr>
+              <a:t>The above steps are repeated for every unknown (row, col) cell in the new matrix.</a:t>
+            </a:r>
+          </a:p>
+          <a:p>
+            <a:pPr algn="l">
+              <a:lnSpc>
+                <a:spcPts val="2400"/>
+              </a:lnSpc>
+              <a:buFont typeface="+mj-lt"/>
+              <a:buAutoNum type="arabicPeriod"/>
+            </a:pPr>
+            <a:r>
+              <a:rPr lang="en-US" b="0" i="0" dirty="0">
+                <a:solidFill>
+                  <a:srgbClr val="242424"/>
+                </a:solidFill>
+                <a:effectLst/>
+                <a:latin typeface="+mj-lt"/>
+              </a:rPr>
+              <a:t>Note that the same pixel value can be obtained by doing two linear interpolation along y-directions first and then along x-direction.</a:t>
+            </a:r>
+          </a:p>
+        </p:txBody>
+      </p:sp>
+    </p:spTree>
+    <p:extLst>
+      <p:ext uri="{BB962C8B-B14F-4D97-AF65-F5344CB8AC3E}">
+        <p14:creationId xmlns:p14="http://schemas.microsoft.com/office/powerpoint/2010/main" val="911115566"/>
+      </p:ext>
+    </p:extLst>
+  </p:cSld>
+  <p:clrMapOvr>
+    <a:masterClrMapping/>
+  </p:clrMapOvr>
+</p:sld>
+</file>
+
+<file path=ppt/slides/slide17.xml><?xml version="1.0" encoding="utf-8"?>
+<p:sld xmlns:a="http://schemas.openxmlformats.org/drawingml/2006/main" xmlns:r="http://schemas.openxmlformats.org/officeDocument/2006/relationships" xmlns:p="http://schemas.openxmlformats.org/presentationml/2006/main">
+  <p:cSld>
+    <p:spTree>
+      <p:nvGrpSpPr>
+        <p:cNvPr id="1" name=""/>
+        <p:cNvGrpSpPr/>
+        <p:nvPr/>
+      </p:nvGrpSpPr>
+      <p:grpSpPr>
+        <a:xfrm>
+          <a:off x="0" y="0"/>
+          <a:ext cx="0" cy="0"/>
+          <a:chOff x="0" y="0"/>
+          <a:chExt cx="0" cy="0"/>
+        </a:xfrm>
+      </p:grpSpPr>
+      <p:sp>
+        <p:nvSpPr>
+          <p:cNvPr id="2" name="Slide Number Placeholder 1">
+            <a:extLst>
+              <a:ext uri="{FF2B5EF4-FFF2-40B4-BE49-F238E27FC236}">
+                <a16:creationId xmlns:a16="http://schemas.microsoft.com/office/drawing/2014/main" id="{F44AE513-7505-51A2-BCA7-001D114CA56D}"/>
+              </a:ext>
+            </a:extLst>
+          </p:cNvPr>
+          <p:cNvSpPr>
+            <a:spLocks noGrp="1"/>
+          </p:cNvSpPr>
+          <p:nvPr>
+            <p:ph type="sldNum" idx="12"/>
+          </p:nvPr>
+        </p:nvSpPr>
+        <p:spPr/>
+        <p:txBody>
+          <a:bodyPr/>
+          <a:lstStyle/>
+          <a:p>
+            <a:pPr marL="0" lvl="0" indent="0" algn="r" rtl="0">
+              <a:spcBef>
+                <a:spcPts val="0"/>
+              </a:spcBef>
+              <a:spcAft>
+                <a:spcPts val="0"/>
+              </a:spcAft>
+              <a:buNone/>
+            </a:pPr>
+            <a:fld id="{00000000-1234-1234-1234-123412341234}" type="slidenum">
+              <a:rPr lang="en-US" smtClean="0"/>
+              <a:t>17</a:t>
+            </a:fld>
+            <a:endParaRPr lang="en-US"/>
+          </a:p>
+        </p:txBody>
+      </p:sp>
+      <p:pic>
+        <p:nvPicPr>
+          <p:cNvPr id="4" name="Picture 3">
+            <a:extLst>
+              <a:ext uri="{FF2B5EF4-FFF2-40B4-BE49-F238E27FC236}">
+                <a16:creationId xmlns:a16="http://schemas.microsoft.com/office/drawing/2014/main" id="{C855A50C-9BFC-5A48-DB03-95DD5D36AD8B}"/>
+              </a:ext>
+            </a:extLst>
+          </p:cNvPr>
+          <p:cNvPicPr>
+            <a:picLocks noChangeAspect="1"/>
+          </p:cNvPicPr>
+          <p:nvPr/>
+        </p:nvPicPr>
+        <p:blipFill>
+          <a:blip r:embed="rId2"/>
+          <a:stretch>
+            <a:fillRect/>
+          </a:stretch>
+        </p:blipFill>
+        <p:spPr>
+          <a:xfrm>
+            <a:off x="788277" y="310512"/>
+            <a:ext cx="6504132" cy="5693163"/>
+          </a:xfrm>
+          <a:prstGeom prst="rect">
+            <a:avLst/>
+          </a:prstGeom>
+        </p:spPr>
+      </p:pic>
+      <p:pic>
+        <p:nvPicPr>
+          <p:cNvPr id="6" name="Picture 5">
+            <a:extLst>
+              <a:ext uri="{FF2B5EF4-FFF2-40B4-BE49-F238E27FC236}">
+                <a16:creationId xmlns:a16="http://schemas.microsoft.com/office/drawing/2014/main" id="{6CF0811E-C387-9EC5-2BC4-5379C7B9FBCE}"/>
+              </a:ext>
+            </a:extLst>
+          </p:cNvPr>
+          <p:cNvPicPr>
+            <a:picLocks noChangeAspect="1"/>
+          </p:cNvPicPr>
+          <p:nvPr/>
+        </p:nvPicPr>
+        <p:blipFill>
+          <a:blip r:embed="rId3"/>
+          <a:stretch>
+            <a:fillRect/>
+          </a:stretch>
+        </p:blipFill>
+        <p:spPr>
+          <a:xfrm>
+            <a:off x="6324090" y="854326"/>
+            <a:ext cx="5689430" cy="3304018"/>
+          </a:xfrm>
+          <a:prstGeom prst="rect">
+            <a:avLst/>
+          </a:prstGeom>
+        </p:spPr>
+      </p:pic>
+      <p:sp>
+        <p:nvSpPr>
+          <p:cNvPr id="7" name="Title 1">
+            <a:extLst>
+              <a:ext uri="{FF2B5EF4-FFF2-40B4-BE49-F238E27FC236}">
+                <a16:creationId xmlns:a16="http://schemas.microsoft.com/office/drawing/2014/main" id="{C21A3CF4-0319-540A-5664-17E8B4555BBE}"/>
+              </a:ext>
+            </a:extLst>
+          </p:cNvPr>
+          <p:cNvSpPr txBox="1">
+            <a:spLocks/>
+          </p:cNvSpPr>
+          <p:nvPr/>
+        </p:nvSpPr>
+        <p:spPr>
+          <a:xfrm>
+            <a:off x="415600" y="593367"/>
+            <a:ext cx="11360700" cy="763500"/>
+          </a:xfrm>
+          <a:prstGeom prst="rect">
+            <a:avLst/>
+          </a:prstGeom>
+        </p:spPr>
+        <p:txBody>
+          <a:bodyPr>
+            <a:normAutofit fontScale="97500"/>
+          </a:bodyPr>
+          <a:lstStyle>
+            <a:defPPr marR="0" lvl="0" algn="l" rtl="0">
+              <a:lnSpc>
+                <a:spcPct val="100000"/>
+              </a:lnSpc>
+              <a:spcBef>
+                <a:spcPts val="0"/>
+              </a:spcBef>
+              <a:spcAft>
+                <a:spcPts val="0"/>
+              </a:spcAft>
+            </a:defPPr>
+            <a:lvl1pPr marR="0" lvl="0" algn="l" rtl="0">
+              <a:lnSpc>
+                <a:spcPct val="100000"/>
+              </a:lnSpc>
+              <a:spcBef>
+                <a:spcPts val="0"/>
+              </a:spcBef>
+              <a:spcAft>
+                <a:spcPts val="0"/>
+              </a:spcAft>
+              <a:buClr>
+                <a:srgbClr val="000000"/>
+              </a:buClr>
+              <a:buFont typeface="Arial"/>
+              <a:defRPr sz="1400" b="0" i="0" u="none" strike="noStrike" cap="none">
+                <a:solidFill>
+                  <a:srgbClr val="000000"/>
+                </a:solidFill>
+                <a:latin typeface="Arial"/>
+                <a:ea typeface="Arial"/>
+                <a:cs typeface="Arial"/>
+                <a:sym typeface="Arial"/>
+              </a:defRPr>
+            </a:lvl1pPr>
+            <a:lvl2pPr marR="0" lvl="1" algn="l" rtl="0">
+              <a:lnSpc>
+                <a:spcPct val="100000"/>
+              </a:lnSpc>
+              <a:spcBef>
+                <a:spcPts val="0"/>
+              </a:spcBef>
+              <a:spcAft>
+                <a:spcPts val="0"/>
+              </a:spcAft>
+              <a:buClr>
+                <a:srgbClr val="000000"/>
+              </a:buClr>
+              <a:buFont typeface="Arial"/>
+              <a:defRPr sz="1400" b="0" i="0" u="none" strike="noStrike" cap="none">
+                <a:solidFill>
+                  <a:srgbClr val="000000"/>
+                </a:solidFill>
+                <a:latin typeface="Arial"/>
+                <a:ea typeface="Arial"/>
+                <a:cs typeface="Arial"/>
+                <a:sym typeface="Arial"/>
+              </a:defRPr>
+            </a:lvl2pPr>
+            <a:lvl3pPr marR="0" lvl="2" algn="l" rtl="0">
+              <a:lnSpc>
+                <a:spcPct val="100000"/>
+              </a:lnSpc>
+              <a:spcBef>
+                <a:spcPts val="0"/>
+              </a:spcBef>
+              <a:spcAft>
+                <a:spcPts val="0"/>
+              </a:spcAft>
+              <a:buClr>
+                <a:srgbClr val="000000"/>
+              </a:buClr>
+              <a:buFont typeface="Arial"/>
+              <a:defRPr sz="1400" b="0" i="0" u="none" strike="noStrike" cap="none">
+                <a:solidFill>
+                  <a:srgbClr val="000000"/>
+                </a:solidFill>
+                <a:latin typeface="Arial"/>
+                <a:ea typeface="Arial"/>
+                <a:cs typeface="Arial"/>
+                <a:sym typeface="Arial"/>
+              </a:defRPr>
+            </a:lvl3pPr>
+            <a:lvl4pPr marR="0" lvl="3" algn="l" rtl="0">
+              <a:lnSpc>
+                <a:spcPct val="100000"/>
+              </a:lnSpc>
+              <a:spcBef>
+                <a:spcPts val="0"/>
+              </a:spcBef>
+              <a:spcAft>
+                <a:spcPts val="0"/>
+              </a:spcAft>
+              <a:buClr>
+                <a:srgbClr val="000000"/>
+              </a:buClr>
+              <a:buFont typeface="Arial"/>
+              <a:defRPr sz="1400" b="0" i="0" u="none" strike="noStrike" cap="none">
+                <a:solidFill>
+                  <a:srgbClr val="000000"/>
+                </a:solidFill>
+                <a:latin typeface="Arial"/>
+                <a:ea typeface="Arial"/>
+                <a:cs typeface="Arial"/>
+                <a:sym typeface="Arial"/>
+              </a:defRPr>
+            </a:lvl4pPr>
+            <a:lvl5pPr marR="0" lvl="4" algn="l" rtl="0">
+              <a:lnSpc>
+                <a:spcPct val="100000"/>
+              </a:lnSpc>
+              <a:spcBef>
+                <a:spcPts val="0"/>
+              </a:spcBef>
+              <a:spcAft>
+                <a:spcPts val="0"/>
+              </a:spcAft>
+              <a:buClr>
+                <a:srgbClr val="000000"/>
+              </a:buClr>
+              <a:buFont typeface="Arial"/>
+              <a:defRPr sz="1400" b="0" i="0" u="none" strike="noStrike" cap="none">
+                <a:solidFill>
+                  <a:srgbClr val="000000"/>
+                </a:solidFill>
+                <a:latin typeface="Arial"/>
+                <a:ea typeface="Arial"/>
+                <a:cs typeface="Arial"/>
+                <a:sym typeface="Arial"/>
+              </a:defRPr>
+            </a:lvl5pPr>
+            <a:lvl6pPr marR="0" lvl="5" algn="l" rtl="0">
+              <a:lnSpc>
+                <a:spcPct val="100000"/>
+              </a:lnSpc>
+              <a:spcBef>
+                <a:spcPts val="0"/>
+              </a:spcBef>
+              <a:spcAft>
+                <a:spcPts val="0"/>
+              </a:spcAft>
+              <a:buClr>
+                <a:srgbClr val="000000"/>
+              </a:buClr>
+              <a:buFont typeface="Arial"/>
+              <a:defRPr sz="1400" b="0" i="0" u="none" strike="noStrike" cap="none">
+                <a:solidFill>
+                  <a:srgbClr val="000000"/>
+                </a:solidFill>
+                <a:latin typeface="Arial"/>
+                <a:ea typeface="Arial"/>
+                <a:cs typeface="Arial"/>
+                <a:sym typeface="Arial"/>
+              </a:defRPr>
+            </a:lvl6pPr>
+            <a:lvl7pPr marR="0" lvl="6" algn="l" rtl="0">
+              <a:lnSpc>
+                <a:spcPct val="100000"/>
+              </a:lnSpc>
+              <a:spcBef>
+                <a:spcPts val="0"/>
+              </a:spcBef>
+              <a:spcAft>
+                <a:spcPts val="0"/>
+              </a:spcAft>
+              <a:buClr>
+                <a:srgbClr val="000000"/>
+              </a:buClr>
+              <a:buFont typeface="Arial"/>
+              <a:defRPr sz="1400" b="0" i="0" u="none" strike="noStrike" cap="none">
+                <a:solidFill>
+                  <a:srgbClr val="000000"/>
+                </a:solidFill>
+                <a:latin typeface="Arial"/>
+                <a:ea typeface="Arial"/>
+                <a:cs typeface="Arial"/>
+                <a:sym typeface="Arial"/>
+              </a:defRPr>
+            </a:lvl7pPr>
+            <a:lvl8pPr marR="0" lvl="7" algn="l" rtl="0">
+              <a:lnSpc>
+                <a:spcPct val="100000"/>
+              </a:lnSpc>
+              <a:spcBef>
+                <a:spcPts val="0"/>
+              </a:spcBef>
+              <a:spcAft>
+                <a:spcPts val="0"/>
+              </a:spcAft>
+              <a:buClr>
+                <a:srgbClr val="000000"/>
+              </a:buClr>
+              <a:buFont typeface="Arial"/>
+              <a:defRPr sz="1400" b="0" i="0" u="none" strike="noStrike" cap="none">
+                <a:solidFill>
+                  <a:srgbClr val="000000"/>
+                </a:solidFill>
+                <a:latin typeface="Arial"/>
+                <a:ea typeface="Arial"/>
+                <a:cs typeface="Arial"/>
+                <a:sym typeface="Arial"/>
+              </a:defRPr>
+            </a:lvl8pPr>
+            <a:lvl9pPr marR="0" lvl="8" algn="l" rtl="0">
+              <a:lnSpc>
+                <a:spcPct val="100000"/>
+              </a:lnSpc>
+              <a:spcBef>
+                <a:spcPts val="0"/>
+              </a:spcBef>
+              <a:spcAft>
+                <a:spcPts val="0"/>
+              </a:spcAft>
+              <a:buClr>
+                <a:srgbClr val="000000"/>
+              </a:buClr>
+              <a:buFont typeface="Arial"/>
+              <a:defRPr sz="1400" b="0" i="0" u="none" strike="noStrike" cap="none">
+                <a:solidFill>
+                  <a:srgbClr val="000000"/>
+                </a:solidFill>
+                <a:latin typeface="Arial"/>
+                <a:ea typeface="Arial"/>
+                <a:cs typeface="Arial"/>
+                <a:sym typeface="Arial"/>
+              </a:defRPr>
+            </a:lvl9pPr>
+          </a:lstStyle>
+          <a:p>
+            <a:r>
+              <a:rPr lang="en-US" b="1" dirty="0"/>
+              <a:t>Bilinear Interpolation – Teaching Method 2 </a:t>
+            </a:r>
+            <a:br>
+              <a:rPr lang="en-US" b="1" dirty="0"/>
+            </a:br>
+            <a:endParaRPr lang="en-US" dirty="0"/>
+          </a:p>
+        </p:txBody>
+      </p:sp>
+    </p:spTree>
+    <p:extLst>
+      <p:ext uri="{BB962C8B-B14F-4D97-AF65-F5344CB8AC3E}">
+        <p14:creationId xmlns:p14="http://schemas.microsoft.com/office/powerpoint/2010/main" val="728315945"/>
+      </p:ext>
+    </p:extLst>
+  </p:cSld>
+  <p:clrMapOvr>
+    <a:masterClrMapping/>
+  </p:clrMapOvr>
+</p:sld>
+</file>
+
+<file path=ppt/slides/slide18.xml><?xml version="1.0" encoding="utf-8"?>
+<p:sld xmlns:a="http://schemas.openxmlformats.org/drawingml/2006/main" xmlns:r="http://schemas.openxmlformats.org/officeDocument/2006/relationships" xmlns:p="http://schemas.openxmlformats.org/presentationml/2006/main">
+  <p:cSld>
+    <p:spTree>
+      <p:nvGrpSpPr>
+        <p:cNvPr id="1" name=""/>
+        <p:cNvGrpSpPr/>
+        <p:nvPr/>
+      </p:nvGrpSpPr>
+      <p:grpSpPr>
+        <a:xfrm>
+          <a:off x="0" y="0"/>
+          <a:ext cx="0" cy="0"/>
+          <a:chOff x="0" y="0"/>
+          <a:chExt cx="0" cy="0"/>
+        </a:xfrm>
+      </p:grpSpPr>
+      <p:sp>
+        <p:nvSpPr>
+          <p:cNvPr id="2" name="Title 1">
+            <a:extLst>
+              <a:ext uri="{FF2B5EF4-FFF2-40B4-BE49-F238E27FC236}">
+                <a16:creationId xmlns:a16="http://schemas.microsoft.com/office/drawing/2014/main" id="{E38B80EE-5F7C-8201-8D39-B5C94EFE0CF8}"/>
+              </a:ext>
+            </a:extLst>
+          </p:cNvPr>
+          <p:cNvSpPr>
+            <a:spLocks noGrp="1"/>
+          </p:cNvSpPr>
+          <p:nvPr>
+            <p:ph type="title"/>
+          </p:nvPr>
+        </p:nvSpPr>
+        <p:spPr/>
+        <p:txBody>
+          <a:bodyPr>
+            <a:normAutofit fontScale="90000"/>
+          </a:bodyPr>
+          <a:lstStyle/>
+          <a:p>
+            <a:r>
+              <a:rPr lang="en-US" dirty="0"/>
+              <a:t>Applying it to example</a:t>
+            </a:r>
+          </a:p>
+        </p:txBody>
+      </p:sp>
+      <p:sp>
+        <p:nvSpPr>
+          <p:cNvPr id="4" name="Slide Number Placeholder 3">
+            <a:extLst>
+              <a:ext uri="{FF2B5EF4-FFF2-40B4-BE49-F238E27FC236}">
+                <a16:creationId xmlns:a16="http://schemas.microsoft.com/office/drawing/2014/main" id="{A48969A9-457B-4974-2289-CC43A65A293E}"/>
+              </a:ext>
+            </a:extLst>
+          </p:cNvPr>
+          <p:cNvSpPr>
+            <a:spLocks noGrp="1"/>
+          </p:cNvSpPr>
+          <p:nvPr>
+            <p:ph type="sldNum" idx="12"/>
+          </p:nvPr>
+        </p:nvSpPr>
+        <p:spPr/>
+        <p:txBody>
+          <a:bodyPr/>
+          <a:lstStyle/>
+          <a:p>
+            <a:pPr marL="0" lvl="0" indent="0" algn="r" rtl="0">
+              <a:spcBef>
+                <a:spcPts val="0"/>
+              </a:spcBef>
+              <a:spcAft>
+                <a:spcPts val="0"/>
+              </a:spcAft>
+              <a:buNone/>
+            </a:pPr>
+            <a:fld id="{00000000-1234-1234-1234-123412341234}" type="slidenum">
+              <a:rPr lang="en-US" smtClean="0"/>
+              <a:t>18</a:t>
+            </a:fld>
+            <a:endParaRPr lang="en-US"/>
+          </a:p>
+        </p:txBody>
+      </p:sp>
+      <p:pic>
+        <p:nvPicPr>
+          <p:cNvPr id="6" name="Picture 5">
+            <a:extLst>
+              <a:ext uri="{FF2B5EF4-FFF2-40B4-BE49-F238E27FC236}">
+                <a16:creationId xmlns:a16="http://schemas.microsoft.com/office/drawing/2014/main" id="{142D549E-5060-F544-E847-668F46F6C6B3}"/>
+              </a:ext>
+            </a:extLst>
+          </p:cNvPr>
+          <p:cNvPicPr>
+            <a:picLocks noChangeAspect="1"/>
+          </p:cNvPicPr>
+          <p:nvPr/>
+        </p:nvPicPr>
+        <p:blipFill>
+          <a:blip r:embed="rId2"/>
+          <a:stretch>
+            <a:fillRect/>
+          </a:stretch>
+        </p:blipFill>
+        <p:spPr>
+          <a:xfrm>
+            <a:off x="511628" y="1356867"/>
+            <a:ext cx="6318313" cy="5027039"/>
+          </a:xfrm>
+          <a:prstGeom prst="rect">
+            <a:avLst/>
+          </a:prstGeom>
+        </p:spPr>
+      </p:pic>
+      <p:pic>
+        <p:nvPicPr>
+          <p:cNvPr id="8" name="Picture 7">
+            <a:extLst>
+              <a:ext uri="{FF2B5EF4-FFF2-40B4-BE49-F238E27FC236}">
+                <a16:creationId xmlns:a16="http://schemas.microsoft.com/office/drawing/2014/main" id="{E1A6A675-FAE9-5BEE-EACE-864A0186C0AC}"/>
+              </a:ext>
+            </a:extLst>
+          </p:cNvPr>
+          <p:cNvPicPr>
+            <a:picLocks noChangeAspect="1"/>
+          </p:cNvPicPr>
+          <p:nvPr/>
+        </p:nvPicPr>
+        <p:blipFill>
+          <a:blip r:embed="rId3"/>
+          <a:stretch>
+            <a:fillRect/>
+          </a:stretch>
+        </p:blipFill>
+        <p:spPr>
+          <a:xfrm>
+            <a:off x="4813030" y="1458451"/>
+            <a:ext cx="7116168" cy="3353268"/>
+          </a:xfrm>
+          <a:prstGeom prst="rect">
+            <a:avLst/>
+          </a:prstGeom>
+        </p:spPr>
+      </p:pic>
+    </p:spTree>
+    <p:extLst>
+      <p:ext uri="{BB962C8B-B14F-4D97-AF65-F5344CB8AC3E}">
+        <p14:creationId xmlns:p14="http://schemas.microsoft.com/office/powerpoint/2010/main" val="2970893480"/>
+      </p:ext>
+    </p:extLst>
+  </p:cSld>
+  <p:clrMapOvr>
+    <a:masterClrMapping/>
+  </p:clrMapOvr>
+</p:sld>
+</file>
+
+<file path=ppt/slides/slide19.xml><?xml version="1.0" encoding="utf-8"?>
+<p:sld xmlns:a="http://schemas.openxmlformats.org/drawingml/2006/main" xmlns:r="http://schemas.openxmlformats.org/officeDocument/2006/relationships" xmlns:p="http://schemas.openxmlformats.org/presentationml/2006/main">
+  <p:cSld>
+    <p:spTree>
+      <p:nvGrpSpPr>
+        <p:cNvPr id="1" name=""/>
+        <p:cNvGrpSpPr/>
+        <p:nvPr/>
+      </p:nvGrpSpPr>
+      <p:grpSpPr>
+        <a:xfrm>
+          <a:off x="0" y="0"/>
+          <a:ext cx="0" cy="0"/>
+          <a:chOff x="0" y="0"/>
+          <a:chExt cx="0" cy="0"/>
+        </a:xfrm>
+      </p:grpSpPr>
+      <p:sp>
+        <p:nvSpPr>
           <p:cNvPr id="2" name="Title 1">
             <a:extLst>
               <a:ext uri="{FF2B5EF4-FFF2-40B4-BE49-F238E27FC236}">
@@ -14341,7 +16109,7 @@
             </a:pPr>
             <a:fld id="{00000000-1234-1234-1234-123412341234}" type="slidenum">
               <a:rPr lang="en-US" smtClean="0"/>
-              <a:t>12</a:t>
+              <a:t>19</a:t>
             </a:fld>
             <a:endParaRPr lang="en-US"/>
           </a:p>
@@ -14767,7 +16535,319 @@
 </p:sld>
 </file>
 
-<file path=ppt/slides/slide13.xml><?xml version="1.0" encoding="utf-8"?>
+<file path=ppt/slides/slide2.xml><?xml version="1.0" encoding="utf-8"?>
+<p:sld xmlns:a="http://schemas.openxmlformats.org/drawingml/2006/main" xmlns:r="http://schemas.openxmlformats.org/officeDocument/2006/relationships" xmlns:p="http://schemas.openxmlformats.org/presentationml/2006/main">
+  <p:cSld>
+    <p:spTree>
+      <p:nvGrpSpPr>
+        <p:cNvPr id="1" name="Shape 107"/>
+        <p:cNvGrpSpPr/>
+        <p:nvPr/>
+      </p:nvGrpSpPr>
+      <p:grpSpPr>
+        <a:xfrm>
+          <a:off x="0" y="0"/>
+          <a:ext cx="0" cy="0"/>
+          <a:chOff x="0" y="0"/>
+          <a:chExt cx="0" cy="0"/>
+        </a:xfrm>
+      </p:grpSpPr>
+      <p:sp>
+        <p:nvSpPr>
+          <p:cNvPr id="108" name="Google Shape;108;g262a763626f_0_6"/>
+          <p:cNvSpPr txBox="1">
+            <a:spLocks noGrp="1"/>
+          </p:cNvSpPr>
+          <p:nvPr>
+            <p:ph type="title"/>
+          </p:nvPr>
+        </p:nvSpPr>
+        <p:spPr>
+          <a:xfrm>
+            <a:off x="468449" y="1671639"/>
+            <a:ext cx="6005400" cy="653100"/>
+          </a:xfrm>
+          <a:prstGeom prst="rect">
+            <a:avLst/>
+          </a:prstGeom>
+          <a:noFill/>
+          <a:ln>
+            <a:noFill/>
+          </a:ln>
+        </p:spPr>
+        <p:txBody>
+          <a:bodyPr spcFirstLastPara="1" wrap="square" lIns="91425" tIns="45700" rIns="91425" bIns="45700" anchor="b" anchorCtr="0">
+            <a:noAutofit/>
+          </a:bodyPr>
+          <a:lstStyle/>
+          <a:p>
+            <a:pPr marL="0" lvl="0" indent="0" algn="l" rtl="0">
+              <a:lnSpc>
+                <a:spcPct val="90000"/>
+              </a:lnSpc>
+              <a:spcBef>
+                <a:spcPts val="0"/>
+              </a:spcBef>
+              <a:spcAft>
+                <a:spcPts val="0"/>
+              </a:spcAft>
+              <a:buClr>
+                <a:schemeClr val="dk1"/>
+              </a:buClr>
+              <a:buSzPts val="3600"/>
+              <a:buFont typeface="Calibri"/>
+              <a:buNone/>
+            </a:pPr>
+            <a:endParaRPr/>
+          </a:p>
+          <a:p>
+            <a:pPr marL="0" lvl="0" indent="0" algn="l" rtl="0">
+              <a:lnSpc>
+                <a:spcPct val="90000"/>
+              </a:lnSpc>
+              <a:spcBef>
+                <a:spcPts val="0"/>
+              </a:spcBef>
+              <a:spcAft>
+                <a:spcPts val="0"/>
+              </a:spcAft>
+              <a:buClr>
+                <a:schemeClr val="dk1"/>
+              </a:buClr>
+              <a:buSzPts val="3600"/>
+              <a:buFont typeface="Calibri"/>
+              <a:buNone/>
+            </a:pPr>
+            <a:r>
+              <a:rPr lang="en-US" u="sng"/>
+              <a:t>Topics</a:t>
+            </a:r>
+            <a:endParaRPr/>
+          </a:p>
+        </p:txBody>
+      </p:sp>
+      <p:sp>
+        <p:nvSpPr>
+          <p:cNvPr id="110" name="Google Shape;110;g262a763626f_0_6"/>
+          <p:cNvSpPr txBox="1">
+            <a:spLocks noGrp="1"/>
+          </p:cNvSpPr>
+          <p:nvPr>
+            <p:ph type="body" idx="1"/>
+          </p:nvPr>
+        </p:nvSpPr>
+        <p:spPr>
+          <a:xfrm>
+            <a:off x="1362075" y="2586450"/>
+            <a:ext cx="10189500" cy="3304800"/>
+          </a:xfrm>
+          <a:prstGeom prst="rect">
+            <a:avLst/>
+          </a:prstGeom>
+          <a:noFill/>
+          <a:ln>
+            <a:noFill/>
+          </a:ln>
+        </p:spPr>
+        <p:txBody>
+          <a:bodyPr spcFirstLastPara="1" wrap="square" lIns="91425" tIns="45700" rIns="91425" bIns="45700" anchor="t" anchorCtr="0">
+            <a:normAutofit/>
+          </a:bodyPr>
+          <a:lstStyle/>
+          <a:p>
+            <a:pPr marL="457200" lvl="0" indent="-381000" algn="l" rtl="0">
+              <a:lnSpc>
+                <a:spcPct val="100000"/>
+              </a:lnSpc>
+              <a:spcBef>
+                <a:spcPts val="1000"/>
+              </a:spcBef>
+              <a:spcAft>
+                <a:spcPts val="0"/>
+              </a:spcAft>
+              <a:buSzPts val="2400"/>
+              <a:buChar char="●"/>
+            </a:pPr>
+            <a:r>
+              <a:rPr lang="en-US"/>
+              <a:t>Image Representation</a:t>
+            </a:r>
+            <a:endParaRPr/>
+          </a:p>
+          <a:p>
+            <a:pPr marL="457200" lvl="0" indent="-381000" algn="l" rtl="0">
+              <a:lnSpc>
+                <a:spcPct val="100000"/>
+              </a:lnSpc>
+              <a:spcBef>
+                <a:spcPts val="0"/>
+              </a:spcBef>
+              <a:spcAft>
+                <a:spcPts val="0"/>
+              </a:spcAft>
+              <a:buSzPts val="2400"/>
+              <a:buChar char="●"/>
+            </a:pPr>
+            <a:r>
+              <a:rPr lang="en-US"/>
+              <a:t>Image Digitization ( Sampling &amp; Quantization) </a:t>
+            </a:r>
+            <a:endParaRPr/>
+          </a:p>
+          <a:p>
+            <a:pPr marL="457200" lvl="0" indent="-381000" algn="l" rtl="0">
+              <a:lnSpc>
+                <a:spcPct val="100000"/>
+              </a:lnSpc>
+              <a:spcBef>
+                <a:spcPts val="0"/>
+              </a:spcBef>
+              <a:spcAft>
+                <a:spcPts val="0"/>
+              </a:spcAft>
+              <a:buSzPts val="2400"/>
+              <a:buChar char="●"/>
+            </a:pPr>
+            <a:r>
+              <a:rPr lang="en-US"/>
+              <a:t>Digital Image Properties</a:t>
+            </a:r>
+            <a:endParaRPr/>
+          </a:p>
+          <a:p>
+            <a:pPr marL="0" lvl="0" indent="0" algn="l" rtl="0">
+              <a:lnSpc>
+                <a:spcPct val="100000"/>
+              </a:lnSpc>
+              <a:spcBef>
+                <a:spcPts val="1000"/>
+              </a:spcBef>
+              <a:spcAft>
+                <a:spcPts val="0"/>
+              </a:spcAft>
+              <a:buNone/>
+            </a:pPr>
+            <a:endParaRPr/>
+          </a:p>
+        </p:txBody>
+      </p:sp>
+      <p:sp>
+        <p:nvSpPr>
+          <p:cNvPr id="111" name="Google Shape;111;g262a763626f_0_6"/>
+          <p:cNvSpPr txBox="1">
+            <a:spLocks noGrp="1"/>
+          </p:cNvSpPr>
+          <p:nvPr>
+            <p:ph type="sldNum" idx="12"/>
+          </p:nvPr>
+        </p:nvSpPr>
+        <p:spPr>
+          <a:xfrm>
+            <a:off x="8610600" y="6356350"/>
+            <a:ext cx="2743200" cy="365100"/>
+          </a:xfrm>
+          <a:prstGeom prst="rect">
+            <a:avLst/>
+          </a:prstGeom>
+          <a:noFill/>
+          <a:ln>
+            <a:noFill/>
+          </a:ln>
+        </p:spPr>
+        <p:txBody>
+          <a:bodyPr spcFirstLastPara="1" wrap="square" lIns="91425" tIns="45700" rIns="91425" bIns="45700" anchor="ctr" anchorCtr="0">
+            <a:noAutofit/>
+          </a:bodyPr>
+          <a:lstStyle/>
+          <a:p>
+            <a:pPr marL="0" lvl="0" indent="0" algn="r" rtl="0">
+              <a:lnSpc>
+                <a:spcPct val="100000"/>
+              </a:lnSpc>
+              <a:spcBef>
+                <a:spcPts val="0"/>
+              </a:spcBef>
+              <a:spcAft>
+                <a:spcPts val="0"/>
+              </a:spcAft>
+              <a:buClr>
+                <a:srgbClr val="000000"/>
+              </a:buClr>
+              <a:buSzPts val="900"/>
+              <a:buFont typeface="Arial"/>
+              <a:buNone/>
+            </a:pPr>
+            <a:fld id="{00000000-1234-1234-1234-123412341234}" type="slidenum">
+              <a:rPr lang="en-US"/>
+              <a:t>2</a:t>
+            </a:fld>
+            <a:endParaRPr/>
+          </a:p>
+        </p:txBody>
+      </p:sp>
+      <p:sp>
+        <p:nvSpPr>
+          <p:cNvPr id="112" name="Google Shape;112;g262a763626f_0_6"/>
+          <p:cNvSpPr txBox="1"/>
+          <p:nvPr/>
+        </p:nvSpPr>
+        <p:spPr>
+          <a:xfrm>
+            <a:off x="9192000" y="0"/>
+            <a:ext cx="3000000" cy="307800"/>
+          </a:xfrm>
+          <a:prstGeom prst="rect">
+            <a:avLst/>
+          </a:prstGeom>
+          <a:noFill/>
+          <a:ln>
+            <a:noFill/>
+          </a:ln>
+        </p:spPr>
+        <p:txBody>
+          <a:bodyPr spcFirstLastPara="1" wrap="square" lIns="91425" tIns="91425" rIns="91425" bIns="91425" anchor="t" anchorCtr="0">
+            <a:spAutoFit/>
+          </a:bodyPr>
+          <a:lstStyle/>
+          <a:p>
+            <a:pPr marL="0" lvl="0" indent="0" algn="l" rtl="0">
+              <a:spcBef>
+                <a:spcPts val="0"/>
+              </a:spcBef>
+              <a:spcAft>
+                <a:spcPts val="0"/>
+              </a:spcAft>
+              <a:buNone/>
+            </a:pPr>
+            <a:r>
+              <a:rPr lang="en-US" sz="800">
+                <a:solidFill>
+                  <a:srgbClr val="000000"/>
+                </a:solidFill>
+              </a:rPr>
+              <a:t>CV 1: </a:t>
+            </a:r>
+            <a:r>
+              <a:rPr lang="en-US" sz="800"/>
+              <a:t>Digital Image Fundamentals</a:t>
+            </a:r>
+            <a:endParaRPr sz="800">
+              <a:solidFill>
+                <a:srgbClr val="000000"/>
+              </a:solidFill>
+            </a:endParaRPr>
+          </a:p>
+        </p:txBody>
+      </p:sp>
+    </p:spTree>
+  </p:cSld>
+  <p:clrMapOvr>
+    <a:masterClrMapping/>
+  </p:clrMapOvr>
+</p:sld>
+</file>
+
+<file path=ppt/slides/slide20.xml><?xml version="1.0" encoding="utf-8"?>
 <p:sld xmlns:a="http://schemas.openxmlformats.org/drawingml/2006/main" xmlns:r="http://schemas.openxmlformats.org/officeDocument/2006/relationships" xmlns:p="http://schemas.openxmlformats.org/presentationml/2006/main">
   <p:cSld>
     <p:spTree>
@@ -15107,7 +17187,7 @@
             </a:pPr>
             <a:fld id="{00000000-1234-1234-1234-123412341234}" type="slidenum">
               <a:rPr lang="en-US" smtClean="0"/>
-              <a:t>13</a:t>
+              <a:t>20</a:t>
             </a:fld>
             <a:endParaRPr lang="en-US"/>
           </a:p>
@@ -15126,7 +17206,7 @@
 </p:sld>
 </file>
 
-<file path=ppt/slides/slide14.xml><?xml version="1.0" encoding="utf-8"?>
+<file path=ppt/slides/slide21.xml><?xml version="1.0" encoding="utf-8"?>
 <p:sld xmlns:a="http://schemas.openxmlformats.org/drawingml/2006/main" xmlns:r="http://schemas.openxmlformats.org/officeDocument/2006/relationships" xmlns:p="http://schemas.openxmlformats.org/presentationml/2006/main">
   <p:cSld>
     <p:spTree>
@@ -15205,7 +17285,7 @@
             </a:pPr>
             <a:fld id="{00000000-1234-1234-1234-123412341234}" type="slidenum">
               <a:rPr lang="en-US" smtClean="0"/>
-              <a:t>14</a:t>
+              <a:t>21</a:t>
             </a:fld>
             <a:endParaRPr lang="en-US"/>
           </a:p>
@@ -15864,7 +17944,7 @@
 </p:sld>
 </file>
 
-<file path=ppt/slides/slide15.xml><?xml version="1.0" encoding="utf-8"?>
+<file path=ppt/slides/slide22.xml><?xml version="1.0" encoding="utf-8"?>
 <p:sld xmlns:a="http://schemas.openxmlformats.org/drawingml/2006/main" xmlns:r="http://schemas.openxmlformats.org/officeDocument/2006/relationships" xmlns:p="http://schemas.openxmlformats.org/presentationml/2006/main">
   <p:cSld>
     <p:spTree>
@@ -15982,7 +18062,7 @@
             </a:pPr>
             <a:fld id="{00000000-1234-1234-1234-123412341234}" type="slidenum">
               <a:rPr lang="en-US" smtClean="0"/>
-              <a:t>15</a:t>
+              <a:t>22</a:t>
             </a:fld>
             <a:endParaRPr lang="en-US"/>
           </a:p>
@@ -16001,927 +18081,7 @@
 </p:sld>
 </file>
 
-<file path=ppt/slides/slide16.xml><?xml version="1.0" encoding="utf-8"?>
-<p:sld xmlns:a="http://schemas.openxmlformats.org/drawingml/2006/main" xmlns:r="http://schemas.openxmlformats.org/officeDocument/2006/relationships" xmlns:p="http://schemas.openxmlformats.org/presentationml/2006/main">
-  <p:cSld>
-    <p:spTree>
-      <p:nvGrpSpPr>
-        <p:cNvPr id="1" name="Shape 225"/>
-        <p:cNvGrpSpPr/>
-        <p:nvPr/>
-      </p:nvGrpSpPr>
-      <p:grpSpPr>
-        <a:xfrm>
-          <a:off x="0" y="0"/>
-          <a:ext cx="0" cy="0"/>
-          <a:chOff x="0" y="0"/>
-          <a:chExt cx="0" cy="0"/>
-        </a:xfrm>
-      </p:grpSpPr>
-      <p:sp>
-        <p:nvSpPr>
-          <p:cNvPr id="226" name="Google Shape;226;g2a3cdcc7cb9_0_9"/>
-          <p:cNvSpPr txBox="1">
-            <a:spLocks noGrp="1"/>
-          </p:cNvSpPr>
-          <p:nvPr>
-            <p:ph type="title"/>
-          </p:nvPr>
-        </p:nvSpPr>
-        <p:spPr>
-          <a:xfrm>
-            <a:off x="838200" y="365126"/>
-            <a:ext cx="10200000" cy="1027800"/>
-          </a:xfrm>
-          <a:prstGeom prst="rect">
-            <a:avLst/>
-          </a:prstGeom>
-          <a:noFill/>
-          <a:ln>
-            <a:noFill/>
-          </a:ln>
-        </p:spPr>
-        <p:txBody>
-          <a:bodyPr spcFirstLastPara="1" wrap="square" lIns="91425" tIns="45700" rIns="91425" bIns="45700" anchor="ctr" anchorCtr="0">
-            <a:normAutofit/>
-          </a:bodyPr>
-          <a:lstStyle/>
-          <a:p>
-            <a:pPr marL="0" lvl="0" indent="0" algn="l" rtl="0">
-              <a:lnSpc>
-                <a:spcPct val="90000"/>
-              </a:lnSpc>
-              <a:spcBef>
-                <a:spcPts val="0"/>
-              </a:spcBef>
-              <a:spcAft>
-                <a:spcPts val="0"/>
-              </a:spcAft>
-              <a:buSzPts val="2800"/>
-              <a:buNone/>
-            </a:pPr>
-            <a:r>
-              <a:rPr lang="en-US"/>
-              <a:t>Simple Image Formation Model</a:t>
-            </a:r>
-            <a:endParaRPr/>
-          </a:p>
-        </p:txBody>
-      </p:sp>
-      <p:sp>
-        <p:nvSpPr>
-          <p:cNvPr id="227" name="Google Shape;227;g2a3cdcc7cb9_0_9"/>
-          <p:cNvSpPr txBox="1">
-            <a:spLocks noGrp="1"/>
-          </p:cNvSpPr>
-          <p:nvPr>
-            <p:ph type="body" idx="1"/>
-          </p:nvPr>
-        </p:nvSpPr>
-        <p:spPr>
-          <a:xfrm>
-            <a:off x="838200" y="1632858"/>
-            <a:ext cx="10515600" cy="4441500"/>
-          </a:xfrm>
-          <a:prstGeom prst="rect">
-            <a:avLst/>
-          </a:prstGeom>
-          <a:noFill/>
-          <a:ln>
-            <a:noFill/>
-          </a:ln>
-        </p:spPr>
-        <p:txBody>
-          <a:bodyPr spcFirstLastPara="1" wrap="square" lIns="91425" tIns="45700" rIns="91425" bIns="45700" anchor="t" anchorCtr="0">
-            <a:normAutofit/>
-          </a:bodyPr>
-          <a:lstStyle/>
-          <a:p>
-            <a:pPr marL="457200" lvl="0" indent="-406400" algn="l" rtl="0">
-              <a:lnSpc>
-                <a:spcPct val="100000"/>
-              </a:lnSpc>
-              <a:spcBef>
-                <a:spcPts val="1000"/>
-              </a:spcBef>
-              <a:spcAft>
-                <a:spcPts val="0"/>
-              </a:spcAft>
-              <a:buClr>
-                <a:srgbClr val="434343"/>
-              </a:buClr>
-              <a:buSzPts val="2800"/>
-              <a:buChar char="●"/>
-            </a:pPr>
-            <a:r>
-              <a:rPr lang="en-US">
-                <a:solidFill>
-                  <a:srgbClr val="434343"/>
-                </a:solidFill>
-              </a:rPr>
-              <a:t>We denote images by two-dimensional functions of the form f(x, y).</a:t>
-            </a:r>
-            <a:endParaRPr>
-              <a:solidFill>
-                <a:srgbClr val="434343"/>
-              </a:solidFill>
-            </a:endParaRPr>
-          </a:p>
-          <a:p>
-            <a:pPr marL="914400" lvl="1" indent="-355600" algn="l" rtl="0">
-              <a:lnSpc>
-                <a:spcPct val="90000"/>
-              </a:lnSpc>
-              <a:spcBef>
-                <a:spcPts val="0"/>
-              </a:spcBef>
-              <a:spcAft>
-                <a:spcPts val="0"/>
-              </a:spcAft>
-              <a:buClr>
-                <a:srgbClr val="434343"/>
-              </a:buClr>
-              <a:buSzPts val="2000"/>
-              <a:buChar char="○"/>
-            </a:pPr>
-            <a:r>
-              <a:rPr lang="en-US">
-                <a:solidFill>
-                  <a:srgbClr val="434343"/>
-                </a:solidFill>
-              </a:rPr>
-              <a:t>Value of f at spatial coordinates (x, y) is a scalar quantity; </a:t>
-            </a:r>
-            <a:endParaRPr>
-              <a:solidFill>
-                <a:srgbClr val="434343"/>
-              </a:solidFill>
-            </a:endParaRPr>
-          </a:p>
-          <a:p>
-            <a:pPr marL="914400" lvl="1" indent="-355600" algn="l" rtl="0">
-              <a:lnSpc>
-                <a:spcPct val="90000"/>
-              </a:lnSpc>
-              <a:spcBef>
-                <a:spcPts val="0"/>
-              </a:spcBef>
-              <a:spcAft>
-                <a:spcPts val="0"/>
-              </a:spcAft>
-              <a:buClr>
-                <a:srgbClr val="434343"/>
-              </a:buClr>
-              <a:buSzPts val="2000"/>
-              <a:buChar char="○"/>
-            </a:pPr>
-            <a:r>
-              <a:rPr lang="en-US">
-                <a:solidFill>
-                  <a:srgbClr val="434343"/>
-                </a:solidFill>
-              </a:rPr>
-              <a:t>Physical meaning of f(x,y) is determined by the source of the image, and whose values are proportional to energy radiated by a physical source (e.g., electromagnetic waves); </a:t>
-            </a:r>
-            <a:endParaRPr>
-              <a:solidFill>
-                <a:srgbClr val="434343"/>
-              </a:solidFill>
-            </a:endParaRPr>
-          </a:p>
-          <a:p>
-            <a:pPr marL="914400" lvl="0" indent="0" algn="l" rtl="0">
-              <a:lnSpc>
-                <a:spcPct val="100000"/>
-              </a:lnSpc>
-              <a:spcBef>
-                <a:spcPts val="1000"/>
-              </a:spcBef>
-              <a:spcAft>
-                <a:spcPts val="0"/>
-              </a:spcAft>
-              <a:buSzPts val="2800"/>
-              <a:buNone/>
-            </a:pPr>
-            <a:endParaRPr>
-              <a:solidFill>
-                <a:srgbClr val="434343"/>
-              </a:solidFill>
-            </a:endParaRPr>
-          </a:p>
-          <a:p>
-            <a:pPr marL="457200" lvl="0" indent="-406400" algn="l" rtl="0">
-              <a:lnSpc>
-                <a:spcPct val="100000"/>
-              </a:lnSpc>
-              <a:spcBef>
-                <a:spcPts val="1000"/>
-              </a:spcBef>
-              <a:spcAft>
-                <a:spcPts val="0"/>
-              </a:spcAft>
-              <a:buClr>
-                <a:srgbClr val="434343"/>
-              </a:buClr>
-              <a:buSzPts val="2800"/>
-              <a:buChar char="●"/>
-            </a:pPr>
-            <a:r>
-              <a:rPr lang="en-US">
-                <a:solidFill>
-                  <a:srgbClr val="434343"/>
-                </a:solidFill>
-              </a:rPr>
-              <a:t>Function f(x, y) is characterized by two components: </a:t>
-            </a:r>
-            <a:endParaRPr>
-              <a:solidFill>
-                <a:srgbClr val="434343"/>
-              </a:solidFill>
-            </a:endParaRPr>
-          </a:p>
-          <a:p>
-            <a:pPr marL="914400" lvl="1" indent="-355600" algn="l" rtl="0">
-              <a:lnSpc>
-                <a:spcPct val="90000"/>
-              </a:lnSpc>
-              <a:spcBef>
-                <a:spcPts val="0"/>
-              </a:spcBef>
-              <a:spcAft>
-                <a:spcPts val="0"/>
-              </a:spcAft>
-              <a:buClr>
-                <a:srgbClr val="434343"/>
-              </a:buClr>
-              <a:buSzPts val="2000"/>
-              <a:buChar char="○"/>
-            </a:pPr>
-            <a:r>
-              <a:rPr lang="en-US">
-                <a:solidFill>
-                  <a:srgbClr val="434343"/>
-                </a:solidFill>
-              </a:rPr>
-              <a:t>Amount of source illumination incident on the scene being viewed i(x,y), and </a:t>
-            </a:r>
-            <a:endParaRPr>
-              <a:solidFill>
-                <a:srgbClr val="434343"/>
-              </a:solidFill>
-            </a:endParaRPr>
-          </a:p>
-          <a:p>
-            <a:pPr marL="914400" lvl="1" indent="-355600" algn="l" rtl="0">
-              <a:lnSpc>
-                <a:spcPct val="90000"/>
-              </a:lnSpc>
-              <a:spcBef>
-                <a:spcPts val="0"/>
-              </a:spcBef>
-              <a:spcAft>
-                <a:spcPts val="0"/>
-              </a:spcAft>
-              <a:buClr>
-                <a:srgbClr val="434343"/>
-              </a:buClr>
-              <a:buSzPts val="2000"/>
-              <a:buChar char="○"/>
-            </a:pPr>
-            <a:r>
-              <a:rPr lang="en-US">
-                <a:solidFill>
-                  <a:srgbClr val="434343"/>
-                </a:solidFill>
-              </a:rPr>
-              <a:t>Amount of illumination reflected by the objects in the scene r(x,y).</a:t>
-            </a:r>
-            <a:endParaRPr>
-              <a:solidFill>
-                <a:srgbClr val="434343"/>
-              </a:solidFill>
-            </a:endParaRPr>
-          </a:p>
-        </p:txBody>
-      </p:sp>
-      <p:sp>
-        <p:nvSpPr>
-          <p:cNvPr id="228" name="Google Shape;228;g2a3cdcc7cb9_0_9"/>
-          <p:cNvSpPr txBox="1">
-            <a:spLocks noGrp="1"/>
-          </p:cNvSpPr>
-          <p:nvPr>
-            <p:ph type="sldNum" idx="12"/>
-          </p:nvPr>
-        </p:nvSpPr>
-        <p:spPr>
-          <a:xfrm>
-            <a:off x="8610600" y="6356350"/>
-            <a:ext cx="2743200" cy="365100"/>
-          </a:xfrm>
-          <a:prstGeom prst="rect">
-            <a:avLst/>
-          </a:prstGeom>
-          <a:noFill/>
-          <a:ln>
-            <a:noFill/>
-          </a:ln>
-        </p:spPr>
-        <p:txBody>
-          <a:bodyPr spcFirstLastPara="1" wrap="square" lIns="91425" tIns="45700" rIns="91425" bIns="45700" anchor="ctr" anchorCtr="0">
-            <a:noAutofit/>
-          </a:bodyPr>
-          <a:lstStyle/>
-          <a:p>
-            <a:pPr marL="0" lvl="0" indent="0" algn="r" rtl="0">
-              <a:spcBef>
-                <a:spcPts val="0"/>
-              </a:spcBef>
-              <a:spcAft>
-                <a:spcPts val="0"/>
-              </a:spcAft>
-              <a:buClr>
-                <a:srgbClr val="000000"/>
-              </a:buClr>
-              <a:buSzPts val="900"/>
-              <a:buFont typeface="Arial"/>
-              <a:buNone/>
-            </a:pPr>
-            <a:fld id="{00000000-1234-1234-1234-123412341234}" type="slidenum">
-              <a:rPr lang="en-US"/>
-              <a:t>16</a:t>
-            </a:fld>
-            <a:endParaRPr/>
-          </a:p>
-        </p:txBody>
-      </p:sp>
-      <p:pic>
-        <p:nvPicPr>
-          <p:cNvPr id="229" name="Google Shape;229;g2a3cdcc7cb9_0_9"/>
-          <p:cNvPicPr preferRelativeResize="0"/>
-          <p:nvPr/>
-        </p:nvPicPr>
-        <p:blipFill rotWithShape="1">
-          <a:blip r:embed="rId3">
-            <a:alphaModFix/>
-          </a:blip>
-          <a:srcRect/>
-          <a:stretch/>
-        </p:blipFill>
-        <p:spPr>
-          <a:xfrm>
-            <a:off x="4820674" y="3396325"/>
-            <a:ext cx="2235050" cy="663875"/>
-          </a:xfrm>
-          <a:prstGeom prst="rect">
-            <a:avLst/>
-          </a:prstGeom>
-          <a:noFill/>
-          <a:ln>
-            <a:noFill/>
-          </a:ln>
-        </p:spPr>
-      </p:pic>
-      <p:pic>
-        <p:nvPicPr>
-          <p:cNvPr id="230" name="Google Shape;230;g2a3cdcc7cb9_0_9"/>
-          <p:cNvPicPr preferRelativeResize="0"/>
-          <p:nvPr/>
-        </p:nvPicPr>
-        <p:blipFill rotWithShape="1">
-          <a:blip r:embed="rId4">
-            <a:alphaModFix/>
-          </a:blip>
-          <a:srcRect/>
-          <a:stretch/>
-        </p:blipFill>
-        <p:spPr>
-          <a:xfrm>
-            <a:off x="4089600" y="5340825"/>
-            <a:ext cx="2451650" cy="567950"/>
-          </a:xfrm>
-          <a:prstGeom prst="rect">
-            <a:avLst/>
-          </a:prstGeom>
-          <a:noFill/>
-          <a:ln>
-            <a:noFill/>
-          </a:ln>
-        </p:spPr>
-      </p:pic>
-      <p:pic>
-        <p:nvPicPr>
-          <p:cNvPr id="231" name="Google Shape;231;g2a3cdcc7cb9_0_9"/>
-          <p:cNvPicPr preferRelativeResize="0"/>
-          <p:nvPr/>
-        </p:nvPicPr>
-        <p:blipFill rotWithShape="1">
-          <a:blip r:embed="rId5">
-            <a:alphaModFix/>
-          </a:blip>
-          <a:srcRect/>
-          <a:stretch/>
-        </p:blipFill>
-        <p:spPr>
-          <a:xfrm>
-            <a:off x="4229438" y="5877508"/>
-            <a:ext cx="1723831" cy="478842"/>
-          </a:xfrm>
-          <a:prstGeom prst="rect">
-            <a:avLst/>
-          </a:prstGeom>
-          <a:noFill/>
-          <a:ln>
-            <a:noFill/>
-          </a:ln>
-        </p:spPr>
-      </p:pic>
-      <p:pic>
-        <p:nvPicPr>
-          <p:cNvPr id="232" name="Google Shape;232;g2a3cdcc7cb9_0_9"/>
-          <p:cNvPicPr preferRelativeResize="0"/>
-          <p:nvPr/>
-        </p:nvPicPr>
-        <p:blipFill rotWithShape="1">
-          <a:blip r:embed="rId6">
-            <a:alphaModFix/>
-          </a:blip>
-          <a:srcRect/>
-          <a:stretch/>
-        </p:blipFill>
-        <p:spPr>
-          <a:xfrm>
-            <a:off x="4229450" y="6314275"/>
-            <a:ext cx="1723822" cy="478850"/>
-          </a:xfrm>
-          <a:prstGeom prst="rect">
-            <a:avLst/>
-          </a:prstGeom>
-          <a:noFill/>
-          <a:ln>
-            <a:noFill/>
-          </a:ln>
-        </p:spPr>
-      </p:pic>
-      <p:sp>
-        <p:nvSpPr>
-          <p:cNvPr id="233" name="Google Shape;233;g2a3cdcc7cb9_0_9"/>
-          <p:cNvSpPr txBox="1"/>
-          <p:nvPr/>
-        </p:nvSpPr>
-        <p:spPr>
-          <a:xfrm>
-            <a:off x="6106650" y="6419300"/>
-            <a:ext cx="4366500" cy="415500"/>
-          </a:xfrm>
-          <a:prstGeom prst="rect">
-            <a:avLst/>
-          </a:prstGeom>
-          <a:noFill/>
-          <a:ln>
-            <a:noFill/>
-          </a:ln>
-        </p:spPr>
-        <p:txBody>
-          <a:bodyPr spcFirstLastPara="1" wrap="square" lIns="91425" tIns="91425" rIns="91425" bIns="91425" anchor="t" anchorCtr="0">
-            <a:spAutoFit/>
-          </a:bodyPr>
-          <a:lstStyle/>
-          <a:p>
-            <a:pPr marL="0" lvl="0" indent="0" algn="l" rtl="0">
-              <a:spcBef>
-                <a:spcPts val="0"/>
-              </a:spcBef>
-              <a:spcAft>
-                <a:spcPts val="0"/>
-              </a:spcAft>
-              <a:buNone/>
-            </a:pPr>
-            <a:r>
-              <a:rPr lang="en-US" sz="1500">
-                <a:solidFill>
-                  <a:srgbClr val="242424"/>
-                </a:solidFill>
-                <a:highlight>
-                  <a:srgbClr val="FFFFFF"/>
-                </a:highlight>
-                <a:latin typeface="Georgia"/>
-                <a:ea typeface="Georgia"/>
-                <a:cs typeface="Georgia"/>
-                <a:sym typeface="Georgia"/>
-              </a:rPr>
-              <a:t>0 is total absorption and 1 is total reflectance</a:t>
-            </a:r>
-            <a:endParaRPr/>
-          </a:p>
-        </p:txBody>
-      </p:sp>
-    </p:spTree>
-  </p:cSld>
-  <p:clrMapOvr>
-    <a:masterClrMapping/>
-  </p:clrMapOvr>
-</p:sld>
-</file>
-
-<file path=ppt/slides/slide17.xml><?xml version="1.0" encoding="utf-8"?>
-<p:sld xmlns:a="http://schemas.openxmlformats.org/drawingml/2006/main" xmlns:r="http://schemas.openxmlformats.org/officeDocument/2006/relationships" xmlns:p="http://schemas.openxmlformats.org/presentationml/2006/main">
-  <p:cSld>
-    <p:spTree>
-      <p:nvGrpSpPr>
-        <p:cNvPr id="1" name="Shape 238"/>
-        <p:cNvGrpSpPr/>
-        <p:nvPr/>
-      </p:nvGrpSpPr>
-      <p:grpSpPr>
-        <a:xfrm>
-          <a:off x="0" y="0"/>
-          <a:ext cx="0" cy="0"/>
-          <a:chOff x="0" y="0"/>
-          <a:chExt cx="0" cy="0"/>
-        </a:xfrm>
-      </p:grpSpPr>
-      <p:sp>
-        <p:nvSpPr>
-          <p:cNvPr id="239" name="Google Shape;239;g2a3cdcc7cb9_0_34"/>
-          <p:cNvSpPr txBox="1">
-            <a:spLocks noGrp="1"/>
-          </p:cNvSpPr>
-          <p:nvPr>
-            <p:ph type="title"/>
-          </p:nvPr>
-        </p:nvSpPr>
-        <p:spPr>
-          <a:xfrm>
-            <a:off x="838200" y="365126"/>
-            <a:ext cx="10200000" cy="1027800"/>
-          </a:xfrm>
-          <a:prstGeom prst="rect">
-            <a:avLst/>
-          </a:prstGeom>
-          <a:noFill/>
-          <a:ln>
-            <a:noFill/>
-          </a:ln>
-        </p:spPr>
-        <p:txBody>
-          <a:bodyPr spcFirstLastPara="1" wrap="square" lIns="91425" tIns="45700" rIns="91425" bIns="45700" anchor="ctr" anchorCtr="0">
-            <a:normAutofit/>
-          </a:bodyPr>
-          <a:lstStyle/>
-          <a:p>
-            <a:pPr marL="0" lvl="0" indent="0" algn="l" rtl="0">
-              <a:lnSpc>
-                <a:spcPct val="90000"/>
-              </a:lnSpc>
-              <a:spcBef>
-                <a:spcPts val="0"/>
-              </a:spcBef>
-              <a:spcAft>
-                <a:spcPts val="0"/>
-              </a:spcAft>
-              <a:buSzPts val="2800"/>
-              <a:buNone/>
-            </a:pPr>
-            <a:r>
-              <a:rPr lang="en-US"/>
-              <a:t>Simple Image Formation Model - Grayscale Image</a:t>
-            </a:r>
-            <a:endParaRPr/>
-          </a:p>
-        </p:txBody>
-      </p:sp>
-      <p:sp>
-        <p:nvSpPr>
-          <p:cNvPr id="240" name="Google Shape;240;g2a3cdcc7cb9_0_34"/>
-          <p:cNvSpPr txBox="1">
-            <a:spLocks noGrp="1"/>
-          </p:cNvSpPr>
-          <p:nvPr>
-            <p:ph type="body" idx="1"/>
-          </p:nvPr>
-        </p:nvSpPr>
-        <p:spPr>
-          <a:xfrm>
-            <a:off x="838200" y="1632858"/>
-            <a:ext cx="10515600" cy="4441500"/>
-          </a:xfrm>
-          <a:prstGeom prst="rect">
-            <a:avLst/>
-          </a:prstGeom>
-          <a:noFill/>
-          <a:ln>
-            <a:noFill/>
-          </a:ln>
-        </p:spPr>
-        <p:txBody>
-          <a:bodyPr spcFirstLastPara="1" wrap="square" lIns="91425" tIns="45700" rIns="91425" bIns="45700" anchor="t" anchorCtr="0">
-            <a:normAutofit/>
-          </a:bodyPr>
-          <a:lstStyle/>
-          <a:p>
-            <a:pPr marL="457200" lvl="0" indent="-406400" algn="l" rtl="0">
-              <a:lnSpc>
-                <a:spcPct val="100000"/>
-              </a:lnSpc>
-              <a:spcBef>
-                <a:spcPts val="1000"/>
-              </a:spcBef>
-              <a:spcAft>
-                <a:spcPts val="0"/>
-              </a:spcAft>
-              <a:buClr>
-                <a:srgbClr val="434343"/>
-              </a:buClr>
-              <a:buSzPts val="2800"/>
-              <a:buChar char="●"/>
-            </a:pPr>
-            <a:r>
-              <a:rPr lang="en-US">
-                <a:solidFill>
-                  <a:srgbClr val="434343"/>
-                </a:solidFill>
-              </a:rPr>
-              <a:t>Let the intensity (gray level) of a monochrome image at any coordinates (x, y) be denoted by</a:t>
-            </a:r>
-            <a:endParaRPr>
-              <a:solidFill>
-                <a:srgbClr val="434343"/>
-              </a:solidFill>
-            </a:endParaRPr>
-          </a:p>
-          <a:p>
-            <a:pPr marL="457200" lvl="0" indent="0" algn="l" rtl="0">
-              <a:lnSpc>
-                <a:spcPct val="100000"/>
-              </a:lnSpc>
-              <a:spcBef>
-                <a:spcPts val="1000"/>
-              </a:spcBef>
-              <a:spcAft>
-                <a:spcPts val="0"/>
-              </a:spcAft>
-              <a:buSzPts val="2800"/>
-              <a:buNone/>
-            </a:pPr>
-            <a:endParaRPr>
-              <a:solidFill>
-                <a:srgbClr val="434343"/>
-              </a:solidFill>
-            </a:endParaRPr>
-          </a:p>
-          <a:p>
-            <a:pPr marL="457200" lvl="0" indent="0" algn="l" rtl="0">
-              <a:lnSpc>
-                <a:spcPct val="100000"/>
-              </a:lnSpc>
-              <a:spcBef>
-                <a:spcPts val="1000"/>
-              </a:spcBef>
-              <a:spcAft>
-                <a:spcPts val="0"/>
-              </a:spcAft>
-              <a:buSzPts val="2800"/>
-              <a:buNone/>
-            </a:pPr>
-            <a:endParaRPr>
-              <a:solidFill>
-                <a:srgbClr val="434343"/>
-              </a:solidFill>
-            </a:endParaRPr>
-          </a:p>
-          <a:p>
-            <a:pPr marL="457200" lvl="0" indent="-406400" algn="l" rtl="0">
-              <a:lnSpc>
-                <a:spcPct val="100000"/>
-              </a:lnSpc>
-              <a:spcBef>
-                <a:spcPts val="1000"/>
-              </a:spcBef>
-              <a:spcAft>
-                <a:spcPts val="0"/>
-              </a:spcAft>
-              <a:buClr>
-                <a:srgbClr val="434343"/>
-              </a:buClr>
-              <a:buSzPts val="2800"/>
-              <a:buChar char="●"/>
-            </a:pPr>
-            <a:r>
-              <a:rPr lang="en-US">
-                <a:solidFill>
-                  <a:srgbClr val="434343"/>
-                </a:solidFill>
-              </a:rPr>
-              <a:t>For a gray scale, the range is scaled between [0, L-1] ; </a:t>
-            </a:r>
-            <a:endParaRPr>
-              <a:solidFill>
-                <a:srgbClr val="434343"/>
-              </a:solidFill>
-            </a:endParaRPr>
-          </a:p>
-          <a:p>
-            <a:pPr marL="914400" lvl="1" indent="-368300" algn="l" rtl="0">
-              <a:lnSpc>
-                <a:spcPct val="90000"/>
-              </a:lnSpc>
-              <a:spcBef>
-                <a:spcPts val="0"/>
-              </a:spcBef>
-              <a:spcAft>
-                <a:spcPts val="0"/>
-              </a:spcAft>
-              <a:buClr>
-                <a:srgbClr val="434343"/>
-              </a:buClr>
-              <a:buSzPts val="2200"/>
-              <a:buChar char="○"/>
-            </a:pPr>
-            <a:r>
-              <a:rPr lang="en-US" sz="2200">
-                <a:solidFill>
-                  <a:srgbClr val="434343"/>
-                </a:solidFill>
-              </a:rPr>
-              <a:t>All intermediate values from 0 to L-1 are shades of gray varying from black to white.</a:t>
-            </a:r>
-            <a:endParaRPr sz="2200">
-              <a:solidFill>
-                <a:srgbClr val="434343"/>
-              </a:solidFill>
-            </a:endParaRPr>
-          </a:p>
-        </p:txBody>
-      </p:sp>
-      <p:sp>
-        <p:nvSpPr>
-          <p:cNvPr id="241" name="Google Shape;241;g2a3cdcc7cb9_0_34"/>
-          <p:cNvSpPr txBox="1">
-            <a:spLocks noGrp="1"/>
-          </p:cNvSpPr>
-          <p:nvPr>
-            <p:ph type="sldNum" idx="12"/>
-          </p:nvPr>
-        </p:nvSpPr>
-        <p:spPr>
-          <a:xfrm>
-            <a:off x="8610600" y="6356350"/>
-            <a:ext cx="2743200" cy="365100"/>
-          </a:xfrm>
-          <a:prstGeom prst="rect">
-            <a:avLst/>
-          </a:prstGeom>
-          <a:noFill/>
-          <a:ln>
-            <a:noFill/>
-          </a:ln>
-        </p:spPr>
-        <p:txBody>
-          <a:bodyPr spcFirstLastPara="1" wrap="square" lIns="91425" tIns="45700" rIns="91425" bIns="45700" anchor="ctr" anchorCtr="0">
-            <a:noAutofit/>
-          </a:bodyPr>
-          <a:lstStyle/>
-          <a:p>
-            <a:pPr marL="0" lvl="0" indent="0" algn="r" rtl="0">
-              <a:spcBef>
-                <a:spcPts val="0"/>
-              </a:spcBef>
-              <a:spcAft>
-                <a:spcPts val="0"/>
-              </a:spcAft>
-              <a:buClr>
-                <a:srgbClr val="000000"/>
-              </a:buClr>
-              <a:buSzPts val="900"/>
-              <a:buFont typeface="Arial"/>
-              <a:buNone/>
-            </a:pPr>
-            <a:fld id="{00000000-1234-1234-1234-123412341234}" type="slidenum">
-              <a:rPr lang="en-US"/>
-              <a:t>17</a:t>
-            </a:fld>
-            <a:endParaRPr/>
-          </a:p>
-        </p:txBody>
-      </p:sp>
-      <p:pic>
-        <p:nvPicPr>
-          <p:cNvPr id="242" name="Google Shape;242;g2a3cdcc7cb9_0_34"/>
-          <p:cNvPicPr preferRelativeResize="0"/>
-          <p:nvPr/>
-        </p:nvPicPr>
-        <p:blipFill rotWithShape="1">
-          <a:blip r:embed="rId3">
-            <a:alphaModFix/>
-          </a:blip>
-          <a:srcRect/>
-          <a:stretch/>
-        </p:blipFill>
-        <p:spPr>
-          <a:xfrm>
-            <a:off x="3280425" y="2634923"/>
-            <a:ext cx="2327713" cy="646600"/>
-          </a:xfrm>
-          <a:prstGeom prst="rect">
-            <a:avLst/>
-          </a:prstGeom>
-          <a:noFill/>
-          <a:ln>
-            <a:noFill/>
-          </a:ln>
-        </p:spPr>
-      </p:pic>
-      <p:pic>
-        <p:nvPicPr>
-          <p:cNvPr id="243" name="Google Shape;243;g2a3cdcc7cb9_0_34"/>
-          <p:cNvPicPr preferRelativeResize="0"/>
-          <p:nvPr/>
-        </p:nvPicPr>
-        <p:blipFill rotWithShape="1">
-          <a:blip r:embed="rId4">
-            <a:alphaModFix/>
-          </a:blip>
-          <a:srcRect/>
-          <a:stretch/>
-        </p:blipFill>
-        <p:spPr>
-          <a:xfrm>
-            <a:off x="5707875" y="2634918"/>
-            <a:ext cx="2165900" cy="601650"/>
-          </a:xfrm>
-          <a:prstGeom prst="rect">
-            <a:avLst/>
-          </a:prstGeom>
-          <a:noFill/>
-          <a:ln>
-            <a:noFill/>
-          </a:ln>
-        </p:spPr>
-      </p:pic>
-      <p:pic>
-        <p:nvPicPr>
-          <p:cNvPr id="244" name="Google Shape;244;g2a3cdcc7cb9_0_34"/>
-          <p:cNvPicPr preferRelativeResize="0"/>
-          <p:nvPr/>
-        </p:nvPicPr>
-        <p:blipFill rotWithShape="1">
-          <a:blip r:embed="rId5">
-            <a:alphaModFix/>
-          </a:blip>
-          <a:srcRect/>
-          <a:stretch/>
-        </p:blipFill>
-        <p:spPr>
-          <a:xfrm>
-            <a:off x="3389199" y="3339051"/>
-            <a:ext cx="1777000" cy="410650"/>
-          </a:xfrm>
-          <a:prstGeom prst="rect">
-            <a:avLst/>
-          </a:prstGeom>
-          <a:noFill/>
-          <a:ln>
-            <a:noFill/>
-          </a:ln>
-        </p:spPr>
-      </p:pic>
-      <p:pic>
-        <p:nvPicPr>
-          <p:cNvPr id="245" name="Google Shape;245;g2a3cdcc7cb9_0_34"/>
-          <p:cNvPicPr preferRelativeResize="0"/>
-          <p:nvPr/>
-        </p:nvPicPr>
-        <p:blipFill rotWithShape="1">
-          <a:blip r:embed="rId6">
-            <a:alphaModFix/>
-          </a:blip>
-          <a:srcRect/>
-          <a:stretch/>
-        </p:blipFill>
-        <p:spPr>
-          <a:xfrm>
-            <a:off x="5589475" y="3436527"/>
-            <a:ext cx="1919800" cy="322525"/>
-          </a:xfrm>
-          <a:prstGeom prst="rect">
-            <a:avLst/>
-          </a:prstGeom>
-          <a:noFill/>
-          <a:ln>
-            <a:noFill/>
-          </a:ln>
-        </p:spPr>
-      </p:pic>
-    </p:spTree>
-  </p:cSld>
-  <p:clrMapOvr>
-    <a:masterClrMapping/>
-  </p:clrMapOvr>
-</p:sld>
-</file>
-
-<file path=ppt/slides/slide18.xml><?xml version="1.0" encoding="utf-8"?>
+<file path=ppt/slides/slide23.xml><?xml version="1.0" encoding="utf-8"?>
 <p:sld xmlns:a="http://schemas.openxmlformats.org/drawingml/2006/main" xmlns:r="http://schemas.openxmlformats.org/officeDocument/2006/relationships" xmlns:p="http://schemas.openxmlformats.org/presentationml/2006/main">
   <p:cSld>
     <p:spTree>
@@ -16998,7 +18158,7 @@
             </a:pPr>
             <a:fld id="{00000000-1234-1234-1234-123412341234}" type="slidenum">
               <a:rPr lang="en-US" smtClean="0"/>
-              <a:t>18</a:t>
+              <a:t>23</a:t>
             </a:fld>
             <a:endParaRPr lang="en-US"/>
           </a:p>
@@ -17100,7 +18260,7 @@
 </p:sld>
 </file>
 
-<file path=ppt/slides/slide19.xml><?xml version="1.0" encoding="utf-8"?>
+<file path=ppt/slides/slide24.xml><?xml version="1.0" encoding="utf-8"?>
 <p:sld xmlns:a="http://schemas.openxmlformats.org/drawingml/2006/main" xmlns:r="http://schemas.openxmlformats.org/officeDocument/2006/relationships" xmlns:p="http://schemas.openxmlformats.org/presentationml/2006/main">
   <p:cSld>
     <p:spTree>
@@ -17340,7 +18500,7 @@
                 </a:spcAft>
                 <a:buNone/>
               </a:pPr>
-              <a:t>19</a:t>
+              <a:t>24</a:t>
             </a:fld>
             <a:endParaRPr lang="en-US"/>
           </a:p>
@@ -17359,319 +18519,7 @@
 </p:sld>
 </file>
 
-<file path=ppt/slides/slide2.xml><?xml version="1.0" encoding="utf-8"?>
-<p:sld xmlns:a="http://schemas.openxmlformats.org/drawingml/2006/main" xmlns:r="http://schemas.openxmlformats.org/officeDocument/2006/relationships" xmlns:p="http://schemas.openxmlformats.org/presentationml/2006/main">
-  <p:cSld>
-    <p:spTree>
-      <p:nvGrpSpPr>
-        <p:cNvPr id="1" name="Shape 107"/>
-        <p:cNvGrpSpPr/>
-        <p:nvPr/>
-      </p:nvGrpSpPr>
-      <p:grpSpPr>
-        <a:xfrm>
-          <a:off x="0" y="0"/>
-          <a:ext cx="0" cy="0"/>
-          <a:chOff x="0" y="0"/>
-          <a:chExt cx="0" cy="0"/>
-        </a:xfrm>
-      </p:grpSpPr>
-      <p:sp>
-        <p:nvSpPr>
-          <p:cNvPr id="108" name="Google Shape;108;g262a763626f_0_6"/>
-          <p:cNvSpPr txBox="1">
-            <a:spLocks noGrp="1"/>
-          </p:cNvSpPr>
-          <p:nvPr>
-            <p:ph type="title"/>
-          </p:nvPr>
-        </p:nvSpPr>
-        <p:spPr>
-          <a:xfrm>
-            <a:off x="468449" y="1671639"/>
-            <a:ext cx="6005400" cy="653100"/>
-          </a:xfrm>
-          <a:prstGeom prst="rect">
-            <a:avLst/>
-          </a:prstGeom>
-          <a:noFill/>
-          <a:ln>
-            <a:noFill/>
-          </a:ln>
-        </p:spPr>
-        <p:txBody>
-          <a:bodyPr spcFirstLastPara="1" wrap="square" lIns="91425" tIns="45700" rIns="91425" bIns="45700" anchor="b" anchorCtr="0">
-            <a:noAutofit/>
-          </a:bodyPr>
-          <a:lstStyle/>
-          <a:p>
-            <a:pPr marL="0" lvl="0" indent="0" algn="l" rtl="0">
-              <a:lnSpc>
-                <a:spcPct val="90000"/>
-              </a:lnSpc>
-              <a:spcBef>
-                <a:spcPts val="0"/>
-              </a:spcBef>
-              <a:spcAft>
-                <a:spcPts val="0"/>
-              </a:spcAft>
-              <a:buClr>
-                <a:schemeClr val="dk1"/>
-              </a:buClr>
-              <a:buSzPts val="3600"/>
-              <a:buFont typeface="Calibri"/>
-              <a:buNone/>
-            </a:pPr>
-            <a:endParaRPr/>
-          </a:p>
-          <a:p>
-            <a:pPr marL="0" lvl="0" indent="0" algn="l" rtl="0">
-              <a:lnSpc>
-                <a:spcPct val="90000"/>
-              </a:lnSpc>
-              <a:spcBef>
-                <a:spcPts val="0"/>
-              </a:spcBef>
-              <a:spcAft>
-                <a:spcPts val="0"/>
-              </a:spcAft>
-              <a:buClr>
-                <a:schemeClr val="dk1"/>
-              </a:buClr>
-              <a:buSzPts val="3600"/>
-              <a:buFont typeface="Calibri"/>
-              <a:buNone/>
-            </a:pPr>
-            <a:r>
-              <a:rPr lang="en-US" u="sng"/>
-              <a:t>Topics</a:t>
-            </a:r>
-            <a:endParaRPr/>
-          </a:p>
-        </p:txBody>
-      </p:sp>
-      <p:sp>
-        <p:nvSpPr>
-          <p:cNvPr id="110" name="Google Shape;110;g262a763626f_0_6"/>
-          <p:cNvSpPr txBox="1">
-            <a:spLocks noGrp="1"/>
-          </p:cNvSpPr>
-          <p:nvPr>
-            <p:ph type="body" idx="1"/>
-          </p:nvPr>
-        </p:nvSpPr>
-        <p:spPr>
-          <a:xfrm>
-            <a:off x="1362075" y="2586450"/>
-            <a:ext cx="10189500" cy="3304800"/>
-          </a:xfrm>
-          <a:prstGeom prst="rect">
-            <a:avLst/>
-          </a:prstGeom>
-          <a:noFill/>
-          <a:ln>
-            <a:noFill/>
-          </a:ln>
-        </p:spPr>
-        <p:txBody>
-          <a:bodyPr spcFirstLastPara="1" wrap="square" lIns="91425" tIns="45700" rIns="91425" bIns="45700" anchor="t" anchorCtr="0">
-            <a:normAutofit/>
-          </a:bodyPr>
-          <a:lstStyle/>
-          <a:p>
-            <a:pPr marL="457200" lvl="0" indent="-381000" algn="l" rtl="0">
-              <a:lnSpc>
-                <a:spcPct val="100000"/>
-              </a:lnSpc>
-              <a:spcBef>
-                <a:spcPts val="1000"/>
-              </a:spcBef>
-              <a:spcAft>
-                <a:spcPts val="0"/>
-              </a:spcAft>
-              <a:buSzPts val="2400"/>
-              <a:buChar char="●"/>
-            </a:pPr>
-            <a:r>
-              <a:rPr lang="en-US"/>
-              <a:t>Image Representation</a:t>
-            </a:r>
-            <a:endParaRPr/>
-          </a:p>
-          <a:p>
-            <a:pPr marL="457200" lvl="0" indent="-381000" algn="l" rtl="0">
-              <a:lnSpc>
-                <a:spcPct val="100000"/>
-              </a:lnSpc>
-              <a:spcBef>
-                <a:spcPts val="0"/>
-              </a:spcBef>
-              <a:spcAft>
-                <a:spcPts val="0"/>
-              </a:spcAft>
-              <a:buSzPts val="2400"/>
-              <a:buChar char="●"/>
-            </a:pPr>
-            <a:r>
-              <a:rPr lang="en-US"/>
-              <a:t>Image Digitization ( Sampling &amp; Quantization) </a:t>
-            </a:r>
-            <a:endParaRPr/>
-          </a:p>
-          <a:p>
-            <a:pPr marL="457200" lvl="0" indent="-381000" algn="l" rtl="0">
-              <a:lnSpc>
-                <a:spcPct val="100000"/>
-              </a:lnSpc>
-              <a:spcBef>
-                <a:spcPts val="0"/>
-              </a:spcBef>
-              <a:spcAft>
-                <a:spcPts val="0"/>
-              </a:spcAft>
-              <a:buSzPts val="2400"/>
-              <a:buChar char="●"/>
-            </a:pPr>
-            <a:r>
-              <a:rPr lang="en-US"/>
-              <a:t>Digital Image Properties</a:t>
-            </a:r>
-            <a:endParaRPr/>
-          </a:p>
-          <a:p>
-            <a:pPr marL="0" lvl="0" indent="0" algn="l" rtl="0">
-              <a:lnSpc>
-                <a:spcPct val="100000"/>
-              </a:lnSpc>
-              <a:spcBef>
-                <a:spcPts val="1000"/>
-              </a:spcBef>
-              <a:spcAft>
-                <a:spcPts val="0"/>
-              </a:spcAft>
-              <a:buNone/>
-            </a:pPr>
-            <a:endParaRPr/>
-          </a:p>
-        </p:txBody>
-      </p:sp>
-      <p:sp>
-        <p:nvSpPr>
-          <p:cNvPr id="111" name="Google Shape;111;g262a763626f_0_6"/>
-          <p:cNvSpPr txBox="1">
-            <a:spLocks noGrp="1"/>
-          </p:cNvSpPr>
-          <p:nvPr>
-            <p:ph type="sldNum" idx="12"/>
-          </p:nvPr>
-        </p:nvSpPr>
-        <p:spPr>
-          <a:xfrm>
-            <a:off x="8610600" y="6356350"/>
-            <a:ext cx="2743200" cy="365100"/>
-          </a:xfrm>
-          <a:prstGeom prst="rect">
-            <a:avLst/>
-          </a:prstGeom>
-          <a:noFill/>
-          <a:ln>
-            <a:noFill/>
-          </a:ln>
-        </p:spPr>
-        <p:txBody>
-          <a:bodyPr spcFirstLastPara="1" wrap="square" lIns="91425" tIns="45700" rIns="91425" bIns="45700" anchor="ctr" anchorCtr="0">
-            <a:noAutofit/>
-          </a:bodyPr>
-          <a:lstStyle/>
-          <a:p>
-            <a:pPr marL="0" lvl="0" indent="0" algn="r" rtl="0">
-              <a:lnSpc>
-                <a:spcPct val="100000"/>
-              </a:lnSpc>
-              <a:spcBef>
-                <a:spcPts val="0"/>
-              </a:spcBef>
-              <a:spcAft>
-                <a:spcPts val="0"/>
-              </a:spcAft>
-              <a:buClr>
-                <a:srgbClr val="000000"/>
-              </a:buClr>
-              <a:buSzPts val="900"/>
-              <a:buFont typeface="Arial"/>
-              <a:buNone/>
-            </a:pPr>
-            <a:fld id="{00000000-1234-1234-1234-123412341234}" type="slidenum">
-              <a:rPr lang="en-US"/>
-              <a:t>2</a:t>
-            </a:fld>
-            <a:endParaRPr/>
-          </a:p>
-        </p:txBody>
-      </p:sp>
-      <p:sp>
-        <p:nvSpPr>
-          <p:cNvPr id="112" name="Google Shape;112;g262a763626f_0_6"/>
-          <p:cNvSpPr txBox="1"/>
-          <p:nvPr/>
-        </p:nvSpPr>
-        <p:spPr>
-          <a:xfrm>
-            <a:off x="9192000" y="0"/>
-            <a:ext cx="3000000" cy="307800"/>
-          </a:xfrm>
-          <a:prstGeom prst="rect">
-            <a:avLst/>
-          </a:prstGeom>
-          <a:noFill/>
-          <a:ln>
-            <a:noFill/>
-          </a:ln>
-        </p:spPr>
-        <p:txBody>
-          <a:bodyPr spcFirstLastPara="1" wrap="square" lIns="91425" tIns="91425" rIns="91425" bIns="91425" anchor="t" anchorCtr="0">
-            <a:spAutoFit/>
-          </a:bodyPr>
-          <a:lstStyle/>
-          <a:p>
-            <a:pPr marL="0" lvl="0" indent="0" algn="l" rtl="0">
-              <a:spcBef>
-                <a:spcPts val="0"/>
-              </a:spcBef>
-              <a:spcAft>
-                <a:spcPts val="0"/>
-              </a:spcAft>
-              <a:buNone/>
-            </a:pPr>
-            <a:r>
-              <a:rPr lang="en-US" sz="800">
-                <a:solidFill>
-                  <a:srgbClr val="000000"/>
-                </a:solidFill>
-              </a:rPr>
-              <a:t>CV 1: </a:t>
-            </a:r>
-            <a:r>
-              <a:rPr lang="en-US" sz="800"/>
-              <a:t>Digital Image Fundamentals</a:t>
-            </a:r>
-            <a:endParaRPr sz="800">
-              <a:solidFill>
-                <a:srgbClr val="000000"/>
-              </a:solidFill>
-            </a:endParaRPr>
-          </a:p>
-        </p:txBody>
-      </p:sp>
-    </p:spTree>
-  </p:cSld>
-  <p:clrMapOvr>
-    <a:masterClrMapping/>
-  </p:clrMapOvr>
-</p:sld>
-</file>
-
-<file path=ppt/slides/slide20.xml><?xml version="1.0" encoding="utf-8"?>
+<file path=ppt/slides/slide25.xml><?xml version="1.0" encoding="utf-8"?>
 <p:sld xmlns:a="http://schemas.openxmlformats.org/drawingml/2006/main" xmlns:r="http://schemas.openxmlformats.org/officeDocument/2006/relationships" xmlns:p="http://schemas.openxmlformats.org/presentationml/2006/main">
   <p:cSld>
     <p:spTree>
@@ -17861,7 +18709,7 @@
             </a:pPr>
             <a:fld id="{00000000-1234-1234-1234-123412341234}" type="slidenum">
               <a:rPr lang="en-US" smtClean="0"/>
-              <a:t>20</a:t>
+              <a:t>25</a:t>
             </a:fld>
             <a:endParaRPr lang="en-US"/>
           </a:p>
@@ -17880,7 +18728,7 @@
 </p:sld>
 </file>
 
-<file path=ppt/slides/slide21.xml><?xml version="1.0" encoding="utf-8"?>
+<file path=ppt/slides/slide26.xml><?xml version="1.0" encoding="utf-8"?>
 <p:sld xmlns:a="http://schemas.openxmlformats.org/drawingml/2006/main" xmlns:r="http://schemas.openxmlformats.org/officeDocument/2006/relationships" xmlns:p="http://schemas.openxmlformats.org/presentationml/2006/main">
   <p:cSld>
     <p:spTree>
@@ -17929,7 +18777,7 @@
             </a:pPr>
             <a:fld id="{00000000-1234-1234-1234-123412341234}" type="slidenum">
               <a:rPr lang="en-US" smtClean="0"/>
-              <a:t>21</a:t>
+              <a:t>26</a:t>
             </a:fld>
             <a:endParaRPr lang="en-US"/>
           </a:p>
@@ -19604,7 +20452,7 @@
 </p:sld>
 </file>
 
-<file path=ppt/slides/slide22.xml><?xml version="1.0" encoding="utf-8"?>
+<file path=ppt/slides/slide27.xml><?xml version="1.0" encoding="utf-8"?>
 <p:sld xmlns:a="http://schemas.openxmlformats.org/drawingml/2006/main" xmlns:r="http://schemas.openxmlformats.org/officeDocument/2006/relationships" xmlns:p="http://schemas.openxmlformats.org/presentationml/2006/main">
   <p:cSld>
     <p:spTree>
@@ -19953,7 +20801,7 @@
                 </a:spcAft>
                 <a:buNone/>
               </a:pPr>
-              <a:t>22</a:t>
+              <a:t>27</a:t>
             </a:fld>
             <a:endParaRPr lang="en-US"/>
           </a:p>
@@ -19972,7 +20820,7 @@
 </p:sld>
 </file>
 
-<file path=ppt/slides/slide23.xml><?xml version="1.0" encoding="utf-8"?>
+<file path=ppt/slides/slide28.xml><?xml version="1.0" encoding="utf-8"?>
 <p:sld xmlns:a="http://schemas.openxmlformats.org/drawingml/2006/main" xmlns:r="http://schemas.openxmlformats.org/officeDocument/2006/relationships" xmlns:p="http://schemas.openxmlformats.org/presentationml/2006/main">
   <p:cSld>
     <p:spTree>
@@ -20586,7 +21434,7 @@
                 </a:spcAft>
                 <a:buNone/>
               </a:pPr>
-              <a:t>23</a:t>
+              <a:t>28</a:t>
             </a:fld>
             <a:endParaRPr lang="en-US"/>
           </a:p>
@@ -20605,7 +21453,7 @@
 </p:sld>
 </file>
 
-<file path=ppt/slides/slide24.xml><?xml version="1.0" encoding="utf-8"?>
+<file path=ppt/slides/slide29.xml><?xml version="1.0" encoding="utf-8"?>
 <p:sld xmlns:a="http://schemas.openxmlformats.org/drawingml/2006/main" xmlns:r="http://schemas.openxmlformats.org/officeDocument/2006/relationships" xmlns:p="http://schemas.openxmlformats.org/presentationml/2006/main">
   <p:cSld>
     <p:spTree>
@@ -20684,7 +21532,7 @@
             </a:pPr>
             <a:fld id="{00000000-1234-1234-1234-123412341234}" type="slidenum">
               <a:rPr lang="en-US" smtClean="0"/>
-              <a:t>24</a:t>
+              <a:t>29</a:t>
             </a:fld>
             <a:endParaRPr lang="en-US"/>
           </a:p>
@@ -21230,7 +22078,215 @@
 </p:sld>
 </file>
 
-<file path=ppt/slides/slide25.xml><?xml version="1.0" encoding="utf-8"?>
+<file path=ppt/slides/slide3.xml><?xml version="1.0" encoding="utf-8"?>
+<p:sld xmlns:a="http://schemas.openxmlformats.org/drawingml/2006/main" xmlns:r="http://schemas.openxmlformats.org/officeDocument/2006/relationships" xmlns:p="http://schemas.openxmlformats.org/presentationml/2006/main">
+  <p:cSld>
+    <p:spTree>
+      <p:nvGrpSpPr>
+        <p:cNvPr id="1" name="Shape 117"/>
+        <p:cNvGrpSpPr/>
+        <p:nvPr/>
+      </p:nvGrpSpPr>
+      <p:grpSpPr>
+        <a:xfrm>
+          <a:off x="0" y="0"/>
+          <a:ext cx="0" cy="0"/>
+          <a:chOff x="0" y="0"/>
+          <a:chExt cx="0" cy="0"/>
+        </a:xfrm>
+      </p:grpSpPr>
+      <p:pic>
+        <p:nvPicPr>
+          <p:cNvPr id="118" name="Google Shape;118;g27256a5521d_1_0"/>
+          <p:cNvPicPr preferRelativeResize="0"/>
+          <p:nvPr/>
+        </p:nvPicPr>
+        <p:blipFill>
+          <a:blip r:embed="rId3">
+            <a:alphaModFix/>
+          </a:blip>
+          <a:stretch>
+            <a:fillRect/>
+          </a:stretch>
+        </p:blipFill>
+        <p:spPr>
+          <a:xfrm>
+            <a:off x="0" y="10498"/>
+            <a:ext cx="12192000" cy="6858019"/>
+          </a:xfrm>
+          <a:prstGeom prst="rect">
+            <a:avLst/>
+          </a:prstGeom>
+          <a:noFill/>
+          <a:ln>
+            <a:noFill/>
+          </a:ln>
+        </p:spPr>
+      </p:pic>
+      <p:sp>
+        <p:nvSpPr>
+          <p:cNvPr id="119" name="Google Shape;119;g27256a5521d_1_0"/>
+          <p:cNvSpPr txBox="1">
+            <a:spLocks noGrp="1"/>
+          </p:cNvSpPr>
+          <p:nvPr>
+            <p:ph type="sldNum" idx="12"/>
+          </p:nvPr>
+        </p:nvSpPr>
+        <p:spPr>
+          <a:xfrm>
+            <a:off x="8610600" y="6356350"/>
+            <a:ext cx="2743200" cy="365100"/>
+          </a:xfrm>
+          <a:prstGeom prst="rect">
+            <a:avLst/>
+          </a:prstGeom>
+        </p:spPr>
+        <p:txBody>
+          <a:bodyPr spcFirstLastPara="1" wrap="square" lIns="91425" tIns="45700" rIns="91425" bIns="45700" anchor="ctr" anchorCtr="0">
+            <a:noAutofit/>
+          </a:bodyPr>
+          <a:lstStyle/>
+          <a:p>
+            <a:pPr marL="0" lvl="0" indent="0" algn="r" rtl="0">
+              <a:spcBef>
+                <a:spcPts val="0"/>
+              </a:spcBef>
+              <a:spcAft>
+                <a:spcPts val="0"/>
+              </a:spcAft>
+              <a:buClr>
+                <a:srgbClr val="000000"/>
+              </a:buClr>
+              <a:buSzPts val="900"/>
+              <a:buFont typeface="Arial"/>
+              <a:buNone/>
+            </a:pPr>
+            <a:fld id="{00000000-1234-1234-1234-123412341234}" type="slidenum">
+              <a:rPr lang="en-US"/>
+              <a:t>3</a:t>
+            </a:fld>
+            <a:endParaRPr/>
+          </a:p>
+        </p:txBody>
+      </p:sp>
+      <p:sp>
+        <p:nvSpPr>
+          <p:cNvPr id="120" name="Google Shape;120;g27256a5521d_1_0"/>
+          <p:cNvSpPr txBox="1"/>
+          <p:nvPr/>
+        </p:nvSpPr>
+        <p:spPr>
+          <a:xfrm>
+            <a:off x="9192000" y="0"/>
+            <a:ext cx="3000000" cy="307800"/>
+          </a:xfrm>
+          <a:prstGeom prst="rect">
+            <a:avLst/>
+          </a:prstGeom>
+          <a:noFill/>
+          <a:ln>
+            <a:noFill/>
+          </a:ln>
+        </p:spPr>
+        <p:txBody>
+          <a:bodyPr spcFirstLastPara="1" wrap="square" lIns="91425" tIns="91425" rIns="91425" bIns="91425" anchor="t" anchorCtr="0">
+            <a:spAutoFit/>
+          </a:bodyPr>
+          <a:lstStyle/>
+          <a:p>
+            <a:pPr marL="0" lvl="0" indent="0" algn="l" rtl="0">
+              <a:spcBef>
+                <a:spcPts val="0"/>
+              </a:spcBef>
+              <a:spcAft>
+                <a:spcPts val="0"/>
+              </a:spcAft>
+              <a:buNone/>
+            </a:pPr>
+            <a:r>
+              <a:rPr lang="en-US" sz="800">
+                <a:solidFill>
+                  <a:srgbClr val="000000"/>
+                </a:solidFill>
+              </a:rPr>
+              <a:t>CV </a:t>
+            </a:r>
+            <a:r>
+              <a:rPr lang="en-US" sz="800"/>
+              <a:t>2</a:t>
+            </a:r>
+            <a:r>
+              <a:rPr lang="en-US" sz="800">
+                <a:solidFill>
+                  <a:srgbClr val="000000"/>
+                </a:solidFill>
+              </a:rPr>
+              <a:t>: </a:t>
+            </a:r>
+            <a:r>
+              <a:rPr lang="en-US" sz="800"/>
+              <a:t>Digital Image Fundamentals</a:t>
+            </a:r>
+            <a:endParaRPr sz="800">
+              <a:solidFill>
+                <a:srgbClr val="000000"/>
+              </a:solidFill>
+            </a:endParaRPr>
+          </a:p>
+        </p:txBody>
+      </p:sp>
+      <p:sp>
+        <p:nvSpPr>
+          <p:cNvPr id="3" name="TextBox 2">
+            <a:extLst>
+              <a:ext uri="{FF2B5EF4-FFF2-40B4-BE49-F238E27FC236}">
+                <a16:creationId xmlns:a16="http://schemas.microsoft.com/office/drawing/2014/main" id="{541C7F1B-464A-5CC0-E9B2-8B727D1711D9}"/>
+              </a:ext>
+            </a:extLst>
+          </p:cNvPr>
+          <p:cNvSpPr txBox="1"/>
+          <p:nvPr/>
+        </p:nvSpPr>
+        <p:spPr>
+          <a:xfrm>
+            <a:off x="73573" y="3167387"/>
+            <a:ext cx="2280744" cy="954107"/>
+          </a:xfrm>
+          <a:prstGeom prst="rect">
+            <a:avLst/>
+          </a:prstGeom>
+          <a:noFill/>
+        </p:spPr>
+        <p:txBody>
+          <a:bodyPr wrap="square">
+            <a:spAutoFit/>
+          </a:bodyPr>
+          <a:lstStyle/>
+          <a:p>
+            <a:r>
+              <a:rPr lang="en-US" dirty="0"/>
+              <a:t>For humans, it’s a scene or a photograph.</a:t>
+            </a:r>
+            <a:br>
+              <a:rPr lang="en-US" dirty="0"/>
+            </a:br>
+            <a:r>
+              <a:rPr lang="en-US" dirty="0"/>
+              <a:t>But for a computer, it’s a grid of numbers!</a:t>
+            </a:r>
+          </a:p>
+        </p:txBody>
+      </p:sp>
+    </p:spTree>
+  </p:cSld>
+  <p:clrMapOvr>
+    <a:masterClrMapping/>
+  </p:clrMapOvr>
+</p:sld>
+</file>
+
+<file path=ppt/slides/slide30.xml><?xml version="1.0" encoding="utf-8"?>
 <p:sld xmlns:a="http://schemas.openxmlformats.org/drawingml/2006/main" xmlns:r="http://schemas.openxmlformats.org/officeDocument/2006/relationships" xmlns:p="http://schemas.openxmlformats.org/presentationml/2006/main">
   <p:cSld>
     <p:spTree>
@@ -21702,7 +22758,7 @@
                 </a:spcAft>
                 <a:buNone/>
               </a:pPr>
-              <a:t>25</a:t>
+              <a:t>30</a:t>
             </a:fld>
             <a:endParaRPr lang="en-US"/>
           </a:p>
@@ -21721,7 +22777,7 @@
 </p:sld>
 </file>
 
-<file path=ppt/slides/slide26.xml><?xml version="1.0" encoding="utf-8"?>
+<file path=ppt/slides/slide31.xml><?xml version="1.0" encoding="utf-8"?>
 <p:sld xmlns:a="http://schemas.openxmlformats.org/drawingml/2006/main" xmlns:r="http://schemas.openxmlformats.org/officeDocument/2006/relationships" xmlns:p="http://schemas.openxmlformats.org/presentationml/2006/main">
   <p:cSld>
     <p:spTree>
@@ -21770,7 +22826,7 @@
             </a:pPr>
             <a:fld id="{00000000-1234-1234-1234-123412341234}" type="slidenum">
               <a:rPr lang="en-US" smtClean="0"/>
-              <a:t>26</a:t>
+              <a:t>31</a:t>
             </a:fld>
             <a:endParaRPr lang="en-US"/>
           </a:p>
@@ -22719,7 +23775,7 @@
 </p:sld>
 </file>
 
-<file path=ppt/slides/slide27.xml><?xml version="1.0" encoding="utf-8"?>
+<file path=ppt/slides/slide32.xml><?xml version="1.0" encoding="utf-8"?>
 <p:sld xmlns:a="http://schemas.openxmlformats.org/drawingml/2006/main" xmlns:r="http://schemas.openxmlformats.org/officeDocument/2006/relationships" xmlns:p="http://schemas.openxmlformats.org/presentationml/2006/main">
   <p:cSld>
     <p:spTree>
@@ -22789,7 +23845,7 @@
                 <a:cs typeface="Calibri"/>
                 <a:sym typeface="Calibri"/>
               </a:rPr>
-              <a:t>27</a:t>
+              <a:t>32</a:t>
             </a:fld>
             <a:endParaRPr sz="900">
               <a:solidFill>
@@ -23045,7 +24101,7 @@
 </p:sld>
 </file>
 
-<file path=ppt/slides/slide28.xml><?xml version="1.0" encoding="utf-8"?>
+<file path=ppt/slides/slide33.xml><?xml version="1.0" encoding="utf-8"?>
 <p:sld xmlns:a="http://schemas.openxmlformats.org/drawingml/2006/main" xmlns:r="http://schemas.openxmlformats.org/officeDocument/2006/relationships" xmlns:p="http://schemas.openxmlformats.org/presentationml/2006/main">
   <p:cSld>
     <p:spTree>
@@ -23163,217 +24219,9 @@
             </a:pPr>
             <a:fld id="{00000000-1234-1234-1234-123412341234}" type="slidenum">
               <a:rPr lang="en-US"/>
-              <a:t>28</a:t>
+              <a:t>33</a:t>
             </a:fld>
             <a:endParaRPr/>
-          </a:p>
-        </p:txBody>
-      </p:sp>
-    </p:spTree>
-  </p:cSld>
-  <p:clrMapOvr>
-    <a:masterClrMapping/>
-  </p:clrMapOvr>
-</p:sld>
-</file>
-
-<file path=ppt/slides/slide3.xml><?xml version="1.0" encoding="utf-8"?>
-<p:sld xmlns:a="http://schemas.openxmlformats.org/drawingml/2006/main" xmlns:r="http://schemas.openxmlformats.org/officeDocument/2006/relationships" xmlns:p="http://schemas.openxmlformats.org/presentationml/2006/main">
-  <p:cSld>
-    <p:spTree>
-      <p:nvGrpSpPr>
-        <p:cNvPr id="1" name="Shape 117"/>
-        <p:cNvGrpSpPr/>
-        <p:nvPr/>
-      </p:nvGrpSpPr>
-      <p:grpSpPr>
-        <a:xfrm>
-          <a:off x="0" y="0"/>
-          <a:ext cx="0" cy="0"/>
-          <a:chOff x="0" y="0"/>
-          <a:chExt cx="0" cy="0"/>
-        </a:xfrm>
-      </p:grpSpPr>
-      <p:pic>
-        <p:nvPicPr>
-          <p:cNvPr id="118" name="Google Shape;118;g27256a5521d_1_0"/>
-          <p:cNvPicPr preferRelativeResize="0"/>
-          <p:nvPr/>
-        </p:nvPicPr>
-        <p:blipFill>
-          <a:blip r:embed="rId3">
-            <a:alphaModFix/>
-          </a:blip>
-          <a:stretch>
-            <a:fillRect/>
-          </a:stretch>
-        </p:blipFill>
-        <p:spPr>
-          <a:xfrm>
-            <a:off x="0" y="10498"/>
-            <a:ext cx="12192000" cy="6858019"/>
-          </a:xfrm>
-          <a:prstGeom prst="rect">
-            <a:avLst/>
-          </a:prstGeom>
-          <a:noFill/>
-          <a:ln>
-            <a:noFill/>
-          </a:ln>
-        </p:spPr>
-      </p:pic>
-      <p:sp>
-        <p:nvSpPr>
-          <p:cNvPr id="119" name="Google Shape;119;g27256a5521d_1_0"/>
-          <p:cNvSpPr txBox="1">
-            <a:spLocks noGrp="1"/>
-          </p:cNvSpPr>
-          <p:nvPr>
-            <p:ph type="sldNum" idx="12"/>
-          </p:nvPr>
-        </p:nvSpPr>
-        <p:spPr>
-          <a:xfrm>
-            <a:off x="8610600" y="6356350"/>
-            <a:ext cx="2743200" cy="365100"/>
-          </a:xfrm>
-          <a:prstGeom prst="rect">
-            <a:avLst/>
-          </a:prstGeom>
-        </p:spPr>
-        <p:txBody>
-          <a:bodyPr spcFirstLastPara="1" wrap="square" lIns="91425" tIns="45700" rIns="91425" bIns="45700" anchor="ctr" anchorCtr="0">
-            <a:noAutofit/>
-          </a:bodyPr>
-          <a:lstStyle/>
-          <a:p>
-            <a:pPr marL="0" lvl="0" indent="0" algn="r" rtl="0">
-              <a:spcBef>
-                <a:spcPts val="0"/>
-              </a:spcBef>
-              <a:spcAft>
-                <a:spcPts val="0"/>
-              </a:spcAft>
-              <a:buClr>
-                <a:srgbClr val="000000"/>
-              </a:buClr>
-              <a:buSzPts val="900"/>
-              <a:buFont typeface="Arial"/>
-              <a:buNone/>
-            </a:pPr>
-            <a:fld id="{00000000-1234-1234-1234-123412341234}" type="slidenum">
-              <a:rPr lang="en-US"/>
-              <a:t>3</a:t>
-            </a:fld>
-            <a:endParaRPr/>
-          </a:p>
-        </p:txBody>
-      </p:sp>
-      <p:sp>
-        <p:nvSpPr>
-          <p:cNvPr id="120" name="Google Shape;120;g27256a5521d_1_0"/>
-          <p:cNvSpPr txBox="1"/>
-          <p:nvPr/>
-        </p:nvSpPr>
-        <p:spPr>
-          <a:xfrm>
-            <a:off x="9192000" y="0"/>
-            <a:ext cx="3000000" cy="307800"/>
-          </a:xfrm>
-          <a:prstGeom prst="rect">
-            <a:avLst/>
-          </a:prstGeom>
-          <a:noFill/>
-          <a:ln>
-            <a:noFill/>
-          </a:ln>
-        </p:spPr>
-        <p:txBody>
-          <a:bodyPr spcFirstLastPara="1" wrap="square" lIns="91425" tIns="91425" rIns="91425" bIns="91425" anchor="t" anchorCtr="0">
-            <a:spAutoFit/>
-          </a:bodyPr>
-          <a:lstStyle/>
-          <a:p>
-            <a:pPr marL="0" lvl="0" indent="0" algn="l" rtl="0">
-              <a:spcBef>
-                <a:spcPts val="0"/>
-              </a:spcBef>
-              <a:spcAft>
-                <a:spcPts val="0"/>
-              </a:spcAft>
-              <a:buNone/>
-            </a:pPr>
-            <a:r>
-              <a:rPr lang="en-US" sz="800">
-                <a:solidFill>
-                  <a:srgbClr val="000000"/>
-                </a:solidFill>
-              </a:rPr>
-              <a:t>CV </a:t>
-            </a:r>
-            <a:r>
-              <a:rPr lang="en-US" sz="800"/>
-              <a:t>2</a:t>
-            </a:r>
-            <a:r>
-              <a:rPr lang="en-US" sz="800">
-                <a:solidFill>
-                  <a:srgbClr val="000000"/>
-                </a:solidFill>
-              </a:rPr>
-              <a:t>: </a:t>
-            </a:r>
-            <a:r>
-              <a:rPr lang="en-US" sz="800"/>
-              <a:t>Digital Image Fundamentals</a:t>
-            </a:r>
-            <a:endParaRPr sz="800">
-              <a:solidFill>
-                <a:srgbClr val="000000"/>
-              </a:solidFill>
-            </a:endParaRPr>
-          </a:p>
-        </p:txBody>
-      </p:sp>
-      <p:sp>
-        <p:nvSpPr>
-          <p:cNvPr id="3" name="TextBox 2">
-            <a:extLst>
-              <a:ext uri="{FF2B5EF4-FFF2-40B4-BE49-F238E27FC236}">
-                <a16:creationId xmlns:a16="http://schemas.microsoft.com/office/drawing/2014/main" id="{541C7F1B-464A-5CC0-E9B2-8B727D1711D9}"/>
-              </a:ext>
-            </a:extLst>
-          </p:cNvPr>
-          <p:cNvSpPr txBox="1"/>
-          <p:nvPr/>
-        </p:nvSpPr>
-        <p:spPr>
-          <a:xfrm>
-            <a:off x="73573" y="3167387"/>
-            <a:ext cx="2280744" cy="954107"/>
-          </a:xfrm>
-          <a:prstGeom prst="rect">
-            <a:avLst/>
-          </a:prstGeom>
-          <a:noFill/>
-        </p:spPr>
-        <p:txBody>
-          <a:bodyPr wrap="square">
-            <a:spAutoFit/>
-          </a:bodyPr>
-          <a:lstStyle/>
-          <a:p>
-            <a:r>
-              <a:rPr lang="en-US" dirty="0"/>
-              <a:t>For humans, it’s a scene or a photograph.</a:t>
-            </a:r>
-            <a:br>
-              <a:rPr lang="en-US" dirty="0"/>
-            </a:br>
-            <a:r>
-              <a:rPr lang="en-US" dirty="0"/>
-              <a:t>But for a computer, it’s a grid of numbers!</a:t>
-            </a:r>
           </a:p>
         </p:txBody>
       </p:sp>

--- a/ComputerVision/Class 02 Image digitization/CV #2 Digital Image, Fundamentals - Aakash.pptx
+++ b/ComputerVision/Class 02 Image digitization/CV #2 Digital Image, Fundamentals - Aakash.pptx
@@ -278,7 +278,7 @@
       <p15:sldGuideLst xmlns:p15="http://schemas.microsoft.com/office/powerpoint/2012/main"/>
     </p:ext>
     <p:ext uri="GoogleSlidesCustomDataVersion2">
-      <go:slidesCustomData xmlns="" xmlns:mc="http://schemas.openxmlformats.org/markup-compatibility/2006" xmlns:mv="urn:schemas-microsoft-com:mac:vml" xmlns:c="http://schemas.openxmlformats.org/drawingml/2006/chart" xmlns:dgm="http://schemas.openxmlformats.org/drawingml/2006/diagram" xmlns:o="urn:schemas-microsoft-com:office:office" xmlns:v="urn:schemas-microsoft-com:vml" xmlns:pvml="urn:schemas-microsoft-com:office:powerpoint" xmlns:com="http://schemas.openxmlformats.org/drawingml/2006/compatibility" xmlns:p14="http://schemas.microsoft.com/office/powerpoint/2010/main" xmlns:p15="http://schemas.microsoft.com/office/powerpoint/2012/main" xmlns:ahyp="http://schemas.microsoft.com/office/drawing/2018/hyperlinkcolor" xmlns:go="http://customooxmlschemas.google.com/" r:id="rId52" roundtripDataSignature="AMtx7mjyDp/TXpgp/6mAk5w+Yx3MTd0SSQ=="/>
+      <go:slidesCustomData xmlns:go="http://customooxmlschemas.google.com/" xmlns:ahyp="http://schemas.microsoft.com/office/drawing/2018/hyperlinkcolor" xmlns:p15="http://schemas.microsoft.com/office/powerpoint/2012/main" xmlns:p14="http://schemas.microsoft.com/office/powerpoint/2010/main" xmlns:com="http://schemas.openxmlformats.org/drawingml/2006/compatibility" xmlns:pvml="urn:schemas-microsoft-com:office:powerpoint" xmlns:v="urn:schemas-microsoft-com:vml" xmlns:o="urn:schemas-microsoft-com:office:office" xmlns:dgm="http://schemas.openxmlformats.org/drawingml/2006/diagram" xmlns:c="http://schemas.openxmlformats.org/drawingml/2006/chart" xmlns:mv="urn:schemas-microsoft-com:mac:vml" xmlns:mc="http://schemas.openxmlformats.org/markup-compatibility/2006" xmlns="" r:id="rId52" roundtripDataSignature="AMtx7mjyDp/TXpgp/6mAk5w+Yx3MTd0SSQ=="/>
     </p:ext>
   </p:extLst>
 </p:presentation>
@@ -2385,6 +2385,126 @@
 </file>
 
 <file path=ppt/notesSlides/notesSlide5.xml><?xml version="1.0" encoding="utf-8"?>
+<p:notes xmlns:a="http://schemas.openxmlformats.org/drawingml/2006/main" xmlns:r="http://schemas.openxmlformats.org/officeDocument/2006/relationships" xmlns:p="http://schemas.openxmlformats.org/presentationml/2006/main">
+  <p:cSld>
+    <p:spTree>
+      <p:nvGrpSpPr>
+        <p:cNvPr id="1" name=""/>
+        <p:cNvGrpSpPr/>
+        <p:nvPr/>
+      </p:nvGrpSpPr>
+      <p:grpSpPr>
+        <a:xfrm>
+          <a:off x="0" y="0"/>
+          <a:ext cx="0" cy="0"/>
+          <a:chOff x="0" y="0"/>
+          <a:chExt cx="0" cy="0"/>
+        </a:xfrm>
+      </p:grpSpPr>
+      <p:sp>
+        <p:nvSpPr>
+          <p:cNvPr id="2" name="Slide Image Placeholder 1"/>
+          <p:cNvSpPr>
+            <a:spLocks noGrp="1" noRot="1" noChangeAspect="1"/>
+          </p:cNvSpPr>
+          <p:nvPr>
+            <p:ph type="sldImg"/>
+          </p:nvPr>
+        </p:nvSpPr>
+        <p:spPr/>
+      </p:sp>
+      <p:sp>
+        <p:nvSpPr>
+          <p:cNvPr id="3" name="Notes Placeholder 2"/>
+          <p:cNvSpPr>
+            <a:spLocks noGrp="1"/>
+          </p:cNvSpPr>
+          <p:nvPr>
+            <p:ph type="body" idx="1"/>
+          </p:nvPr>
+        </p:nvSpPr>
+        <p:spPr/>
+        <p:txBody>
+          <a:bodyPr/>
+          <a:lstStyle/>
+          <a:p>
+            <a:r>
+              <a:rPr lang="en-US"/>
+              <a:t>https://raghul-719.medium.com/basics-of-computer-vision-1-image-resizing-97fca504cd63</a:t>
+            </a:r>
+          </a:p>
+        </p:txBody>
+      </p:sp>
+      <p:sp>
+        <p:nvSpPr>
+          <p:cNvPr id="4" name="Slide Number Placeholder 3"/>
+          <p:cNvSpPr>
+            <a:spLocks noGrp="1"/>
+          </p:cNvSpPr>
+          <p:nvPr>
+            <p:ph type="sldNum" idx="12"/>
+          </p:nvPr>
+        </p:nvSpPr>
+        <p:spPr/>
+        <p:txBody>
+          <a:bodyPr/>
+          <a:lstStyle/>
+          <a:p>
+            <a:pPr marL="0" marR="0" lvl="0" indent="0" algn="r" rtl="0">
+              <a:lnSpc>
+                <a:spcPct val="100000"/>
+              </a:lnSpc>
+              <a:spcBef>
+                <a:spcPts val="0"/>
+              </a:spcBef>
+              <a:spcAft>
+                <a:spcPts val="0"/>
+              </a:spcAft>
+              <a:buClr>
+                <a:srgbClr val="000000"/>
+              </a:buClr>
+              <a:buSzPts val="1200"/>
+              <a:buFont typeface="Arial"/>
+              <a:buNone/>
+            </a:pPr>
+            <a:fld id="{00000000-1234-1234-1234-123412341234}" type="slidenum">
+              <a:rPr lang="en-US" sz="1200" b="0" i="0" u="none" strike="noStrike" cap="none" smtClean="0">
+                <a:solidFill>
+                  <a:schemeClr val="dk1"/>
+                </a:solidFill>
+                <a:latin typeface="Calibri"/>
+                <a:ea typeface="Calibri"/>
+                <a:cs typeface="Calibri"/>
+                <a:sym typeface="Calibri"/>
+              </a:rPr>
+              <a:t>18</a:t>
+            </a:fld>
+            <a:endParaRPr lang="en-US" sz="1200" b="0" i="0" u="none" strike="noStrike" cap="none">
+              <a:solidFill>
+                <a:schemeClr val="dk1"/>
+              </a:solidFill>
+              <a:latin typeface="Calibri"/>
+              <a:ea typeface="Calibri"/>
+              <a:cs typeface="Calibri"/>
+              <a:sym typeface="Calibri"/>
+            </a:endParaRPr>
+          </a:p>
+        </p:txBody>
+      </p:sp>
+    </p:spTree>
+    <p:extLst>
+      <p:ext uri="{BB962C8B-B14F-4D97-AF65-F5344CB8AC3E}">
+        <p14:creationId xmlns:p14="http://schemas.microsoft.com/office/powerpoint/2010/main" val="2941288629"/>
+      </p:ext>
+    </p:extLst>
+  </p:cSld>
+  <p:clrMapOvr>
+    <a:masterClrMapping/>
+  </p:clrMapOvr>
+</p:notes>
+</file>
+
+<file path=ppt/notesSlides/notesSlide6.xml><?xml version="1.0" encoding="utf-8"?>
 <p:notes xmlns:a="http://schemas.openxmlformats.org/drawingml/2006/main" xmlns:r="http://schemas.openxmlformats.org/officeDocument/2006/relationships" xmlns:p="http://schemas.openxmlformats.org/presentationml/2006/main" showMasterSp="0" showMasterPhAnim="0">
   <p:cSld>
     <p:spTree>
@@ -2506,7 +2626,7 @@
 </p:notes>
 </file>
 
-<file path=ppt/notesSlides/notesSlide6.xml><?xml version="1.0" encoding="utf-8"?>
+<file path=ppt/notesSlides/notesSlide7.xml><?xml version="1.0" encoding="utf-8"?>
 <p:notes xmlns:a="http://schemas.openxmlformats.org/drawingml/2006/main" xmlns:r="http://schemas.openxmlformats.org/officeDocument/2006/relationships" xmlns:p="http://schemas.openxmlformats.org/presentationml/2006/main" showMasterSp="0" showMasterPhAnim="0">
   <p:cSld>
     <p:spTree>
@@ -15972,7 +16092,7 @@
           <p:nvPr/>
         </p:nvPicPr>
         <p:blipFill>
-          <a:blip r:embed="rId2"/>
+          <a:blip r:embed="rId3"/>
           <a:stretch>
             <a:fillRect/>
           </a:stretch>
@@ -16002,7 +16122,7 @@
           <p:nvPr/>
         </p:nvPicPr>
         <p:blipFill>
-          <a:blip r:embed="rId3"/>
+          <a:blip r:embed="rId4"/>
           <a:stretch>
             <a:fillRect/>
           </a:stretch>

--- a/ComputerVision/Class 02 Image digitization/CV #2 Digital Image, Fundamentals - Aakash.pptx
+++ b/ComputerVision/Class 02 Image digitization/CV #2 Digital Image, Fundamentals - Aakash.pptx
@@ -5,7 +5,7 @@
     <p:sldMasterId id="2147483648" r:id="rId1"/>
   </p:sldMasterIdLst>
   <p:notesMasterIdLst>
-    <p:notesMasterId r:id="rId35"/>
+    <p:notesMasterId r:id="rId32"/>
   </p:notesMasterIdLst>
   <p:sldIdLst>
     <p:sldId id="318" r:id="rId2"/>
@@ -36,11 +36,8 @@
     <p:sldId id="332" r:id="rId27"/>
     <p:sldId id="333" r:id="rId28"/>
     <p:sldId id="334" r:id="rId29"/>
-    <p:sldId id="335" r:id="rId30"/>
-    <p:sldId id="336" r:id="rId31"/>
-    <p:sldId id="337" r:id="rId32"/>
-    <p:sldId id="297" r:id="rId33"/>
-    <p:sldId id="298" r:id="rId34"/>
+    <p:sldId id="297" r:id="rId30"/>
+    <p:sldId id="298" r:id="rId31"/>
   </p:sldIdLst>
   <p:sldSz cx="12192000" cy="6858000"/>
   <p:notesSz cx="6858000" cy="9144000"/>
@@ -278,7 +275,7 @@
       <p15:sldGuideLst xmlns:p15="http://schemas.microsoft.com/office/powerpoint/2012/main"/>
     </p:ext>
     <p:ext uri="GoogleSlidesCustomDataVersion2">
-      <go:slidesCustomData xmlns:go="http://customooxmlschemas.google.com/" xmlns:ahyp="http://schemas.microsoft.com/office/drawing/2018/hyperlinkcolor" xmlns:p15="http://schemas.microsoft.com/office/powerpoint/2012/main" xmlns:p14="http://schemas.microsoft.com/office/powerpoint/2010/main" xmlns:com="http://schemas.openxmlformats.org/drawingml/2006/compatibility" xmlns:pvml="urn:schemas-microsoft-com:office:powerpoint" xmlns:v="urn:schemas-microsoft-com:vml" xmlns:o="urn:schemas-microsoft-com:office:office" xmlns:dgm="http://schemas.openxmlformats.org/drawingml/2006/diagram" xmlns:c="http://schemas.openxmlformats.org/drawingml/2006/chart" xmlns:mv="urn:schemas-microsoft-com:mac:vml" xmlns:mc="http://schemas.openxmlformats.org/markup-compatibility/2006" xmlns="" r:id="rId52" roundtripDataSignature="AMtx7mjyDp/TXpgp/6mAk5w+Yx3MTd0SSQ=="/>
+      <go:slidesCustomData xmlns="" xmlns:mc="http://schemas.openxmlformats.org/markup-compatibility/2006" xmlns:mv="urn:schemas-microsoft-com:mac:vml" xmlns:c="http://schemas.openxmlformats.org/drawingml/2006/chart" xmlns:dgm="http://schemas.openxmlformats.org/drawingml/2006/diagram" xmlns:o="urn:schemas-microsoft-com:office:office" xmlns:v="urn:schemas-microsoft-com:vml" xmlns:pvml="urn:schemas-microsoft-com:office:powerpoint" xmlns:com="http://schemas.openxmlformats.org/drawingml/2006/compatibility" xmlns:p14="http://schemas.microsoft.com/office/powerpoint/2010/main" xmlns:p15="http://schemas.microsoft.com/office/powerpoint/2012/main" xmlns:ahyp="http://schemas.microsoft.com/office/drawing/2018/hyperlinkcolor" xmlns:go="http://customooxmlschemas.google.com/" r:id="rId52" roundtripDataSignature="AMtx7mjyDp/TXpgp/6mAk5w+Yx3MTd0SSQ=="/>
     </p:ext>
   </p:extLst>
 </p:presentation>
@@ -21578,7 +21575,7 @@
   <p:cSld>
     <p:spTree>
       <p:nvGrpSpPr>
-        <p:cNvPr id="1" name=""/>
+        <p:cNvPr id="1" name="Shape 523"/>
         <p:cNvGrpSpPr/>
         <p:nvPr/>
       </p:nvGrpSpPr>
@@ -21592,92 +21589,18 @@
       </p:grpSpPr>
       <p:sp>
         <p:nvSpPr>
-          <p:cNvPr id="2" name="Title 1">
-            <a:extLst>
-              <a:ext uri="{FF2B5EF4-FFF2-40B4-BE49-F238E27FC236}">
-                <a16:creationId xmlns:a16="http://schemas.microsoft.com/office/drawing/2014/main" id="{D0E167E2-DEBD-C080-521F-62CD46CBE7DE}"/>
-              </a:ext>
-            </a:extLst>
-          </p:cNvPr>
-          <p:cNvSpPr>
-            <a:spLocks noGrp="1"/>
-          </p:cNvSpPr>
-          <p:nvPr>
-            <p:ph type="title"/>
-          </p:nvPr>
-        </p:nvSpPr>
-        <p:spPr/>
-        <p:txBody>
-          <a:bodyPr>
-            <a:normAutofit fontScale="90000"/>
-          </a:bodyPr>
-          <a:lstStyle/>
-          <a:p>
-            <a:r>
-              <a:rPr lang="en-US" dirty="0"/>
-              <a:t>Color Image</a:t>
-            </a:r>
-          </a:p>
-        </p:txBody>
-      </p:sp>
-      <p:sp>
-        <p:nvSpPr>
-          <p:cNvPr id="4" name="Slide Number Placeholder 3">
-            <a:extLst>
-              <a:ext uri="{FF2B5EF4-FFF2-40B4-BE49-F238E27FC236}">
-                <a16:creationId xmlns:a16="http://schemas.microsoft.com/office/drawing/2014/main" id="{061CCD84-70AF-E122-2957-D721A249318C}"/>
-              </a:ext>
-            </a:extLst>
-          </p:cNvPr>
-          <p:cNvSpPr>
+          <p:cNvPr id="524" name="Google Shape;524;p67"/>
+          <p:cNvSpPr txBox="1">
             <a:spLocks noGrp="1"/>
           </p:cNvSpPr>
           <p:nvPr>
             <p:ph type="sldNum" idx="12"/>
           </p:nvPr>
         </p:nvSpPr>
-        <p:spPr/>
-        <p:txBody>
-          <a:bodyPr/>
-          <a:lstStyle/>
-          <a:p>
-            <a:pPr marL="0" lvl="0" indent="0" algn="r" rtl="0">
-              <a:spcBef>
-                <a:spcPts val="0"/>
-              </a:spcBef>
-              <a:spcAft>
-                <a:spcPts val="0"/>
-              </a:spcAft>
-              <a:buNone/>
-            </a:pPr>
-            <a:fld id="{00000000-1234-1234-1234-123412341234}" type="slidenum">
-              <a:rPr lang="en-US" smtClean="0"/>
-              <a:t>29</a:t>
-            </a:fld>
-            <a:endParaRPr lang="en-US"/>
-          </a:p>
-        </p:txBody>
-      </p:sp>
-      <p:sp>
-        <p:nvSpPr>
-          <p:cNvPr id="5" name="Rectangle 1">
-            <a:extLst>
-              <a:ext uri="{FF2B5EF4-FFF2-40B4-BE49-F238E27FC236}">
-                <a16:creationId xmlns:a16="http://schemas.microsoft.com/office/drawing/2014/main" id="{0D5F9E42-7DCE-1525-2770-97579E047C3D}"/>
-              </a:ext>
-            </a:extLst>
-          </p:cNvPr>
-          <p:cNvSpPr>
-            <a:spLocks noGrp="1" noChangeArrowheads="1"/>
-          </p:cNvSpPr>
-          <p:nvPr>
-            <p:ph type="body" idx="1"/>
-          </p:nvPr>
-        </p:nvSpPr>
-        <p:spPr bwMode="auto">
+        <p:spPr>
           <a:xfrm>
-            <a:off x="415600" y="1834847"/>
-            <a:ext cx="7701147" cy="3958776"/>
+            <a:off x="8610600" y="6356350"/>
+            <a:ext cx="2743200" cy="365100"/>
           </a:xfrm>
           <a:prstGeom prst="rect">
             <a:avLst/>
@@ -21686,511 +21609,286 @@
           <a:ln>
             <a:noFill/>
           </a:ln>
-          <a:effectLst/>
-          <a:extLst>
-            <a:ext uri="{909E8E84-426E-40DD-AFC4-6F175D3DCCD1}">
-              <a14:hiddenFill xmlns:a14="http://schemas.microsoft.com/office/drawing/2010/main">
-                <a:solidFill>
-                  <a:schemeClr val="accent1"/>
-                </a:solidFill>
-              </a14:hiddenFill>
-            </a:ext>
-            <a:ext uri="{91240B29-F687-4F45-9708-019B960494DF}">
-              <a14:hiddenLine xmlns:a14="http://schemas.microsoft.com/office/drawing/2010/main" w="9525">
-                <a:solidFill>
-                  <a:schemeClr val="tx1"/>
-                </a:solidFill>
-                <a:miter lim="800000"/>
-                <a:headEnd/>
-                <a:tailEnd/>
-              </a14:hiddenLine>
-            </a:ext>
-            <a:ext uri="{AF507438-7753-43E0-B8FC-AC1667EBCBE1}">
-              <a14:hiddenEffects xmlns:a14="http://schemas.microsoft.com/office/drawing/2010/main">
-                <a:effectLst>
-                  <a:outerShdw dist="35921" dir="2700000" algn="ctr" rotWithShape="0">
-                    <a:schemeClr val="bg2"/>
-                  </a:outerShdw>
-                </a:effectLst>
-              </a14:hiddenEffects>
-            </a:ext>
-          </a:extLst>
         </p:spPr>
         <p:txBody>
-          <a:bodyPr vert="horz" wrap="none" lIns="91440" tIns="45720" rIns="91440" bIns="45720" numCol="1" anchor="ctr" anchorCtr="0" compatLnSpc="1">
-            <a:prstTxWarp prst="textNoShape">
-              <a:avLst/>
-            </a:prstTxWarp>
-            <a:spAutoFit/>
+          <a:bodyPr spcFirstLastPara="1" wrap="square" lIns="91425" tIns="45700" rIns="91425" bIns="45700" anchor="ctr" anchorCtr="0">
+            <a:noAutofit/>
           </a:bodyPr>
           <a:lstStyle/>
           <a:p>
-            <a:pPr marL="0" marR="0" lvl="0" indent="0" algn="l" defTabSz="914400" rtl="0" eaLnBrk="0" fontAlgn="base" latinLnBrk="0" hangingPunct="0">
-              <a:lnSpc>
-                <a:spcPct val="100000"/>
-              </a:lnSpc>
-              <a:spcBef>
-                <a:spcPct val="0"/>
-              </a:spcBef>
-              <a:spcAft>
-                <a:spcPct val="0"/>
-              </a:spcAft>
-              <a:buClrTx/>
-              <a:buSzTx/>
-              <a:buFontTx/>
-              <a:buChar char="•"/>
-              <a:tabLst/>
+            <a:pPr marL="0" lvl="0" indent="0" algn="r" rtl="0">
+              <a:spcBef>
+                <a:spcPts val="0"/>
+              </a:spcBef>
+              <a:spcAft>
+                <a:spcPts val="0"/>
+              </a:spcAft>
+              <a:buClr>
+                <a:srgbClr val="000000"/>
+              </a:buClr>
+              <a:buSzPts val="900"/>
+              <a:buFont typeface="Arial"/>
+              <a:buNone/>
             </a:pPr>
-            <a:r>
-              <a:rPr kumimoji="0" lang="en-US" altLang="en-US" sz="1500" b="0" i="0" u="none" strike="noStrike" cap="none" normalizeH="0" baseline="0" dirty="0">
-                <a:ln>
-                  <a:noFill/>
-                </a:ln>
-                <a:solidFill>
-                  <a:schemeClr val="tx1"/>
-                </a:solidFill>
-                <a:effectLst/>
-                <a:latin typeface="Arial" panose="020B0604020202020204" pitchFamily="34" charset="0"/>
+            <a:fld id="{00000000-1234-1234-1234-123412341234}" type="slidenum">
+              <a:rPr lang="en-US" sz="900">
+                <a:solidFill>
+                  <a:srgbClr val="888888"/>
+                </a:solidFill>
+                <a:latin typeface="Calibri"/>
+                <a:ea typeface="Calibri"/>
+                <a:cs typeface="Calibri"/>
+                <a:sym typeface="Calibri"/>
               </a:rPr>
-              <a:t>A color image is composed of </a:t>
-            </a:r>
-            <a:r>
-              <a:rPr kumimoji="0" lang="en-US" altLang="en-US" sz="1500" b="1" i="0" u="none" strike="noStrike" cap="none" normalizeH="0" baseline="0" dirty="0">
-                <a:ln>
-                  <a:noFill/>
-                </a:ln>
-                <a:solidFill>
-                  <a:schemeClr val="tx1"/>
-                </a:solidFill>
-                <a:effectLst/>
-                <a:latin typeface="Arial" panose="020B0604020202020204" pitchFamily="34" charset="0"/>
+              <a:t>29</a:t>
+            </a:fld>
+            <a:endParaRPr sz="900">
+              <a:solidFill>
+                <a:srgbClr val="888888"/>
+              </a:solidFill>
+              <a:latin typeface="Calibri"/>
+              <a:ea typeface="Calibri"/>
+              <a:cs typeface="Calibri"/>
+              <a:sym typeface="Calibri"/>
+            </a:endParaRPr>
+          </a:p>
+        </p:txBody>
+      </p:sp>
+      <p:sp>
+        <p:nvSpPr>
+          <p:cNvPr id="525" name="Google Shape;525;p67"/>
+          <p:cNvSpPr txBox="1">
+            <a:spLocks noGrp="1"/>
+          </p:cNvSpPr>
+          <p:nvPr>
+            <p:ph type="body" idx="1"/>
+          </p:nvPr>
+        </p:nvSpPr>
+        <p:spPr>
+          <a:xfrm>
+            <a:off x="838200" y="1632858"/>
+            <a:ext cx="10515600" cy="4441500"/>
+          </a:xfrm>
+          <a:prstGeom prst="rect">
+            <a:avLst/>
+          </a:prstGeom>
+          <a:noFill/>
+          <a:ln>
+            <a:noFill/>
+          </a:ln>
+        </p:spPr>
+        <p:txBody>
+          <a:bodyPr spcFirstLastPara="1" wrap="square" lIns="91425" tIns="45700" rIns="91425" bIns="45700" anchor="t" anchorCtr="0">
+            <a:normAutofit/>
+          </a:bodyPr>
+          <a:lstStyle/>
+          <a:p>
+            <a:pPr marL="457200" lvl="0" indent="0" algn="l" rtl="0">
+              <a:lnSpc>
+                <a:spcPct val="100000"/>
+              </a:lnSpc>
+              <a:spcBef>
+                <a:spcPts val="1000"/>
+              </a:spcBef>
+              <a:spcAft>
+                <a:spcPts val="0"/>
+              </a:spcAft>
+              <a:buNone/>
+            </a:pPr>
+            <a:r>
+              <a:rPr lang="en-US" dirty="0"/>
+              <a:t>Digital Image Processing, Rafael C. Gonzalez &amp; Richard E woods, Third Ed, Chapter 2</a:t>
+            </a:r>
+            <a:endParaRPr dirty="0"/>
+          </a:p>
+          <a:p>
+            <a:pPr marL="914400" lvl="1" indent="-228600" algn="l" rtl="0">
+              <a:lnSpc>
+                <a:spcPct val="90000"/>
+              </a:lnSpc>
+              <a:spcBef>
+                <a:spcPts val="500"/>
+              </a:spcBef>
+              <a:spcAft>
+                <a:spcPts val="0"/>
+              </a:spcAft>
+              <a:buSzPct val="100000"/>
+              <a:buNone/>
+            </a:pPr>
+            <a:endParaRPr dirty="0"/>
+          </a:p>
+          <a:p>
+            <a:pPr marL="914400" lvl="1" indent="-228600" algn="l" rtl="0">
+              <a:lnSpc>
+                <a:spcPct val="90000"/>
+              </a:lnSpc>
+              <a:spcBef>
+                <a:spcPts val="500"/>
+              </a:spcBef>
+              <a:spcAft>
+                <a:spcPts val="0"/>
+              </a:spcAft>
+              <a:buSzPct val="100000"/>
+              <a:buNone/>
+            </a:pPr>
+            <a:endParaRPr dirty="0"/>
+          </a:p>
+          <a:p>
+            <a:pPr marL="914400" lvl="1" indent="-228600" algn="l" rtl="0">
+              <a:lnSpc>
+                <a:spcPct val="90000"/>
+              </a:lnSpc>
+              <a:spcBef>
+                <a:spcPts val="500"/>
+              </a:spcBef>
+              <a:spcAft>
+                <a:spcPts val="0"/>
+              </a:spcAft>
+              <a:buSzPct val="100000"/>
+              <a:buNone/>
+            </a:pPr>
+            <a:endParaRPr dirty="0"/>
+          </a:p>
+          <a:p>
+            <a:pPr marL="0" lvl="1" indent="0" algn="l" rtl="0">
+              <a:lnSpc>
+                <a:spcPct val="90000"/>
+              </a:lnSpc>
+              <a:spcBef>
+                <a:spcPts val="500"/>
+              </a:spcBef>
+              <a:spcAft>
+                <a:spcPts val="0"/>
+              </a:spcAft>
+              <a:buSzPct val="100000"/>
+              <a:buNone/>
+            </a:pPr>
+            <a:r>
+              <a:rPr lang="en-US" b="1" dirty="0">
+                <a:solidFill>
+                  <a:schemeClr val="dk1"/>
+                </a:solidFill>
               </a:rPr>
-              <a:t>multiple channels</a:t>
-            </a:r>
-            <a:r>
-              <a:rPr kumimoji="0" lang="en-US" altLang="en-US" sz="1500" b="0" i="0" u="none" strike="noStrike" cap="none" normalizeH="0" baseline="0" dirty="0">
-                <a:ln>
-                  <a:noFill/>
-                </a:ln>
-                <a:solidFill>
-                  <a:schemeClr val="tx1"/>
-                </a:solidFill>
-                <a:effectLst/>
-                <a:latin typeface="Arial" panose="020B0604020202020204" pitchFamily="34" charset="0"/>
-              </a:rPr>
-              <a:t> — typically </a:t>
-            </a:r>
-            <a:r>
-              <a:rPr kumimoji="0" lang="en-US" altLang="en-US" sz="1500" b="1" i="0" u="none" strike="noStrike" cap="none" normalizeH="0" baseline="0" dirty="0">
-                <a:ln>
-                  <a:noFill/>
-                </a:ln>
-                <a:solidFill>
-                  <a:schemeClr val="tx1"/>
-                </a:solidFill>
-                <a:effectLst/>
-                <a:latin typeface="Arial" panose="020B0604020202020204" pitchFamily="34" charset="0"/>
-              </a:rPr>
-              <a:t>Red, Green, Blue (RGB)</a:t>
-            </a:r>
-            <a:r>
-              <a:rPr kumimoji="0" lang="en-US" altLang="en-US" sz="1500" b="0" i="0" u="none" strike="noStrike" cap="none" normalizeH="0" baseline="0" dirty="0">
-                <a:ln>
-                  <a:noFill/>
-                </a:ln>
-                <a:solidFill>
-                  <a:schemeClr val="tx1"/>
-                </a:solidFill>
-                <a:effectLst/>
-                <a:latin typeface="Arial" panose="020B0604020202020204" pitchFamily="34" charset="0"/>
-              </a:rPr>
-              <a:t>.</a:t>
-            </a:r>
-          </a:p>
-          <a:p>
-            <a:pPr marL="0" marR="0" lvl="0" indent="0" algn="l" defTabSz="914400" rtl="0" eaLnBrk="0" fontAlgn="base" latinLnBrk="0" hangingPunct="0">
-              <a:lnSpc>
-                <a:spcPct val="100000"/>
-              </a:lnSpc>
-              <a:spcBef>
-                <a:spcPct val="0"/>
-              </a:spcBef>
-              <a:spcAft>
-                <a:spcPct val="0"/>
-              </a:spcAft>
-              <a:buClrTx/>
-              <a:buSzTx/>
-              <a:buFontTx/>
-              <a:buChar char="•"/>
-              <a:tabLst/>
-            </a:pPr>
-            <a:r>
-              <a:rPr kumimoji="0" lang="en-US" altLang="en-US" sz="1500" b="0" i="0" u="none" strike="noStrike" cap="none" normalizeH="0" baseline="0" dirty="0">
-                <a:ln>
-                  <a:noFill/>
-                </a:ln>
-                <a:solidFill>
-                  <a:schemeClr val="tx1"/>
-                </a:solidFill>
-                <a:effectLst/>
-                <a:latin typeface="Arial" panose="020B0604020202020204" pitchFamily="34" charset="0"/>
-              </a:rPr>
-              <a:t>Each pixel has </a:t>
-            </a:r>
-            <a:r>
-              <a:rPr kumimoji="0" lang="en-US" altLang="en-US" sz="1500" b="1" i="0" u="none" strike="noStrike" cap="none" normalizeH="0" baseline="0" dirty="0">
-                <a:ln>
-                  <a:noFill/>
-                </a:ln>
-                <a:solidFill>
-                  <a:schemeClr val="tx1"/>
-                </a:solidFill>
-                <a:effectLst/>
-                <a:latin typeface="Arial" panose="020B0604020202020204" pitchFamily="34" charset="0"/>
-              </a:rPr>
-              <a:t>three intensity values</a:t>
-            </a:r>
-            <a:r>
-              <a:rPr kumimoji="0" lang="en-US" altLang="en-US" sz="1500" b="0" i="0" u="none" strike="noStrike" cap="none" normalizeH="0" baseline="0" dirty="0">
-                <a:ln>
-                  <a:noFill/>
-                </a:ln>
-                <a:solidFill>
-                  <a:schemeClr val="tx1"/>
-                </a:solidFill>
-                <a:effectLst/>
-                <a:latin typeface="Arial" panose="020B0604020202020204" pitchFamily="34" charset="0"/>
-              </a:rPr>
-              <a:t>: one for each channel.</a:t>
-            </a:r>
-          </a:p>
-          <a:p>
-            <a:pPr marL="0" marR="0" lvl="0" indent="0" algn="l" defTabSz="914400" rtl="0" eaLnBrk="0" fontAlgn="base" latinLnBrk="0" hangingPunct="0">
-              <a:lnSpc>
-                <a:spcPct val="100000"/>
-              </a:lnSpc>
-              <a:spcBef>
-                <a:spcPct val="0"/>
-              </a:spcBef>
-              <a:spcAft>
-                <a:spcPct val="0"/>
-              </a:spcAft>
-              <a:buClrTx/>
-              <a:buSzTx/>
-              <a:buFontTx/>
-              <a:buChar char="•"/>
-              <a:tabLst/>
-            </a:pPr>
-            <a:r>
-              <a:rPr kumimoji="0" lang="en-US" altLang="en-US" sz="1500" b="0" i="0" u="none" strike="noStrike" cap="none" normalizeH="0" baseline="0" dirty="0">
-                <a:ln>
-                  <a:noFill/>
-                </a:ln>
-                <a:solidFill>
-                  <a:schemeClr val="tx1"/>
-                </a:solidFill>
-                <a:effectLst/>
-                <a:latin typeface="Arial" panose="020B0604020202020204" pitchFamily="34" charset="0"/>
-              </a:rPr>
-              <a:t>Together, they define the color at that pixel.</a:t>
-            </a:r>
-          </a:p>
-          <a:p>
-            <a:pPr marL="0" marR="0" lvl="0" indent="0" algn="l" defTabSz="914400" rtl="0" eaLnBrk="0" fontAlgn="base" latinLnBrk="0" hangingPunct="0">
-              <a:lnSpc>
-                <a:spcPct val="100000"/>
-              </a:lnSpc>
-              <a:spcBef>
-                <a:spcPct val="0"/>
-              </a:spcBef>
-              <a:spcAft>
-                <a:spcPct val="0"/>
-              </a:spcAft>
-              <a:buClrTx/>
-              <a:buSzTx/>
-              <a:buNone/>
-              <a:tabLst/>
-            </a:pPr>
-            <a:endParaRPr kumimoji="0" lang="en-US" altLang="en-US" sz="1500" b="0" i="0" u="none" strike="noStrike" cap="none" normalizeH="0" baseline="0" dirty="0">
-              <a:ln>
-                <a:noFill/>
-              </a:ln>
+              <a:t>References for hands-on work:</a:t>
+            </a:r>
+            <a:endParaRPr b="1" dirty="0">
               <a:solidFill>
-                <a:schemeClr val="tx1"/>
+                <a:schemeClr val="dk1"/>
               </a:solidFill>
-              <a:effectLst/>
-              <a:latin typeface="Arial" panose="020B0604020202020204" pitchFamily="34" charset="0"/>
             </a:endParaRPr>
           </a:p>
           <a:p>
-            <a:pPr marL="0" marR="0" lvl="0" indent="0" algn="l" defTabSz="914400" rtl="0" eaLnBrk="0" fontAlgn="base" latinLnBrk="0" hangingPunct="0">
-              <a:lnSpc>
-                <a:spcPct val="100000"/>
-              </a:lnSpc>
-              <a:spcBef>
-                <a:spcPct val="0"/>
-              </a:spcBef>
-              <a:spcAft>
-                <a:spcPct val="0"/>
-              </a:spcAft>
-              <a:buClrTx/>
-              <a:buSzTx/>
-              <a:buNone/>
-              <a:tabLst/>
-            </a:pPr>
-            <a:r>
-              <a:rPr kumimoji="0" lang="en-US" altLang="en-US" sz="1500" b="0" i="0" u="none" strike="noStrike" cap="none" normalizeH="0" baseline="0" dirty="0">
-                <a:ln>
-                  <a:noFill/>
-                </a:ln>
-                <a:solidFill>
-                  <a:schemeClr val="tx1"/>
-                </a:solidFill>
-                <a:effectLst/>
-                <a:latin typeface="Arial" panose="020B0604020202020204" pitchFamily="34" charset="0"/>
-              </a:rPr>
-              <a:t>📌 Example:</a:t>
-            </a:r>
-          </a:p>
-          <a:p>
-            <a:pPr marL="0" marR="0" lvl="0" indent="0" algn="l" defTabSz="914400" rtl="0" eaLnBrk="0" fontAlgn="base" latinLnBrk="0" hangingPunct="0">
-              <a:lnSpc>
-                <a:spcPct val="100000"/>
-              </a:lnSpc>
-              <a:spcBef>
-                <a:spcPct val="0"/>
-              </a:spcBef>
-              <a:spcAft>
-                <a:spcPct val="0"/>
-              </a:spcAft>
-              <a:buClrTx/>
-              <a:buSzTx/>
-              <a:buNone/>
-              <a:tabLst/>
-            </a:pPr>
-            <a:endParaRPr kumimoji="0" lang="en-US" altLang="en-US" sz="1500" b="0" i="0" u="none" strike="noStrike" cap="none" normalizeH="0" baseline="0" dirty="0">
-              <a:ln>
-                <a:noFill/>
-              </a:ln>
-              <a:solidFill>
-                <a:schemeClr val="tx1"/>
-              </a:solidFill>
-              <a:effectLst/>
-              <a:latin typeface="Arial" panose="020B0604020202020204" pitchFamily="34" charset="0"/>
-            </a:endParaRPr>
-          </a:p>
-          <a:p>
-            <a:pPr marL="0" marR="0" lvl="0" indent="0" algn="l" defTabSz="914400" rtl="0" eaLnBrk="0" fontAlgn="base" latinLnBrk="0" hangingPunct="0">
-              <a:lnSpc>
-                <a:spcPct val="100000"/>
-              </a:lnSpc>
-              <a:spcBef>
-                <a:spcPct val="0"/>
-              </a:spcBef>
-              <a:spcAft>
-                <a:spcPct val="0"/>
-              </a:spcAft>
-              <a:buClrTx/>
-              <a:buSzTx/>
-              <a:buNone/>
-              <a:tabLst/>
-            </a:pPr>
-            <a:r>
-              <a:rPr kumimoji="0" lang="en-US" altLang="en-US" sz="1500" b="0" i="0" u="none" strike="noStrike" cap="none" normalizeH="0" baseline="0" dirty="0">
-                <a:ln>
-                  <a:noFill/>
-                </a:ln>
-                <a:solidFill>
-                  <a:schemeClr val="tx1"/>
-                </a:solidFill>
-                <a:effectLst/>
-                <a:latin typeface="Arial" panose="020B0604020202020204" pitchFamily="34" charset="0"/>
-              </a:rPr>
-              <a:t>A pixel in grayscale might be 128</a:t>
-            </a:r>
-          </a:p>
-          <a:p>
-            <a:pPr marL="0" marR="0" lvl="0" indent="0" algn="l" defTabSz="914400" rtl="0" eaLnBrk="0" fontAlgn="base" latinLnBrk="0" hangingPunct="0">
-              <a:lnSpc>
-                <a:spcPct val="100000"/>
-              </a:lnSpc>
-              <a:spcBef>
-                <a:spcPct val="0"/>
-              </a:spcBef>
-              <a:spcAft>
-                <a:spcPct val="0"/>
-              </a:spcAft>
-              <a:buClrTx/>
-              <a:buSzTx/>
-              <a:buNone/>
-              <a:tabLst/>
-            </a:pPr>
-            <a:endParaRPr kumimoji="0" lang="en-US" altLang="en-US" sz="1500" b="0" i="0" u="none" strike="noStrike" cap="none" normalizeH="0" baseline="0" dirty="0">
-              <a:ln>
-                <a:noFill/>
-              </a:ln>
-              <a:solidFill>
-                <a:schemeClr val="tx1"/>
-              </a:solidFill>
-              <a:effectLst/>
-              <a:latin typeface="Arial" panose="020B0604020202020204" pitchFamily="34" charset="0"/>
-            </a:endParaRPr>
-          </a:p>
-          <a:p>
-            <a:pPr marL="0" marR="0" lvl="0" indent="0" algn="l" defTabSz="914400" rtl="0" eaLnBrk="0" fontAlgn="base" latinLnBrk="0" hangingPunct="0">
-              <a:lnSpc>
-                <a:spcPct val="100000"/>
-              </a:lnSpc>
-              <a:spcBef>
-                <a:spcPct val="0"/>
-              </a:spcBef>
-              <a:spcAft>
-                <a:spcPct val="0"/>
-              </a:spcAft>
-              <a:buClrTx/>
-              <a:buSzTx/>
-              <a:buNone/>
-              <a:tabLst/>
-            </a:pPr>
-            <a:r>
-              <a:rPr kumimoji="0" lang="en-US" altLang="en-US" sz="1500" b="0" i="0" u="none" strike="noStrike" cap="none" normalizeH="0" baseline="0" dirty="0">
-                <a:ln>
-                  <a:noFill/>
-                </a:ln>
-                <a:solidFill>
-                  <a:schemeClr val="tx1"/>
-                </a:solidFill>
-                <a:effectLst/>
-                <a:latin typeface="Arial" panose="020B0604020202020204" pitchFamily="34" charset="0"/>
-              </a:rPr>
-              <a:t>A pixel in color might be (123, 85, 200) — Red=123, Green=85, Blue=200</a:t>
-            </a:r>
-            <a:endParaRPr lang="en-US" altLang="en-US" sz="1500" dirty="0">
-              <a:solidFill>
-                <a:schemeClr val="tx1"/>
-              </a:solidFill>
-              <a:latin typeface="Arial" panose="020B0604020202020204" pitchFamily="34" charset="0"/>
-            </a:endParaRPr>
-          </a:p>
-          <a:p>
-            <a:pPr marL="0" marR="0" lvl="0" indent="0" algn="l" defTabSz="914400" rtl="0" eaLnBrk="0" fontAlgn="base" latinLnBrk="0" hangingPunct="0">
-              <a:lnSpc>
-                <a:spcPct val="100000"/>
-              </a:lnSpc>
-              <a:spcBef>
-                <a:spcPct val="0"/>
-              </a:spcBef>
-              <a:spcAft>
-                <a:spcPct val="0"/>
-              </a:spcAft>
-              <a:buClrTx/>
-              <a:buSzTx/>
-              <a:buNone/>
-              <a:tabLst/>
-            </a:pPr>
-            <a:endParaRPr kumimoji="0" lang="en-US" altLang="en-US" sz="1500" b="0" i="0" u="none" strike="noStrike" cap="none" normalizeH="0" baseline="0" dirty="0">
-              <a:ln>
-                <a:noFill/>
-              </a:ln>
-              <a:solidFill>
-                <a:schemeClr val="tx1"/>
-              </a:solidFill>
-              <a:effectLst/>
-              <a:latin typeface="Arial" panose="020B0604020202020204" pitchFamily="34" charset="0"/>
-            </a:endParaRPr>
-          </a:p>
-          <a:p>
-            <a:pPr>
-              <a:buNone/>
-            </a:pPr>
-            <a:r>
-              <a:rPr lang="en-US" sz="1500" dirty="0"/>
-              <a:t>Think of RGB like </a:t>
-            </a:r>
-            <a:r>
-              <a:rPr lang="en-US" sz="1500" b="1" dirty="0"/>
-              <a:t>mixing paints</a:t>
-            </a:r>
-            <a:r>
-              <a:rPr lang="en-US" sz="1500" dirty="0"/>
-              <a:t>:</a:t>
-            </a:r>
-          </a:p>
-          <a:p>
-            <a:pPr>
-              <a:buFont typeface="Arial" panose="020B0604020202020204" pitchFamily="34" charset="0"/>
+            <a:pPr marL="457200" lvl="0" indent="-393065" algn="l" rtl="0">
+              <a:lnSpc>
+                <a:spcPct val="90000"/>
+              </a:lnSpc>
+              <a:spcBef>
+                <a:spcPts val="0"/>
+              </a:spcBef>
+              <a:spcAft>
+                <a:spcPts val="0"/>
+              </a:spcAft>
+              <a:buSzPct val="100000"/>
               <a:buChar char="•"/>
             </a:pPr>
             <a:r>
-              <a:rPr lang="en-US" sz="1500" dirty="0"/>
-              <a:t>Red + Green = Yellow</a:t>
-            </a:r>
-          </a:p>
-          <a:p>
-            <a:pPr>
-              <a:buFont typeface="Arial" panose="020B0604020202020204" pitchFamily="34" charset="0"/>
-              <a:buChar char="•"/>
+              <a:rPr lang="en-US" u="sng">
+                <a:solidFill>
+                  <a:schemeClr val="hlink"/>
+                </a:solidFill>
+                <a:hlinkClick r:id="rId3"/>
+              </a:rPr>
+              <a:t>https</a:t>
+            </a:r>
+            <a:r>
+              <a:rPr lang="en-US" u="sng" dirty="0">
+                <a:solidFill>
+                  <a:schemeClr val="hlink"/>
+                </a:solidFill>
+                <a:hlinkClick r:id="rId3"/>
+              </a:rPr>
+              <a:t>://www.kaggle.com/code/gauravduttakiit</a:t>
+            </a:r>
+            <a:r>
+              <a:rPr lang="en-US" u="sng">
+                <a:solidFill>
+                  <a:schemeClr val="hlink"/>
+                </a:solidFill>
+                <a:hlinkClick r:id="rId3"/>
+              </a:rPr>
+              <a:t>/image-processing-notebook</a:t>
+            </a:r>
+            <a:endParaRPr dirty="0"/>
+          </a:p>
+          <a:p>
+            <a:pPr marL="50800" lvl="0" indent="0" algn="l" rtl="0">
+              <a:lnSpc>
+                <a:spcPct val="100000"/>
+              </a:lnSpc>
+              <a:spcBef>
+                <a:spcPts val="1000"/>
+              </a:spcBef>
+              <a:spcAft>
+                <a:spcPts val="0"/>
+              </a:spcAft>
+              <a:buSzPct val="100000"/>
+              <a:buNone/>
             </a:pPr>
-            <a:r>
-              <a:rPr lang="en-US" sz="1500" dirty="0"/>
-              <a:t>Red + Blue = Magenta</a:t>
-            </a:r>
-          </a:p>
-          <a:p>
-            <a:pPr>
-              <a:buFont typeface="Arial" panose="020B0604020202020204" pitchFamily="34" charset="0"/>
-              <a:buChar char="•"/>
+            <a:endParaRPr dirty="0"/>
+          </a:p>
+        </p:txBody>
+      </p:sp>
+      <p:sp>
+        <p:nvSpPr>
+          <p:cNvPr id="526" name="Google Shape;526;p67"/>
+          <p:cNvSpPr txBox="1">
+            <a:spLocks noGrp="1"/>
+          </p:cNvSpPr>
+          <p:nvPr>
+            <p:ph type="title"/>
+          </p:nvPr>
+        </p:nvSpPr>
+        <p:spPr>
+          <a:xfrm>
+            <a:off x="838200" y="365126"/>
+            <a:ext cx="10200000" cy="1027800"/>
+          </a:xfrm>
+          <a:prstGeom prst="rect">
+            <a:avLst/>
+          </a:prstGeom>
+        </p:spPr>
+        <p:txBody>
+          <a:bodyPr spcFirstLastPara="1" wrap="square" lIns="91425" tIns="45700" rIns="91425" bIns="45700" anchor="ctr" anchorCtr="0">
+            <a:normAutofit/>
+          </a:bodyPr>
+          <a:lstStyle/>
+          <a:p>
+            <a:pPr marL="457200" lvl="0" indent="0" algn="l" rtl="0">
+              <a:lnSpc>
+                <a:spcPct val="100000"/>
+              </a:lnSpc>
+              <a:spcBef>
+                <a:spcPts val="1000"/>
+              </a:spcBef>
+              <a:spcAft>
+                <a:spcPts val="0"/>
+              </a:spcAft>
+              <a:buNone/>
             </a:pPr>
             <a:r>
-              <a:rPr lang="en-US" sz="1500" dirty="0"/>
-              <a:t>All = White</a:t>
-            </a:r>
-          </a:p>
-          <a:p>
-            <a:pPr>
-              <a:buFont typeface="Arial" panose="020B0604020202020204" pitchFamily="34" charset="0"/>
-              <a:buChar char="•"/>
-            </a:pPr>
-            <a:r>
-              <a:rPr lang="en-US" sz="1500" dirty="0"/>
-              <a:t>None = Black</a:t>
-            </a:r>
-          </a:p>
-          <a:p>
-            <a:pPr marL="0" marR="0" lvl="0" indent="0" algn="l" defTabSz="914400" rtl="0" eaLnBrk="0" fontAlgn="base" latinLnBrk="0" hangingPunct="0">
-              <a:lnSpc>
-                <a:spcPct val="100000"/>
-              </a:lnSpc>
-              <a:spcBef>
-                <a:spcPct val="0"/>
-              </a:spcBef>
-              <a:spcAft>
-                <a:spcPct val="0"/>
-              </a:spcAft>
-              <a:buClrTx/>
-              <a:buSzTx/>
-              <a:buNone/>
-              <a:tabLst/>
-            </a:pPr>
-            <a:endParaRPr kumimoji="0" lang="en-US" altLang="en-US" sz="1500" b="0" i="0" u="none" strike="noStrike" cap="none" normalizeH="0" baseline="0" dirty="0">
-              <a:ln>
-                <a:noFill/>
-              </a:ln>
-              <a:solidFill>
-                <a:schemeClr val="tx1"/>
-              </a:solidFill>
-              <a:effectLst/>
-              <a:latin typeface="Arial" panose="020B0604020202020204" pitchFamily="34" charset="0"/>
-            </a:endParaRPr>
+              <a:rPr lang="en-US">
+                <a:latin typeface="Arial"/>
+                <a:ea typeface="Arial"/>
+                <a:cs typeface="Arial"/>
+                <a:sym typeface="Arial"/>
+              </a:rPr>
+              <a:t>Readings:</a:t>
+            </a:r>
+            <a:endParaRPr/>
           </a:p>
         </p:txBody>
       </p:sp>
     </p:spTree>
-    <p:extLst>
-      <p:ext uri="{BB962C8B-B14F-4D97-AF65-F5344CB8AC3E}">
-        <p14:creationId xmlns:p14="http://schemas.microsoft.com/office/powerpoint/2010/main" val="3995874424"/>
-      </p:ext>
-    </p:extLst>
   </p:cSld>
   <p:clrMapOvr>
     <a:masterClrMapping/>
@@ -22411,1821 +22109,6 @@
   <p:cSld>
     <p:spTree>
       <p:nvGrpSpPr>
-        <p:cNvPr id="1" name=""/>
-        <p:cNvGrpSpPr/>
-        <p:nvPr/>
-      </p:nvGrpSpPr>
-      <p:grpSpPr>
-        <a:xfrm>
-          <a:off x="0" y="0"/>
-          <a:ext cx="0" cy="0"/>
-          <a:chOff x="0" y="0"/>
-          <a:chExt cx="0" cy="0"/>
-        </a:xfrm>
-      </p:grpSpPr>
-      <p:sp>
-        <p:nvSpPr>
-          <p:cNvPr id="2" name="Title 1">
-            <a:extLst>
-              <a:ext uri="{FF2B5EF4-FFF2-40B4-BE49-F238E27FC236}">
-                <a16:creationId xmlns:a16="http://schemas.microsoft.com/office/drawing/2014/main" id="{14630485-A5FB-3651-86BA-5CDF03FE0C4D}"/>
-              </a:ext>
-            </a:extLst>
-          </p:cNvPr>
-          <p:cNvSpPr>
-            <a:spLocks noGrp="1"/>
-          </p:cNvSpPr>
-          <p:nvPr>
-            <p:ph type="title"/>
-          </p:nvPr>
-        </p:nvSpPr>
-        <p:spPr>
-          <a:xfrm>
-            <a:off x="354000" y="1644233"/>
-            <a:ext cx="5393700" cy="1976400"/>
-          </a:xfrm>
-        </p:spPr>
-        <p:txBody>
-          <a:bodyPr wrap="square" anchor="b">
-            <a:normAutofit/>
-          </a:bodyPr>
-          <a:lstStyle/>
-          <a:p>
-            <a:r>
-              <a:rPr lang="en-US" sz="5200"/>
-              <a:t>HSV : Hue-Saturation-Value</a:t>
-            </a:r>
-          </a:p>
-        </p:txBody>
-      </p:sp>
-      <p:sp>
-        <p:nvSpPr>
-          <p:cNvPr id="3" name="Text Placeholder 2">
-            <a:extLst>
-              <a:ext uri="{FF2B5EF4-FFF2-40B4-BE49-F238E27FC236}">
-                <a16:creationId xmlns:a16="http://schemas.microsoft.com/office/drawing/2014/main" id="{64045E7D-C6C1-DF0B-90AE-1ACAA812658A}"/>
-              </a:ext>
-            </a:extLst>
-          </p:cNvPr>
-          <p:cNvSpPr>
-            <a:spLocks noGrp="1"/>
-          </p:cNvSpPr>
-          <p:nvPr>
-            <p:ph type="body" idx="2"/>
-          </p:nvPr>
-        </p:nvSpPr>
-        <p:spPr>
-          <a:xfrm>
-            <a:off x="6586000" y="965433"/>
-            <a:ext cx="5115900" cy="4926900"/>
-          </a:xfrm>
-        </p:spPr>
-        <p:txBody>
-          <a:bodyPr wrap="square" anchor="ctr">
-            <a:normAutofit/>
-          </a:bodyPr>
-          <a:lstStyle/>
-          <a:p>
-            <a:pPr>
-              <a:lnSpc>
-                <a:spcPct val="105000"/>
-              </a:lnSpc>
-              <a:spcAft>
-                <a:spcPts val="600"/>
-              </a:spcAft>
-              <a:buFont typeface="Arial" panose="020B0604020202020204" pitchFamily="34" charset="0"/>
-              <a:buChar char="•"/>
-            </a:pPr>
-            <a:r>
-              <a:rPr lang="en-US" sz="1000" b="1" dirty="0"/>
-              <a:t>Hue</a:t>
-            </a:r>
-            <a:r>
-              <a:rPr lang="en-US" sz="1000" dirty="0"/>
-              <a:t> = actual color (0–360 degrees)</a:t>
-            </a:r>
-          </a:p>
-          <a:p>
-            <a:pPr>
-              <a:lnSpc>
-                <a:spcPct val="105000"/>
-              </a:lnSpc>
-              <a:spcAft>
-                <a:spcPts val="600"/>
-              </a:spcAft>
-              <a:buFont typeface="Arial" panose="020B0604020202020204" pitchFamily="34" charset="0"/>
-              <a:buChar char="•"/>
-            </a:pPr>
-            <a:r>
-              <a:rPr lang="en-US" sz="1000" b="1" dirty="0"/>
-              <a:t>Saturation</a:t>
-            </a:r>
-            <a:r>
-              <a:rPr lang="en-US" sz="1000" dirty="0"/>
-              <a:t> = how pure the color is</a:t>
-            </a:r>
-          </a:p>
-          <a:p>
-            <a:pPr>
-              <a:lnSpc>
-                <a:spcPct val="105000"/>
-              </a:lnSpc>
-              <a:spcAft>
-                <a:spcPts val="600"/>
-              </a:spcAft>
-              <a:buFont typeface="Arial" panose="020B0604020202020204" pitchFamily="34" charset="0"/>
-              <a:buChar char="•"/>
-            </a:pPr>
-            <a:r>
-              <a:rPr lang="en-US" sz="1000" b="1" dirty="0"/>
-              <a:t>Value</a:t>
-            </a:r>
-            <a:r>
-              <a:rPr lang="en-US" sz="1000" dirty="0"/>
-              <a:t> = brightness</a:t>
-            </a:r>
-          </a:p>
-          <a:p>
-            <a:pPr>
-              <a:lnSpc>
-                <a:spcPct val="105000"/>
-              </a:lnSpc>
-              <a:spcAft>
-                <a:spcPts val="600"/>
-              </a:spcAft>
-              <a:buNone/>
-            </a:pPr>
-            <a:endParaRPr lang="en-US" sz="1000" b="1" dirty="0"/>
-          </a:p>
-          <a:p>
-            <a:pPr>
-              <a:lnSpc>
-                <a:spcPct val="105000"/>
-              </a:lnSpc>
-              <a:spcAft>
-                <a:spcPts val="600"/>
-              </a:spcAft>
-              <a:buNone/>
-            </a:pPr>
-            <a:r>
-              <a:rPr lang="en-US" sz="1000" b="1" dirty="0"/>
-              <a:t>🧠 Analogy:</a:t>
-            </a:r>
-          </a:p>
-          <a:p>
-            <a:pPr>
-              <a:lnSpc>
-                <a:spcPct val="105000"/>
-              </a:lnSpc>
-              <a:spcAft>
-                <a:spcPts val="600"/>
-              </a:spcAft>
-              <a:buNone/>
-            </a:pPr>
-            <a:endParaRPr lang="en-US" sz="1000" b="1" dirty="0"/>
-          </a:p>
-          <a:p>
-            <a:pPr>
-              <a:lnSpc>
-                <a:spcPct val="105000"/>
-              </a:lnSpc>
-              <a:spcAft>
-                <a:spcPts val="600"/>
-              </a:spcAft>
-              <a:buNone/>
-            </a:pPr>
-            <a:r>
-              <a:rPr lang="en-US" sz="1000" dirty="0"/>
-              <a:t>HSV is like </a:t>
-            </a:r>
-            <a:r>
-              <a:rPr lang="en-US" sz="1000" b="1" dirty="0"/>
-              <a:t>picking color in a paint app</a:t>
-            </a:r>
-            <a:r>
-              <a:rPr lang="en-US" sz="1000" dirty="0"/>
-              <a:t>:</a:t>
-            </a:r>
-          </a:p>
-          <a:p>
-            <a:pPr>
-              <a:lnSpc>
-                <a:spcPct val="105000"/>
-              </a:lnSpc>
-              <a:spcAft>
-                <a:spcPts val="600"/>
-              </a:spcAft>
-              <a:buFont typeface="Arial" panose="020B0604020202020204" pitchFamily="34" charset="0"/>
-              <a:buChar char="•"/>
-            </a:pPr>
-            <a:r>
-              <a:rPr lang="en-US" sz="1000" b="1" dirty="0"/>
-              <a:t>Hue</a:t>
-            </a:r>
-            <a:r>
-              <a:rPr lang="en-US" sz="1000" dirty="0"/>
-              <a:t> is the color wheel</a:t>
-            </a:r>
-          </a:p>
-          <a:p>
-            <a:pPr>
-              <a:lnSpc>
-                <a:spcPct val="105000"/>
-              </a:lnSpc>
-              <a:spcAft>
-                <a:spcPts val="600"/>
-              </a:spcAft>
-              <a:buFont typeface="Arial" panose="020B0604020202020204" pitchFamily="34" charset="0"/>
-              <a:buChar char="•"/>
-            </a:pPr>
-            <a:r>
-              <a:rPr lang="en-US" sz="1000" b="1" dirty="0"/>
-              <a:t>Saturation</a:t>
-            </a:r>
-            <a:r>
-              <a:rPr lang="en-US" sz="1000" dirty="0"/>
-              <a:t> is the slider for gray-to-pure</a:t>
-            </a:r>
-          </a:p>
-          <a:p>
-            <a:pPr>
-              <a:lnSpc>
-                <a:spcPct val="105000"/>
-              </a:lnSpc>
-              <a:spcAft>
-                <a:spcPts val="600"/>
-              </a:spcAft>
-              <a:buFont typeface="Arial" panose="020B0604020202020204" pitchFamily="34" charset="0"/>
-              <a:buChar char="•"/>
-            </a:pPr>
-            <a:r>
-              <a:rPr lang="en-US" sz="1000" b="1" dirty="0"/>
-              <a:t>Value</a:t>
-            </a:r>
-            <a:r>
-              <a:rPr lang="en-US" sz="1000" dirty="0"/>
-              <a:t> is how bright or dark the color is</a:t>
-            </a:r>
-          </a:p>
-          <a:p>
-            <a:pPr>
-              <a:lnSpc>
-                <a:spcPct val="105000"/>
-              </a:lnSpc>
-              <a:spcAft>
-                <a:spcPts val="600"/>
-              </a:spcAft>
-              <a:buFont typeface="Arial" panose="020B0604020202020204" pitchFamily="34" charset="0"/>
-              <a:buChar char="•"/>
-            </a:pPr>
-            <a:endParaRPr lang="en-US" sz="1000" dirty="0"/>
-          </a:p>
-          <a:p>
-            <a:pPr>
-              <a:lnSpc>
-                <a:spcPct val="105000"/>
-              </a:lnSpc>
-              <a:spcAft>
-                <a:spcPts val="600"/>
-              </a:spcAft>
-              <a:buFont typeface="Arial" panose="020B0604020202020204" pitchFamily="34" charset="0"/>
-              <a:buChar char="•"/>
-            </a:pPr>
-            <a:endParaRPr lang="en-US" sz="1000" dirty="0"/>
-          </a:p>
-          <a:p>
-            <a:pPr marL="76200" indent="0">
-              <a:lnSpc>
-                <a:spcPct val="105000"/>
-              </a:lnSpc>
-              <a:spcAft>
-                <a:spcPts val="600"/>
-              </a:spcAft>
-              <a:buNone/>
-            </a:pPr>
-            <a:r>
-              <a:rPr lang="en-US" sz="1000" dirty="0"/>
-              <a:t>HSV's </a:t>
-            </a:r>
-            <a:r>
-              <a:rPr lang="en-US" sz="1000" b="1" dirty="0"/>
-              <a:t>real benefit is not in display</a:t>
-            </a:r>
-            <a:r>
-              <a:rPr lang="en-US" sz="1000" dirty="0"/>
-              <a:t> but in </a:t>
-            </a:r>
-            <a:r>
-              <a:rPr lang="en-US" sz="1000" b="1" dirty="0"/>
-              <a:t>color filtering</a:t>
-            </a:r>
-            <a:r>
-              <a:rPr lang="en-US" sz="1000" dirty="0"/>
-              <a:t>, </a:t>
-            </a:r>
-            <a:r>
-              <a:rPr lang="en-US" sz="1000" b="1" dirty="0"/>
-              <a:t>thresholding</a:t>
-            </a:r>
-            <a:r>
-              <a:rPr lang="en-US" sz="1000" dirty="0"/>
-              <a:t>, and </a:t>
-            </a:r>
-            <a:r>
-              <a:rPr lang="en-US" sz="1000" b="1" dirty="0"/>
-              <a:t>segmentation</a:t>
-            </a:r>
-            <a:r>
-              <a:rPr lang="en-US" sz="1000" dirty="0"/>
-              <a:t>, especially for things like detecting a specific color.</a:t>
-            </a:r>
-          </a:p>
-          <a:p>
-            <a:pPr>
-              <a:lnSpc>
-                <a:spcPct val="105000"/>
-              </a:lnSpc>
-              <a:spcAft>
-                <a:spcPts val="600"/>
-              </a:spcAft>
-              <a:buFont typeface="Arial" panose="020B0604020202020204" pitchFamily="34" charset="0"/>
-              <a:buChar char="•"/>
-            </a:pPr>
-            <a:r>
-              <a:rPr lang="en-US" sz="1000" b="1" dirty="0"/>
-              <a:t>HSV</a:t>
-            </a:r>
-            <a:r>
-              <a:rPr lang="en-US" sz="1000" dirty="0"/>
-              <a:t> separates the concept of color (Hue), vibrancy (Saturation), and brightness (Value).</a:t>
-            </a:r>
-          </a:p>
-          <a:p>
-            <a:pPr>
-              <a:lnSpc>
-                <a:spcPct val="105000"/>
-              </a:lnSpc>
-              <a:spcAft>
-                <a:spcPts val="600"/>
-              </a:spcAft>
-              <a:buFont typeface="Arial" panose="020B0604020202020204" pitchFamily="34" charset="0"/>
-              <a:buChar char="•"/>
-            </a:pPr>
-            <a:r>
-              <a:rPr lang="en-US" sz="1000" dirty="0"/>
-              <a:t>HSV is more </a:t>
-            </a:r>
-            <a:r>
-              <a:rPr lang="en-US" sz="1000" b="1" dirty="0"/>
-              <a:t>aligned to how humans perceive colors</a:t>
-            </a:r>
-            <a:r>
-              <a:rPr lang="en-US" sz="1000" dirty="0"/>
-              <a:t>, which is helpful for tasks like:</a:t>
-            </a:r>
-          </a:p>
-          <a:p>
-            <a:pPr marL="742950" lvl="1" indent="-285750">
-              <a:lnSpc>
-                <a:spcPct val="105000"/>
-              </a:lnSpc>
-              <a:spcAft>
-                <a:spcPts val="600"/>
-              </a:spcAft>
-              <a:buFont typeface="Arial" panose="020B0604020202020204" pitchFamily="34" charset="0"/>
-              <a:buChar char="•"/>
-            </a:pPr>
-            <a:r>
-              <a:rPr lang="en-US" sz="1000" dirty="0"/>
-              <a:t>Detecting a red ball (by filtering hue)</a:t>
-            </a:r>
-          </a:p>
-          <a:p>
-            <a:pPr marL="742950" lvl="1" indent="-285750">
-              <a:lnSpc>
-                <a:spcPct val="105000"/>
-              </a:lnSpc>
-              <a:spcAft>
-                <a:spcPts val="600"/>
-              </a:spcAft>
-              <a:buFont typeface="Arial" panose="020B0604020202020204" pitchFamily="34" charset="0"/>
-              <a:buChar char="•"/>
-            </a:pPr>
-            <a:r>
-              <a:rPr lang="en-US" sz="1000" dirty="0"/>
-              <a:t>Enhancing low-light images (by modifying value)</a:t>
-            </a:r>
-          </a:p>
-          <a:p>
-            <a:pPr marL="76200" indent="0">
-              <a:lnSpc>
-                <a:spcPct val="105000"/>
-              </a:lnSpc>
-              <a:spcAft>
-                <a:spcPts val="600"/>
-              </a:spcAft>
-              <a:buNone/>
-            </a:pPr>
-            <a:endParaRPr lang="en-US" sz="1000" dirty="0"/>
-          </a:p>
-        </p:txBody>
-      </p:sp>
-      <p:sp>
-        <p:nvSpPr>
-          <p:cNvPr id="4" name="Slide Number Placeholder 3">
-            <a:extLst>
-              <a:ext uri="{FF2B5EF4-FFF2-40B4-BE49-F238E27FC236}">
-                <a16:creationId xmlns:a16="http://schemas.microsoft.com/office/drawing/2014/main" id="{6A61ECF1-9DDF-BE64-1F2A-16F9C3F0FEC8}"/>
-              </a:ext>
-            </a:extLst>
-          </p:cNvPr>
-          <p:cNvSpPr>
-            <a:spLocks noGrp="1"/>
-          </p:cNvSpPr>
-          <p:nvPr>
-            <p:ph type="sldNum" idx="12"/>
-          </p:nvPr>
-        </p:nvSpPr>
-        <p:spPr>
-          <a:xfrm>
-            <a:off x="11296610" y="6217622"/>
-            <a:ext cx="731700" cy="524700"/>
-          </a:xfrm>
-        </p:spPr>
-        <p:txBody>
-          <a:bodyPr wrap="square" anchor="ctr">
-            <a:normAutofit/>
-          </a:bodyPr>
-          <a:lstStyle/>
-          <a:p>
-            <a:pPr marL="0" lvl="0" indent="0" rtl="0">
-              <a:spcBef>
-                <a:spcPts val="0"/>
-              </a:spcBef>
-              <a:spcAft>
-                <a:spcPts val="600"/>
-              </a:spcAft>
-              <a:buNone/>
-            </a:pPr>
-            <a:fld id="{00000000-1234-1234-1234-123412341234}" type="slidenum">
-              <a:rPr lang="en-US" smtClean="0"/>
-              <a:pPr marL="0" lvl="0" indent="0" rtl="0">
-                <a:spcBef>
-                  <a:spcPts val="0"/>
-                </a:spcBef>
-                <a:spcAft>
-                  <a:spcPts val="600"/>
-                </a:spcAft>
-                <a:buNone/>
-              </a:pPr>
-              <a:t>30</a:t>
-            </a:fld>
-            <a:endParaRPr lang="en-US"/>
-          </a:p>
-        </p:txBody>
-      </p:sp>
-    </p:spTree>
-    <p:extLst>
-      <p:ext uri="{BB962C8B-B14F-4D97-AF65-F5344CB8AC3E}">
-        <p14:creationId xmlns:p14="http://schemas.microsoft.com/office/powerpoint/2010/main" val="2405149856"/>
-      </p:ext>
-    </p:extLst>
-  </p:cSld>
-  <p:clrMapOvr>
-    <a:masterClrMapping/>
-  </p:clrMapOvr>
-</p:sld>
-</file>
-
-<file path=ppt/slides/slide31.xml><?xml version="1.0" encoding="utf-8"?>
-<p:sld xmlns:a="http://schemas.openxmlformats.org/drawingml/2006/main" xmlns:r="http://schemas.openxmlformats.org/officeDocument/2006/relationships" xmlns:p="http://schemas.openxmlformats.org/presentationml/2006/main">
-  <p:cSld>
-    <p:spTree>
-      <p:nvGrpSpPr>
-        <p:cNvPr id="1" name=""/>
-        <p:cNvGrpSpPr/>
-        <p:nvPr/>
-      </p:nvGrpSpPr>
-      <p:grpSpPr>
-        <a:xfrm>
-          <a:off x="0" y="0"/>
-          <a:ext cx="0" cy="0"/>
-          <a:chOff x="0" y="0"/>
-          <a:chExt cx="0" cy="0"/>
-        </a:xfrm>
-      </p:grpSpPr>
-      <p:sp>
-        <p:nvSpPr>
-          <p:cNvPr id="3" name="Slide Number Placeholder 2">
-            <a:extLst>
-              <a:ext uri="{FF2B5EF4-FFF2-40B4-BE49-F238E27FC236}">
-                <a16:creationId xmlns:a16="http://schemas.microsoft.com/office/drawing/2014/main" id="{57BA24A8-CCBF-A300-9BFC-79054C4B4973}"/>
-              </a:ext>
-            </a:extLst>
-          </p:cNvPr>
-          <p:cNvSpPr>
-            <a:spLocks noGrp="1"/>
-          </p:cNvSpPr>
-          <p:nvPr>
-            <p:ph type="sldNum" idx="12"/>
-          </p:nvPr>
-        </p:nvSpPr>
-        <p:spPr/>
-        <p:txBody>
-          <a:bodyPr/>
-          <a:lstStyle/>
-          <a:p>
-            <a:pPr marL="0" lvl="0" indent="0" algn="r" rtl="0">
-              <a:spcBef>
-                <a:spcPts val="0"/>
-              </a:spcBef>
-              <a:spcAft>
-                <a:spcPts val="0"/>
-              </a:spcAft>
-              <a:buNone/>
-            </a:pPr>
-            <a:fld id="{00000000-1234-1234-1234-123412341234}" type="slidenum">
-              <a:rPr lang="en-US" smtClean="0"/>
-              <a:t>31</a:t>
-            </a:fld>
-            <a:endParaRPr lang="en-US"/>
-          </a:p>
-        </p:txBody>
-      </p:sp>
-      <p:sp>
-        <p:nvSpPr>
-          <p:cNvPr id="5" name="TextBox 4">
-            <a:extLst>
-              <a:ext uri="{FF2B5EF4-FFF2-40B4-BE49-F238E27FC236}">
-                <a16:creationId xmlns:a16="http://schemas.microsoft.com/office/drawing/2014/main" id="{03A9F4CA-CFC4-D3A0-4F26-793FE5A5EF8B}"/>
-              </a:ext>
-            </a:extLst>
-          </p:cNvPr>
-          <p:cNvSpPr txBox="1"/>
-          <p:nvPr/>
-        </p:nvSpPr>
-        <p:spPr>
-          <a:xfrm>
-            <a:off x="462455" y="591605"/>
-            <a:ext cx="10531366" cy="2893100"/>
-          </a:xfrm>
-          <a:prstGeom prst="rect">
-            <a:avLst/>
-          </a:prstGeom>
-          <a:noFill/>
-        </p:spPr>
-        <p:txBody>
-          <a:bodyPr wrap="square">
-            <a:spAutoFit/>
-          </a:bodyPr>
-          <a:lstStyle/>
-          <a:p>
-            <a:r>
-              <a:rPr lang="en-US" b="1" dirty="0"/>
-              <a:t>Hue</a:t>
-            </a:r>
-            <a:r>
-              <a:rPr lang="en-US" dirty="0"/>
-              <a:t> in HSV directly represents color — </a:t>
-            </a:r>
-            <a:r>
-              <a:rPr lang="en-US" b="1" dirty="0"/>
-              <a:t>and red is at the ends of the Hue scale</a:t>
-            </a:r>
-            <a:r>
-              <a:rPr lang="en-US" dirty="0"/>
-              <a:t> (around 0° and 180°).</a:t>
-            </a:r>
-          </a:p>
-          <a:p>
-            <a:pPr>
-              <a:buNone/>
-            </a:pPr>
-            <a:endParaRPr lang="en-US" b="1" dirty="0"/>
-          </a:p>
-          <a:p>
-            <a:pPr>
-              <a:buNone/>
-            </a:pPr>
-            <a:endParaRPr lang="en-US" b="1" dirty="0"/>
-          </a:p>
-          <a:p>
-            <a:pPr>
-              <a:buNone/>
-            </a:pPr>
-            <a:r>
-              <a:rPr lang="en-US" b="1" dirty="0"/>
-              <a:t>HSV Range: [H, S, V]</a:t>
-            </a:r>
-          </a:p>
-          <a:p>
-            <a:pPr>
-              <a:buFont typeface="Arial" panose="020B0604020202020204" pitchFamily="34" charset="0"/>
-              <a:buChar char="•"/>
-            </a:pPr>
-            <a:r>
-              <a:rPr lang="en-US" dirty="0"/>
-              <a:t>Hue: 0–179 in OpenCV (not 0–360!)</a:t>
-            </a:r>
-          </a:p>
-          <a:p>
-            <a:pPr>
-              <a:buFont typeface="Arial" panose="020B0604020202020204" pitchFamily="34" charset="0"/>
-              <a:buChar char="•"/>
-            </a:pPr>
-            <a:r>
-              <a:rPr lang="en-US" dirty="0"/>
-              <a:t>Saturation: 0–255 (how vibrant)</a:t>
-            </a:r>
-          </a:p>
-          <a:p>
-            <a:pPr>
-              <a:buFont typeface="Arial" panose="020B0604020202020204" pitchFamily="34" charset="0"/>
-              <a:buChar char="•"/>
-            </a:pPr>
-            <a:r>
-              <a:rPr lang="en-US" dirty="0"/>
-              <a:t>Value: 0–255 (brightness)</a:t>
-            </a:r>
-          </a:p>
-          <a:p>
-            <a:endParaRPr lang="en-US" dirty="0"/>
-          </a:p>
-          <a:p>
-            <a:pPr>
-              <a:buNone/>
-            </a:pPr>
-            <a:r>
-              <a:rPr lang="en-US" dirty="0"/>
-              <a:t>Red wraps around the HSV hue wheel. So in OpenCV:</a:t>
-            </a:r>
-          </a:p>
-          <a:p>
-            <a:pPr>
-              <a:buFont typeface="Arial" panose="020B0604020202020204" pitchFamily="34" charset="0"/>
-              <a:buChar char="•"/>
-            </a:pPr>
-            <a:r>
-              <a:rPr lang="en-US" dirty="0"/>
-              <a:t>Some red tones are near </a:t>
-            </a:r>
-            <a:r>
-              <a:rPr lang="en-US" b="1" dirty="0"/>
-              <a:t>0–10</a:t>
-            </a:r>
-            <a:endParaRPr lang="en-US" dirty="0"/>
-          </a:p>
-          <a:p>
-            <a:pPr>
-              <a:buFont typeface="Arial" panose="020B0604020202020204" pitchFamily="34" charset="0"/>
-              <a:buChar char="•"/>
-            </a:pPr>
-            <a:r>
-              <a:rPr lang="en-US" dirty="0"/>
-              <a:t>Others are near </a:t>
-            </a:r>
-            <a:r>
-              <a:rPr lang="en-US" b="1" dirty="0"/>
-              <a:t>160–180</a:t>
-            </a:r>
-            <a:endParaRPr lang="en-US" dirty="0"/>
-          </a:p>
-          <a:p>
-            <a:endParaRPr lang="en-US" dirty="0"/>
-          </a:p>
-          <a:p>
-            <a:endParaRPr lang="en-US" dirty="0"/>
-          </a:p>
-        </p:txBody>
-      </p:sp>
-      <p:graphicFrame>
-        <p:nvGraphicFramePr>
-          <p:cNvPr id="6" name="Table 5">
-            <a:extLst>
-              <a:ext uri="{FF2B5EF4-FFF2-40B4-BE49-F238E27FC236}">
-                <a16:creationId xmlns:a16="http://schemas.microsoft.com/office/drawing/2014/main" id="{9C0D535D-80A4-93E4-B62E-EAA6E537EAAE}"/>
-              </a:ext>
-            </a:extLst>
-          </p:cNvPr>
-          <p:cNvGraphicFramePr>
-            <a:graphicFrameLocks noGrp="1"/>
-          </p:cNvGraphicFramePr>
-          <p:nvPr>
-            <p:extLst>
-              <p:ext uri="{D42A27DB-BD31-4B8C-83A1-F6EECF244321}">
-                <p14:modId xmlns:p14="http://schemas.microsoft.com/office/powerpoint/2010/main" val="3243041438"/>
-              </p:ext>
-            </p:extLst>
-          </p:nvPr>
-        </p:nvGraphicFramePr>
-        <p:xfrm>
-          <a:off x="369395" y="3027505"/>
-          <a:ext cx="11360150" cy="914400"/>
-        </p:xfrm>
-        <a:graphic>
-          <a:graphicData uri="http://schemas.openxmlformats.org/drawingml/2006/table">
-            <a:tbl>
-              <a:tblPr/>
-              <a:tblGrid>
-                <a:gridCol w="5680075">
-                  <a:extLst>
-                    <a:ext uri="{9D8B030D-6E8A-4147-A177-3AD203B41FA5}">
-                      <a16:colId xmlns:a16="http://schemas.microsoft.com/office/drawing/2014/main" val="2256621888"/>
-                    </a:ext>
-                  </a:extLst>
-                </a:gridCol>
-                <a:gridCol w="5680075">
-                  <a:extLst>
-                    <a:ext uri="{9D8B030D-6E8A-4147-A177-3AD203B41FA5}">
-                      <a16:colId xmlns:a16="http://schemas.microsoft.com/office/drawing/2014/main" val="3157577371"/>
-                    </a:ext>
-                  </a:extLst>
-                </a:gridCol>
-              </a:tblGrid>
-              <a:tr h="0">
-                <a:tc>
-                  <a:txBody>
-                    <a:bodyPr/>
-                    <a:lstStyle/>
-                    <a:p>
-                      <a:r>
-                        <a:rPr lang="en-US">
-                          <a:highlight>
-                            <a:srgbClr val="FFFF00"/>
-                          </a:highlight>
-                        </a:rPr>
-                        <a:t>Real Hue (Degrees)</a:t>
-                      </a:r>
-                    </a:p>
-                  </a:txBody>
-                  <a:tcPr anchor="ctr">
-                    <a:lnL>
-                      <a:noFill/>
-                    </a:lnL>
-                    <a:lnR>
-                      <a:noFill/>
-                    </a:lnR>
-                    <a:lnT>
-                      <a:noFill/>
-                    </a:lnT>
-                    <a:lnB>
-                      <a:noFill/>
-                    </a:lnB>
-                    <a:noFill/>
-                  </a:tcPr>
-                </a:tc>
-                <a:tc>
-                  <a:txBody>
-                    <a:bodyPr/>
-                    <a:lstStyle/>
-                    <a:p>
-                      <a:r>
-                        <a:rPr lang="en-US">
-                          <a:highlight>
-                            <a:srgbClr val="FFFF00"/>
-                          </a:highlight>
-                        </a:rPr>
-                        <a:t>OpenCV Hue Value</a:t>
-                      </a:r>
-                    </a:p>
-                  </a:txBody>
-                  <a:tcPr anchor="ctr">
-                    <a:lnL>
-                      <a:noFill/>
-                    </a:lnL>
-                    <a:lnR>
-                      <a:noFill/>
-                    </a:lnR>
-                    <a:lnT>
-                      <a:noFill/>
-                    </a:lnT>
-                    <a:lnB>
-                      <a:noFill/>
-                    </a:lnB>
-                    <a:noFill/>
-                  </a:tcPr>
-                </a:tc>
-                <a:extLst>
-                  <a:ext uri="{0D108BD9-81ED-4DB2-BD59-A6C34878D82A}">
-                    <a16:rowId xmlns:a16="http://schemas.microsoft.com/office/drawing/2014/main" val="1530951114"/>
-                  </a:ext>
-                </a:extLst>
-              </a:tr>
-              <a:tr h="0">
-                <a:tc>
-                  <a:txBody>
-                    <a:bodyPr/>
-                    <a:lstStyle/>
-                    <a:p>
-                      <a:r>
-                        <a:rPr lang="en-US" dirty="0">
-                          <a:highlight>
-                            <a:srgbClr val="FFFF00"/>
-                          </a:highlight>
-                        </a:rPr>
-                        <a:t>0° (Red)</a:t>
-                      </a:r>
-                    </a:p>
-                  </a:txBody>
-                  <a:tcPr anchor="ctr">
-                    <a:lnL>
-                      <a:noFill/>
-                    </a:lnL>
-                    <a:lnR>
-                      <a:noFill/>
-                    </a:lnR>
-                    <a:lnT>
-                      <a:noFill/>
-                    </a:lnT>
-                    <a:lnB>
-                      <a:noFill/>
-                    </a:lnB>
-                    <a:noFill/>
-                  </a:tcPr>
-                </a:tc>
-                <a:tc>
-                  <a:txBody>
-                    <a:bodyPr/>
-                    <a:lstStyle/>
-                    <a:p>
-                      <a:r>
-                        <a:rPr lang="en-US">
-                          <a:highlight>
-                            <a:srgbClr val="FFFF00"/>
-                          </a:highlight>
-                        </a:rPr>
-                        <a:t>0</a:t>
-                      </a:r>
-                    </a:p>
-                  </a:txBody>
-                  <a:tcPr anchor="ctr">
-                    <a:lnL>
-                      <a:noFill/>
-                    </a:lnL>
-                    <a:lnR>
-                      <a:noFill/>
-                    </a:lnR>
-                    <a:lnT>
-                      <a:noFill/>
-                    </a:lnT>
-                    <a:lnB>
-                      <a:noFill/>
-                    </a:lnB>
-                    <a:noFill/>
-                  </a:tcPr>
-                </a:tc>
-                <a:extLst>
-                  <a:ext uri="{0D108BD9-81ED-4DB2-BD59-A6C34878D82A}">
-                    <a16:rowId xmlns:a16="http://schemas.microsoft.com/office/drawing/2014/main" val="324296876"/>
-                  </a:ext>
-                </a:extLst>
-              </a:tr>
-              <a:tr h="0">
-                <a:tc>
-                  <a:txBody>
-                    <a:bodyPr/>
-                    <a:lstStyle/>
-                    <a:p>
-                      <a:r>
-                        <a:rPr lang="en-US">
-                          <a:highlight>
-                            <a:srgbClr val="FFFF00"/>
-                          </a:highlight>
-                        </a:rPr>
-                        <a:t>360° (Red again)</a:t>
-                      </a:r>
-                    </a:p>
-                  </a:txBody>
-                  <a:tcPr anchor="ctr">
-                    <a:lnL>
-                      <a:noFill/>
-                    </a:lnL>
-                    <a:lnR>
-                      <a:noFill/>
-                    </a:lnR>
-                    <a:lnT>
-                      <a:noFill/>
-                    </a:lnT>
-                    <a:lnB>
-                      <a:noFill/>
-                    </a:lnB>
-                    <a:noFill/>
-                  </a:tcPr>
-                </a:tc>
-                <a:tc>
-                  <a:txBody>
-                    <a:bodyPr/>
-                    <a:lstStyle/>
-                    <a:p>
-                      <a:r>
-                        <a:rPr lang="en-US" dirty="0">
-                          <a:highlight>
-                            <a:srgbClr val="FFFF00"/>
-                          </a:highlight>
-                        </a:rPr>
-                        <a:t>179</a:t>
-                      </a:r>
-                    </a:p>
-                  </a:txBody>
-                  <a:tcPr anchor="ctr">
-                    <a:lnL>
-                      <a:noFill/>
-                    </a:lnL>
-                    <a:lnR>
-                      <a:noFill/>
-                    </a:lnR>
-                    <a:lnT>
-                      <a:noFill/>
-                    </a:lnT>
-                    <a:lnB>
-                      <a:noFill/>
-                    </a:lnB>
-                    <a:noFill/>
-                  </a:tcPr>
-                </a:tc>
-                <a:extLst>
-                  <a:ext uri="{0D108BD9-81ED-4DB2-BD59-A6C34878D82A}">
-                    <a16:rowId xmlns:a16="http://schemas.microsoft.com/office/drawing/2014/main" val="3492998471"/>
-                  </a:ext>
-                </a:extLst>
-              </a:tr>
-            </a:tbl>
-          </a:graphicData>
-        </a:graphic>
-      </p:graphicFrame>
-      <p:sp>
-        <p:nvSpPr>
-          <p:cNvPr id="7" name="Rectangle 1">
-            <a:extLst>
-              <a:ext uri="{FF2B5EF4-FFF2-40B4-BE49-F238E27FC236}">
-                <a16:creationId xmlns:a16="http://schemas.microsoft.com/office/drawing/2014/main" id="{66C46410-1503-80BA-337D-668259970CAE}"/>
-              </a:ext>
-            </a:extLst>
-          </p:cNvPr>
-          <p:cNvSpPr>
-            <a:spLocks noChangeArrowheads="1"/>
-          </p:cNvSpPr>
-          <p:nvPr/>
-        </p:nvSpPr>
-        <p:spPr bwMode="auto">
-          <a:xfrm>
-            <a:off x="369395" y="3941905"/>
-            <a:ext cx="8555421" cy="3554819"/>
-          </a:xfrm>
-          <a:prstGeom prst="rect">
-            <a:avLst/>
-          </a:prstGeom>
-          <a:noFill/>
-          <a:ln>
-            <a:noFill/>
-          </a:ln>
-          <a:effectLst/>
-          <a:extLst>
-            <a:ext uri="{909E8E84-426E-40DD-AFC4-6F175D3DCCD1}">
-              <a14:hiddenFill xmlns:a14="http://schemas.microsoft.com/office/drawing/2010/main">
-                <a:solidFill>
-                  <a:schemeClr val="accent1"/>
-                </a:solidFill>
-              </a14:hiddenFill>
-            </a:ext>
-            <a:ext uri="{91240B29-F687-4F45-9708-019B960494DF}">
-              <a14:hiddenLine xmlns:a14="http://schemas.microsoft.com/office/drawing/2010/main" w="9525">
-                <a:solidFill>
-                  <a:schemeClr val="tx1"/>
-                </a:solidFill>
-                <a:miter lim="800000"/>
-                <a:headEnd/>
-                <a:tailEnd/>
-              </a14:hiddenLine>
-            </a:ext>
-            <a:ext uri="{AF507438-7753-43E0-B8FC-AC1667EBCBE1}">
-              <a14:hiddenEffects xmlns:a14="http://schemas.microsoft.com/office/drawing/2010/main">
-                <a:effectLst>
-                  <a:outerShdw dist="35921" dir="2700000" algn="ctr" rotWithShape="0">
-                    <a:schemeClr val="bg2"/>
-                  </a:outerShdw>
-                </a:effectLst>
-              </a14:hiddenEffects>
-            </a:ext>
-          </a:extLst>
-        </p:spPr>
-        <p:txBody>
-          <a:bodyPr vert="horz" wrap="square" lIns="91440" tIns="45720" rIns="91440" bIns="45720" numCol="1" anchor="ctr" anchorCtr="0" compatLnSpc="1">
-            <a:prstTxWarp prst="textNoShape">
-              <a:avLst/>
-            </a:prstTxWarp>
-            <a:spAutoFit/>
-          </a:bodyPr>
-          <a:lstStyle/>
-          <a:p>
-            <a:pPr marL="0" marR="0" lvl="0" indent="0" algn="l" defTabSz="914400" rtl="0" eaLnBrk="0" fontAlgn="base" latinLnBrk="0" hangingPunct="0">
-              <a:lnSpc>
-                <a:spcPct val="100000"/>
-              </a:lnSpc>
-              <a:spcBef>
-                <a:spcPct val="0"/>
-              </a:spcBef>
-              <a:spcAft>
-                <a:spcPct val="0"/>
-              </a:spcAft>
-              <a:buClrTx/>
-              <a:buSzTx/>
-              <a:buFontTx/>
-              <a:buNone/>
-              <a:tabLst/>
-            </a:pPr>
-            <a:r>
-              <a:rPr kumimoji="0" lang="en-US" altLang="en-US" sz="1500" b="0" i="0" u="none" strike="noStrike" cap="none" normalizeH="0" baseline="0" dirty="0">
-                <a:ln>
-                  <a:noFill/>
-                </a:ln>
-                <a:solidFill>
-                  <a:schemeClr val="tx1"/>
-                </a:solidFill>
-                <a:effectLst/>
-                <a:latin typeface="Arial Unicode MS"/>
-              </a:rPr>
-              <a:t>[0, 100, 100]</a:t>
-            </a:r>
-            <a:r>
-              <a:rPr kumimoji="0" lang="en-US" altLang="en-US" sz="1500" b="0" i="0" u="none" strike="noStrike" cap="none" normalizeH="0" baseline="0" dirty="0">
-                <a:ln>
-                  <a:noFill/>
-                </a:ln>
-                <a:solidFill>
-                  <a:schemeClr val="tx1"/>
-                </a:solidFill>
-                <a:effectLst/>
-              </a:rPr>
-              <a:t> = Red hue, medium saturation, medium brightness</a:t>
-            </a:r>
-            <a:br>
-              <a:rPr kumimoji="0" lang="en-US" altLang="en-US" sz="1500" b="0" i="0" u="none" strike="noStrike" cap="none" normalizeH="0" baseline="0" dirty="0">
-                <a:ln>
-                  <a:noFill/>
-                </a:ln>
-                <a:solidFill>
-                  <a:schemeClr val="tx1"/>
-                </a:solidFill>
-                <a:effectLst/>
-              </a:rPr>
-            </a:br>
-            <a:r>
-              <a:rPr kumimoji="0" lang="en-US" altLang="en-US" sz="1500" b="0" i="0" u="none" strike="noStrike" cap="none" normalizeH="0" baseline="0" dirty="0">
-                <a:ln>
-                  <a:noFill/>
-                </a:ln>
-                <a:solidFill>
-                  <a:schemeClr val="tx1"/>
-                </a:solidFill>
-                <a:effectLst/>
-                <a:latin typeface="Arial Unicode MS"/>
-              </a:rPr>
-              <a:t>[10, 255, 255]</a:t>
-            </a:r>
-            <a:r>
-              <a:rPr kumimoji="0" lang="en-US" altLang="en-US" sz="1500" b="0" i="0" u="none" strike="noStrike" cap="none" normalizeH="0" baseline="0" dirty="0">
-                <a:ln>
-                  <a:noFill/>
-                </a:ln>
-                <a:solidFill>
-                  <a:schemeClr val="tx1"/>
-                </a:solidFill>
-                <a:effectLst/>
-              </a:rPr>
-              <a:t> = Red-orange hue, </a:t>
-            </a:r>
-            <a:r>
-              <a:rPr kumimoji="0" lang="en-US" altLang="en-US" sz="1500" b="1" i="0" u="none" strike="noStrike" cap="none" normalizeH="0" baseline="0" dirty="0">
-                <a:ln>
-                  <a:noFill/>
-                </a:ln>
-                <a:solidFill>
-                  <a:schemeClr val="tx1"/>
-                </a:solidFill>
-                <a:effectLst/>
-                <a:latin typeface="Arial" panose="020B0604020202020204" pitchFamily="34" charset="0"/>
-              </a:rPr>
-              <a:t>very vibrant</a:t>
-            </a:r>
-            <a:r>
-              <a:rPr kumimoji="0" lang="en-US" altLang="en-US" sz="1500" b="0" i="0" u="none" strike="noStrike" cap="none" normalizeH="0" baseline="0" dirty="0">
-                <a:ln>
-                  <a:noFill/>
-                </a:ln>
-                <a:solidFill>
-                  <a:schemeClr val="tx1"/>
-                </a:solidFill>
-                <a:effectLst/>
-                <a:latin typeface="Arial" panose="020B0604020202020204" pitchFamily="34" charset="0"/>
-              </a:rPr>
-              <a:t> and </a:t>
-            </a:r>
-            <a:r>
-              <a:rPr kumimoji="0" lang="en-US" altLang="en-US" sz="1500" b="1" i="0" u="none" strike="noStrike" cap="none" normalizeH="0" baseline="0" dirty="0">
-                <a:ln>
-                  <a:noFill/>
-                </a:ln>
-                <a:solidFill>
-                  <a:schemeClr val="tx1"/>
-                </a:solidFill>
-                <a:effectLst/>
-                <a:latin typeface="Arial" panose="020B0604020202020204" pitchFamily="34" charset="0"/>
-              </a:rPr>
-              <a:t>very bright</a:t>
-            </a:r>
-          </a:p>
-          <a:p>
-            <a:pPr marL="0" marR="0" lvl="0" indent="0" algn="l" defTabSz="914400" rtl="0" eaLnBrk="0" fontAlgn="base" latinLnBrk="0" hangingPunct="0">
-              <a:lnSpc>
-                <a:spcPct val="100000"/>
-              </a:lnSpc>
-              <a:spcBef>
-                <a:spcPct val="0"/>
-              </a:spcBef>
-              <a:spcAft>
-                <a:spcPct val="0"/>
-              </a:spcAft>
-              <a:buClrTx/>
-              <a:buSzTx/>
-              <a:buFontTx/>
-              <a:buNone/>
-              <a:tabLst/>
-            </a:pPr>
-            <a:endParaRPr kumimoji="0" lang="en-US" altLang="en-US" sz="1500" b="1" i="0" u="none" strike="noStrike" cap="none" normalizeH="0" baseline="0" dirty="0">
-              <a:ln>
-                <a:noFill/>
-              </a:ln>
-              <a:solidFill>
-                <a:schemeClr val="tx1"/>
-              </a:solidFill>
-              <a:effectLst/>
-              <a:latin typeface="Arial" panose="020B0604020202020204" pitchFamily="34" charset="0"/>
-            </a:endParaRPr>
-          </a:p>
-          <a:p>
-            <a:pPr marL="0" marR="0" lvl="0" indent="0" algn="l" defTabSz="914400" rtl="0" eaLnBrk="0" fontAlgn="base" latinLnBrk="0" hangingPunct="0">
-              <a:lnSpc>
-                <a:spcPct val="100000"/>
-              </a:lnSpc>
-              <a:spcBef>
-                <a:spcPct val="0"/>
-              </a:spcBef>
-              <a:spcAft>
-                <a:spcPct val="0"/>
-              </a:spcAft>
-              <a:buClrTx/>
-              <a:buSzTx/>
-              <a:buFontTx/>
-              <a:buNone/>
-              <a:tabLst/>
-            </a:pPr>
-            <a:endParaRPr kumimoji="0" lang="en-US" altLang="en-US" sz="1500" b="1" i="0" u="none" strike="noStrike" cap="none" normalizeH="0" baseline="0" dirty="0">
-              <a:ln>
-                <a:noFill/>
-              </a:ln>
-              <a:solidFill>
-                <a:schemeClr val="tx1"/>
-              </a:solidFill>
-              <a:effectLst/>
-              <a:latin typeface="Arial" panose="020B0604020202020204" pitchFamily="34" charset="0"/>
-            </a:endParaRPr>
-          </a:p>
-          <a:p>
-            <a:pPr marL="0" marR="0" lvl="0" indent="0" algn="l" defTabSz="914400" rtl="0" eaLnBrk="0" fontAlgn="base" latinLnBrk="0" hangingPunct="0">
-              <a:lnSpc>
-                <a:spcPct val="100000"/>
-              </a:lnSpc>
-              <a:spcBef>
-                <a:spcPct val="0"/>
-              </a:spcBef>
-              <a:spcAft>
-                <a:spcPct val="0"/>
-              </a:spcAft>
-              <a:buClrTx/>
-              <a:buSzTx/>
-              <a:buFontTx/>
-              <a:buNone/>
-              <a:tabLst/>
-            </a:pPr>
-            <a:r>
-              <a:rPr lang="en-US" altLang="en-US" sz="1500" b="1" dirty="0">
-                <a:solidFill>
-                  <a:schemeClr val="tx1"/>
-                </a:solidFill>
-                <a:latin typeface="Arial" panose="020B0604020202020204" pitchFamily="34" charset="0"/>
-              </a:rPr>
-              <a:t>✅ Lower Bound: [0, 100, 100]</a:t>
-            </a:r>
-          </a:p>
-          <a:p>
-            <a:pPr marL="0" marR="0" lvl="0" indent="0" algn="l" defTabSz="914400" rtl="0" eaLnBrk="0" fontAlgn="base" latinLnBrk="0" hangingPunct="0">
-              <a:lnSpc>
-                <a:spcPct val="100000"/>
-              </a:lnSpc>
-              <a:spcBef>
-                <a:spcPct val="0"/>
-              </a:spcBef>
-              <a:spcAft>
-                <a:spcPct val="0"/>
-              </a:spcAft>
-              <a:buClrTx/>
-              <a:buSzTx/>
-              <a:buFontTx/>
-              <a:buNone/>
-              <a:tabLst/>
-            </a:pPr>
-            <a:r>
-              <a:rPr lang="en-US" altLang="en-US" sz="1500" b="1" dirty="0">
-                <a:solidFill>
-                  <a:schemeClr val="tx1"/>
-                </a:solidFill>
-                <a:latin typeface="Arial" panose="020B0604020202020204" pitchFamily="34" charset="0"/>
-              </a:rPr>
-              <a:t>Minimum Hue: 0 → red starts here</a:t>
-            </a:r>
-          </a:p>
-          <a:p>
-            <a:pPr marL="0" marR="0" lvl="0" indent="0" algn="l" defTabSz="914400" rtl="0" eaLnBrk="0" fontAlgn="base" latinLnBrk="0" hangingPunct="0">
-              <a:lnSpc>
-                <a:spcPct val="100000"/>
-              </a:lnSpc>
-              <a:spcBef>
-                <a:spcPct val="0"/>
-              </a:spcBef>
-              <a:spcAft>
-                <a:spcPct val="0"/>
-              </a:spcAft>
-              <a:buClrTx/>
-              <a:buSzTx/>
-              <a:buFontTx/>
-              <a:buNone/>
-              <a:tabLst/>
-            </a:pPr>
-            <a:r>
-              <a:rPr lang="en-US" altLang="en-US" sz="1500" b="1" dirty="0">
-                <a:solidFill>
-                  <a:schemeClr val="tx1"/>
-                </a:solidFill>
-                <a:latin typeface="Arial" panose="020B0604020202020204" pitchFamily="34" charset="0"/>
-              </a:rPr>
-              <a:t>Minimum Saturation: 100 → filters out dull, grayish tones</a:t>
-            </a:r>
-          </a:p>
-          <a:p>
-            <a:pPr marL="0" marR="0" lvl="0" indent="0" algn="l" defTabSz="914400" rtl="0" eaLnBrk="0" fontAlgn="base" latinLnBrk="0" hangingPunct="0">
-              <a:lnSpc>
-                <a:spcPct val="100000"/>
-              </a:lnSpc>
-              <a:spcBef>
-                <a:spcPct val="0"/>
-              </a:spcBef>
-              <a:spcAft>
-                <a:spcPct val="0"/>
-              </a:spcAft>
-              <a:buClrTx/>
-              <a:buSzTx/>
-              <a:buFontTx/>
-              <a:buNone/>
-              <a:tabLst/>
-            </a:pPr>
-            <a:r>
-              <a:rPr lang="en-US" altLang="en-US" sz="1500" b="1" dirty="0">
-                <a:solidFill>
-                  <a:schemeClr val="tx1"/>
-                </a:solidFill>
-                <a:latin typeface="Arial" panose="020B0604020202020204" pitchFamily="34" charset="0"/>
-              </a:rPr>
-              <a:t>Minimum Value: 100 → filters out very dark pixels</a:t>
-            </a:r>
-          </a:p>
-          <a:p>
-            <a:pPr marL="0" marR="0" lvl="0" indent="0" algn="l" defTabSz="914400" rtl="0" eaLnBrk="0" fontAlgn="base" latinLnBrk="0" hangingPunct="0">
-              <a:lnSpc>
-                <a:spcPct val="100000"/>
-              </a:lnSpc>
-              <a:spcBef>
-                <a:spcPct val="0"/>
-              </a:spcBef>
-              <a:spcAft>
-                <a:spcPct val="0"/>
-              </a:spcAft>
-              <a:buClrTx/>
-              <a:buSzTx/>
-              <a:buFontTx/>
-              <a:buNone/>
-              <a:tabLst/>
-            </a:pPr>
-            <a:endParaRPr lang="en-US" altLang="en-US" sz="1500" b="1" dirty="0">
-              <a:solidFill>
-                <a:schemeClr val="tx1"/>
-              </a:solidFill>
-              <a:latin typeface="Arial" panose="020B0604020202020204" pitchFamily="34" charset="0"/>
-            </a:endParaRPr>
-          </a:p>
-          <a:p>
-            <a:pPr marL="0" marR="0" lvl="0" indent="0" algn="l" defTabSz="914400" rtl="0" eaLnBrk="0" fontAlgn="base" latinLnBrk="0" hangingPunct="0">
-              <a:lnSpc>
-                <a:spcPct val="100000"/>
-              </a:lnSpc>
-              <a:spcBef>
-                <a:spcPct val="0"/>
-              </a:spcBef>
-              <a:spcAft>
-                <a:spcPct val="0"/>
-              </a:spcAft>
-              <a:buClrTx/>
-              <a:buSzTx/>
-              <a:buFontTx/>
-              <a:buNone/>
-              <a:tabLst/>
-            </a:pPr>
-            <a:r>
-              <a:rPr lang="en-US" altLang="en-US" sz="1500" b="1" dirty="0">
-                <a:solidFill>
-                  <a:schemeClr val="tx1"/>
-                </a:solidFill>
-                <a:latin typeface="Arial" panose="020B0604020202020204" pitchFamily="34" charset="0"/>
-              </a:rPr>
-              <a:t>✅ Upper Bound: [10, 255, 255]</a:t>
-            </a:r>
-          </a:p>
-          <a:p>
-            <a:pPr marL="0" marR="0" lvl="0" indent="0" algn="l" defTabSz="914400" rtl="0" eaLnBrk="0" fontAlgn="base" latinLnBrk="0" hangingPunct="0">
-              <a:lnSpc>
-                <a:spcPct val="100000"/>
-              </a:lnSpc>
-              <a:spcBef>
-                <a:spcPct val="0"/>
-              </a:spcBef>
-              <a:spcAft>
-                <a:spcPct val="0"/>
-              </a:spcAft>
-              <a:buClrTx/>
-              <a:buSzTx/>
-              <a:buFontTx/>
-              <a:buNone/>
-              <a:tabLst/>
-            </a:pPr>
-            <a:r>
-              <a:rPr lang="en-US" altLang="en-US" sz="1500" b="1" dirty="0">
-                <a:solidFill>
-                  <a:schemeClr val="tx1"/>
-                </a:solidFill>
-                <a:latin typeface="Arial" panose="020B0604020202020204" pitchFamily="34" charset="0"/>
-              </a:rPr>
-              <a:t>Maximum Hue: 10 → includes red to reddish-orange</a:t>
-            </a:r>
-          </a:p>
-          <a:p>
-            <a:pPr marL="0" marR="0" lvl="0" indent="0" algn="l" defTabSz="914400" rtl="0" eaLnBrk="0" fontAlgn="base" latinLnBrk="0" hangingPunct="0">
-              <a:lnSpc>
-                <a:spcPct val="100000"/>
-              </a:lnSpc>
-              <a:spcBef>
-                <a:spcPct val="0"/>
-              </a:spcBef>
-              <a:spcAft>
-                <a:spcPct val="0"/>
-              </a:spcAft>
-              <a:buClrTx/>
-              <a:buSzTx/>
-              <a:buFontTx/>
-              <a:buNone/>
-              <a:tabLst/>
-            </a:pPr>
-            <a:r>
-              <a:rPr lang="en-US" altLang="en-US" sz="1500" b="1" dirty="0">
-                <a:solidFill>
-                  <a:schemeClr val="tx1"/>
-                </a:solidFill>
-                <a:latin typeface="Arial" panose="020B0604020202020204" pitchFamily="34" charset="0"/>
-              </a:rPr>
-              <a:t>Max Saturation &amp; Brightness: 255 → allow all vivid/bright pixels</a:t>
-            </a:r>
-          </a:p>
-          <a:p>
-            <a:pPr marL="0" marR="0" lvl="0" indent="0" algn="l" defTabSz="914400" rtl="0" eaLnBrk="0" fontAlgn="base" latinLnBrk="0" hangingPunct="0">
-              <a:lnSpc>
-                <a:spcPct val="100000"/>
-              </a:lnSpc>
-              <a:spcBef>
-                <a:spcPct val="0"/>
-              </a:spcBef>
-              <a:spcAft>
-                <a:spcPct val="0"/>
-              </a:spcAft>
-              <a:buClrTx/>
-              <a:buSzTx/>
-              <a:buFontTx/>
-              <a:buNone/>
-              <a:tabLst/>
-            </a:pPr>
-            <a:endParaRPr lang="en-US" altLang="en-US" sz="1500" b="1" dirty="0">
-              <a:solidFill>
-                <a:schemeClr val="tx1"/>
-              </a:solidFill>
-              <a:latin typeface="Arial" panose="020B0604020202020204" pitchFamily="34" charset="0"/>
-            </a:endParaRPr>
-          </a:p>
-          <a:p>
-            <a:pPr marL="0" marR="0" lvl="0" indent="0" algn="l" defTabSz="914400" rtl="0" eaLnBrk="0" fontAlgn="base" latinLnBrk="0" hangingPunct="0">
-              <a:lnSpc>
-                <a:spcPct val="100000"/>
-              </a:lnSpc>
-              <a:spcBef>
-                <a:spcPct val="0"/>
-              </a:spcBef>
-              <a:spcAft>
-                <a:spcPct val="0"/>
-              </a:spcAft>
-              <a:buClrTx/>
-              <a:buSzTx/>
-              <a:buFontTx/>
-              <a:buNone/>
-              <a:tabLst/>
-            </a:pPr>
-            <a:endParaRPr lang="en-US" altLang="en-US" sz="1500" b="1" dirty="0">
-              <a:solidFill>
-                <a:schemeClr val="tx1"/>
-              </a:solidFill>
-              <a:latin typeface="Arial" panose="020B0604020202020204" pitchFamily="34" charset="0"/>
-            </a:endParaRPr>
-          </a:p>
-          <a:p>
-            <a:pPr marL="0" marR="0" lvl="0" indent="0" algn="l" defTabSz="914400" rtl="0" eaLnBrk="0" fontAlgn="base" latinLnBrk="0" hangingPunct="0">
-              <a:lnSpc>
-                <a:spcPct val="100000"/>
-              </a:lnSpc>
-              <a:spcBef>
-                <a:spcPct val="0"/>
-              </a:spcBef>
-              <a:spcAft>
-                <a:spcPct val="0"/>
-              </a:spcAft>
-              <a:buClrTx/>
-              <a:buSzTx/>
-              <a:buFontTx/>
-              <a:buNone/>
-              <a:tabLst/>
-            </a:pPr>
-            <a:endParaRPr kumimoji="0" lang="en-US" altLang="en-US" sz="1500" b="0" i="0" u="none" strike="noStrike" cap="none" normalizeH="0" baseline="0" dirty="0">
-              <a:ln>
-                <a:noFill/>
-              </a:ln>
-              <a:solidFill>
-                <a:schemeClr val="tx1"/>
-              </a:solidFill>
-              <a:effectLst/>
-              <a:latin typeface="Arial" panose="020B0604020202020204" pitchFamily="34" charset="0"/>
-            </a:endParaRPr>
-          </a:p>
-        </p:txBody>
-      </p:sp>
-    </p:spTree>
-    <p:extLst>
-      <p:ext uri="{BB962C8B-B14F-4D97-AF65-F5344CB8AC3E}">
-        <p14:creationId xmlns:p14="http://schemas.microsoft.com/office/powerpoint/2010/main" val="181395188"/>
-      </p:ext>
-    </p:extLst>
-  </p:cSld>
-  <p:clrMapOvr>
-    <a:masterClrMapping/>
-  </p:clrMapOvr>
-</p:sld>
-</file>
-
-<file path=ppt/slides/slide32.xml><?xml version="1.0" encoding="utf-8"?>
-<p:sld xmlns:a="http://schemas.openxmlformats.org/drawingml/2006/main" xmlns:r="http://schemas.openxmlformats.org/officeDocument/2006/relationships" xmlns:p="http://schemas.openxmlformats.org/presentationml/2006/main">
-  <p:cSld>
-    <p:spTree>
-      <p:nvGrpSpPr>
-        <p:cNvPr id="1" name="Shape 523"/>
-        <p:cNvGrpSpPr/>
-        <p:nvPr/>
-      </p:nvGrpSpPr>
-      <p:grpSpPr>
-        <a:xfrm>
-          <a:off x="0" y="0"/>
-          <a:ext cx="0" cy="0"/>
-          <a:chOff x="0" y="0"/>
-          <a:chExt cx="0" cy="0"/>
-        </a:xfrm>
-      </p:grpSpPr>
-      <p:sp>
-        <p:nvSpPr>
-          <p:cNvPr id="524" name="Google Shape;524;p67"/>
-          <p:cNvSpPr txBox="1">
-            <a:spLocks noGrp="1"/>
-          </p:cNvSpPr>
-          <p:nvPr>
-            <p:ph type="sldNum" idx="12"/>
-          </p:nvPr>
-        </p:nvSpPr>
-        <p:spPr>
-          <a:xfrm>
-            <a:off x="8610600" y="6356350"/>
-            <a:ext cx="2743200" cy="365100"/>
-          </a:xfrm>
-          <a:prstGeom prst="rect">
-            <a:avLst/>
-          </a:prstGeom>
-          <a:noFill/>
-          <a:ln>
-            <a:noFill/>
-          </a:ln>
-        </p:spPr>
-        <p:txBody>
-          <a:bodyPr spcFirstLastPara="1" wrap="square" lIns="91425" tIns="45700" rIns="91425" bIns="45700" anchor="ctr" anchorCtr="0">
-            <a:noAutofit/>
-          </a:bodyPr>
-          <a:lstStyle/>
-          <a:p>
-            <a:pPr marL="0" lvl="0" indent="0" algn="r" rtl="0">
-              <a:spcBef>
-                <a:spcPts val="0"/>
-              </a:spcBef>
-              <a:spcAft>
-                <a:spcPts val="0"/>
-              </a:spcAft>
-              <a:buClr>
-                <a:srgbClr val="000000"/>
-              </a:buClr>
-              <a:buSzPts val="900"/>
-              <a:buFont typeface="Arial"/>
-              <a:buNone/>
-            </a:pPr>
-            <a:fld id="{00000000-1234-1234-1234-123412341234}" type="slidenum">
-              <a:rPr lang="en-US" sz="900">
-                <a:solidFill>
-                  <a:srgbClr val="888888"/>
-                </a:solidFill>
-                <a:latin typeface="Calibri"/>
-                <a:ea typeface="Calibri"/>
-                <a:cs typeface="Calibri"/>
-                <a:sym typeface="Calibri"/>
-              </a:rPr>
-              <a:t>32</a:t>
-            </a:fld>
-            <a:endParaRPr sz="900">
-              <a:solidFill>
-                <a:srgbClr val="888888"/>
-              </a:solidFill>
-              <a:latin typeface="Calibri"/>
-              <a:ea typeface="Calibri"/>
-              <a:cs typeface="Calibri"/>
-              <a:sym typeface="Calibri"/>
-            </a:endParaRPr>
-          </a:p>
-        </p:txBody>
-      </p:sp>
-      <p:sp>
-        <p:nvSpPr>
-          <p:cNvPr id="525" name="Google Shape;525;p67"/>
-          <p:cNvSpPr txBox="1">
-            <a:spLocks noGrp="1"/>
-          </p:cNvSpPr>
-          <p:nvPr>
-            <p:ph type="body" idx="1"/>
-          </p:nvPr>
-        </p:nvSpPr>
-        <p:spPr>
-          <a:xfrm>
-            <a:off x="838200" y="1632858"/>
-            <a:ext cx="10515600" cy="4441500"/>
-          </a:xfrm>
-          <a:prstGeom prst="rect">
-            <a:avLst/>
-          </a:prstGeom>
-          <a:noFill/>
-          <a:ln>
-            <a:noFill/>
-          </a:ln>
-        </p:spPr>
-        <p:txBody>
-          <a:bodyPr spcFirstLastPara="1" wrap="square" lIns="91425" tIns="45700" rIns="91425" bIns="45700" anchor="t" anchorCtr="0">
-            <a:normAutofit/>
-          </a:bodyPr>
-          <a:lstStyle/>
-          <a:p>
-            <a:pPr marL="457200" lvl="0" indent="0" algn="l" rtl="0">
-              <a:lnSpc>
-                <a:spcPct val="100000"/>
-              </a:lnSpc>
-              <a:spcBef>
-                <a:spcPts val="1000"/>
-              </a:spcBef>
-              <a:spcAft>
-                <a:spcPts val="0"/>
-              </a:spcAft>
-              <a:buNone/>
-            </a:pPr>
-            <a:r>
-              <a:rPr lang="en-US" dirty="0"/>
-              <a:t>Digital Image Processing, Rafael C. Gonzalez &amp; Richard E woods, Third Ed, Chapter 2</a:t>
-            </a:r>
-            <a:endParaRPr dirty="0"/>
-          </a:p>
-          <a:p>
-            <a:pPr marL="914400" lvl="1" indent="-228600" algn="l" rtl="0">
-              <a:lnSpc>
-                <a:spcPct val="90000"/>
-              </a:lnSpc>
-              <a:spcBef>
-                <a:spcPts val="500"/>
-              </a:spcBef>
-              <a:spcAft>
-                <a:spcPts val="0"/>
-              </a:spcAft>
-              <a:buSzPct val="100000"/>
-              <a:buNone/>
-            </a:pPr>
-            <a:endParaRPr dirty="0"/>
-          </a:p>
-          <a:p>
-            <a:pPr marL="914400" lvl="1" indent="-228600" algn="l" rtl="0">
-              <a:lnSpc>
-                <a:spcPct val="90000"/>
-              </a:lnSpc>
-              <a:spcBef>
-                <a:spcPts val="500"/>
-              </a:spcBef>
-              <a:spcAft>
-                <a:spcPts val="0"/>
-              </a:spcAft>
-              <a:buSzPct val="100000"/>
-              <a:buNone/>
-            </a:pPr>
-            <a:endParaRPr dirty="0"/>
-          </a:p>
-          <a:p>
-            <a:pPr marL="914400" lvl="1" indent="-228600" algn="l" rtl="0">
-              <a:lnSpc>
-                <a:spcPct val="90000"/>
-              </a:lnSpc>
-              <a:spcBef>
-                <a:spcPts val="500"/>
-              </a:spcBef>
-              <a:spcAft>
-                <a:spcPts val="0"/>
-              </a:spcAft>
-              <a:buSzPct val="100000"/>
-              <a:buNone/>
-            </a:pPr>
-            <a:endParaRPr dirty="0"/>
-          </a:p>
-          <a:p>
-            <a:pPr marL="0" lvl="1" indent="0" algn="l" rtl="0">
-              <a:lnSpc>
-                <a:spcPct val="90000"/>
-              </a:lnSpc>
-              <a:spcBef>
-                <a:spcPts val="500"/>
-              </a:spcBef>
-              <a:spcAft>
-                <a:spcPts val="0"/>
-              </a:spcAft>
-              <a:buSzPct val="100000"/>
-              <a:buNone/>
-            </a:pPr>
-            <a:r>
-              <a:rPr lang="en-US" b="1" dirty="0">
-                <a:solidFill>
-                  <a:schemeClr val="dk1"/>
-                </a:solidFill>
-              </a:rPr>
-              <a:t>References for hands-on work:</a:t>
-            </a:r>
-            <a:endParaRPr b="1" dirty="0">
-              <a:solidFill>
-                <a:schemeClr val="dk1"/>
-              </a:solidFill>
-            </a:endParaRPr>
-          </a:p>
-          <a:p>
-            <a:pPr marL="457200" lvl="0" indent="-393065" algn="l" rtl="0">
-              <a:lnSpc>
-                <a:spcPct val="90000"/>
-              </a:lnSpc>
-              <a:spcBef>
-                <a:spcPts val="0"/>
-              </a:spcBef>
-              <a:spcAft>
-                <a:spcPts val="0"/>
-              </a:spcAft>
-              <a:buSzPct val="100000"/>
-              <a:buChar char="•"/>
-            </a:pPr>
-            <a:r>
-              <a:rPr lang="en-US" u="sng">
-                <a:solidFill>
-                  <a:schemeClr val="hlink"/>
-                </a:solidFill>
-                <a:hlinkClick r:id="rId3"/>
-              </a:rPr>
-              <a:t>https</a:t>
-            </a:r>
-            <a:r>
-              <a:rPr lang="en-US" u="sng" dirty="0">
-                <a:solidFill>
-                  <a:schemeClr val="hlink"/>
-                </a:solidFill>
-                <a:hlinkClick r:id="rId3"/>
-              </a:rPr>
-              <a:t>://www.kaggle.com/code/gauravduttakiit</a:t>
-            </a:r>
-            <a:r>
-              <a:rPr lang="en-US" u="sng">
-                <a:solidFill>
-                  <a:schemeClr val="hlink"/>
-                </a:solidFill>
-                <a:hlinkClick r:id="rId3"/>
-              </a:rPr>
-              <a:t>/image-processing-notebook</a:t>
-            </a:r>
-            <a:endParaRPr dirty="0"/>
-          </a:p>
-          <a:p>
-            <a:pPr marL="50800" lvl="0" indent="0" algn="l" rtl="0">
-              <a:lnSpc>
-                <a:spcPct val="100000"/>
-              </a:lnSpc>
-              <a:spcBef>
-                <a:spcPts val="1000"/>
-              </a:spcBef>
-              <a:spcAft>
-                <a:spcPts val="0"/>
-              </a:spcAft>
-              <a:buSzPct val="100000"/>
-              <a:buNone/>
-            </a:pPr>
-            <a:endParaRPr dirty="0"/>
-          </a:p>
-        </p:txBody>
-      </p:sp>
-      <p:sp>
-        <p:nvSpPr>
-          <p:cNvPr id="526" name="Google Shape;526;p67"/>
-          <p:cNvSpPr txBox="1">
-            <a:spLocks noGrp="1"/>
-          </p:cNvSpPr>
-          <p:nvPr>
-            <p:ph type="title"/>
-          </p:nvPr>
-        </p:nvSpPr>
-        <p:spPr>
-          <a:xfrm>
-            <a:off x="838200" y="365126"/>
-            <a:ext cx="10200000" cy="1027800"/>
-          </a:xfrm>
-          <a:prstGeom prst="rect">
-            <a:avLst/>
-          </a:prstGeom>
-        </p:spPr>
-        <p:txBody>
-          <a:bodyPr spcFirstLastPara="1" wrap="square" lIns="91425" tIns="45700" rIns="91425" bIns="45700" anchor="ctr" anchorCtr="0">
-            <a:normAutofit/>
-          </a:bodyPr>
-          <a:lstStyle/>
-          <a:p>
-            <a:pPr marL="457200" lvl="0" indent="0" algn="l" rtl="0">
-              <a:lnSpc>
-                <a:spcPct val="100000"/>
-              </a:lnSpc>
-              <a:spcBef>
-                <a:spcPts val="1000"/>
-              </a:spcBef>
-              <a:spcAft>
-                <a:spcPts val="0"/>
-              </a:spcAft>
-              <a:buNone/>
-            </a:pPr>
-            <a:r>
-              <a:rPr lang="en-US">
-                <a:latin typeface="Arial"/>
-                <a:ea typeface="Arial"/>
-                <a:cs typeface="Arial"/>
-                <a:sym typeface="Arial"/>
-              </a:rPr>
-              <a:t>Readings:</a:t>
-            </a:r>
-            <a:endParaRPr/>
-          </a:p>
-        </p:txBody>
-      </p:sp>
-    </p:spTree>
-  </p:cSld>
-  <p:clrMapOvr>
-    <a:masterClrMapping/>
-  </p:clrMapOvr>
-</p:sld>
-</file>
-
-<file path=ppt/slides/slide33.xml><?xml version="1.0" encoding="utf-8"?>
-<p:sld xmlns:a="http://schemas.openxmlformats.org/drawingml/2006/main" xmlns:r="http://schemas.openxmlformats.org/officeDocument/2006/relationships" xmlns:p="http://schemas.openxmlformats.org/presentationml/2006/main">
-  <p:cSld>
-    <p:spTree>
-      <p:nvGrpSpPr>
         <p:cNvPr id="1" name="Shape 530"/>
         <p:cNvGrpSpPr/>
         <p:nvPr/>
@@ -24339,7 +22222,7 @@
             </a:pPr>
             <a:fld id="{00000000-1234-1234-1234-123412341234}" type="slidenum">
               <a:rPr lang="en-US"/>
-              <a:t>33</a:t>
+              <a:t>30</a:t>
             </a:fld>
             <a:endParaRPr/>
           </a:p>
